--- a/Document/presentation/nam/voice notify.pptx
+++ b/Document/presentation/nam/voice notify.pptx
@@ -12,6 +12,7 @@
     <p:sldId id="324" r:id="rId6"/>
     <p:sldId id="325" r:id="rId7"/>
     <p:sldId id="326" r:id="rId8"/>
+    <p:sldId id="327" r:id="rId9"/>
   </p:sldIdLst>
   <p:sldSz cx="9144000" cy="6858000" type="screen4x3"/>
   <p:notesSz cx="6858000" cy="9144000"/>
@@ -249,7 +250,7 @@
           <a:p>
             <a:fld id="{94B1E4EC-92D8-4A33-94B0-5CDDBDDA3BE9}" type="datetimeFigureOut">
               <a:rPr lang="en-US" smtClean="0"/>
-              <a:t>12/11/2015</a:t>
+              <a:t>12/11/15</a:t>
             </a:fld>
             <a:endParaRPr lang="en-US"/>
           </a:p>
@@ -419,7 +420,7 @@
           <a:p>
             <a:fld id="{94B1E4EC-92D8-4A33-94B0-5CDDBDDA3BE9}" type="datetimeFigureOut">
               <a:rPr lang="en-US" smtClean="0"/>
-              <a:t>12/11/2015</a:t>
+              <a:t>12/11/15</a:t>
             </a:fld>
             <a:endParaRPr lang="en-US"/>
           </a:p>
@@ -599,7 +600,7 @@
           <a:p>
             <a:fld id="{94B1E4EC-92D8-4A33-94B0-5CDDBDDA3BE9}" type="datetimeFigureOut">
               <a:rPr lang="en-US" smtClean="0"/>
-              <a:t>12/11/2015</a:t>
+              <a:t>12/11/15</a:t>
             </a:fld>
             <a:endParaRPr lang="en-US"/>
           </a:p>
@@ -769,7 +770,7 @@
           <a:p>
             <a:fld id="{94B1E4EC-92D8-4A33-94B0-5CDDBDDA3BE9}" type="datetimeFigureOut">
               <a:rPr lang="en-US" smtClean="0"/>
-              <a:t>12/11/2015</a:t>
+              <a:t>12/11/15</a:t>
             </a:fld>
             <a:endParaRPr lang="en-US"/>
           </a:p>
@@ -1013,7 +1014,7 @@
           <a:p>
             <a:fld id="{94B1E4EC-92D8-4A33-94B0-5CDDBDDA3BE9}" type="datetimeFigureOut">
               <a:rPr lang="en-US" smtClean="0"/>
-              <a:t>12/11/2015</a:t>
+              <a:t>12/11/15</a:t>
             </a:fld>
             <a:endParaRPr lang="en-US"/>
           </a:p>
@@ -1245,7 +1246,7 @@
           <a:p>
             <a:fld id="{94B1E4EC-92D8-4A33-94B0-5CDDBDDA3BE9}" type="datetimeFigureOut">
               <a:rPr lang="en-US" smtClean="0"/>
-              <a:t>12/11/2015</a:t>
+              <a:t>12/11/15</a:t>
             </a:fld>
             <a:endParaRPr lang="en-US"/>
           </a:p>
@@ -1612,7 +1613,7 @@
           <a:p>
             <a:fld id="{94B1E4EC-92D8-4A33-94B0-5CDDBDDA3BE9}" type="datetimeFigureOut">
               <a:rPr lang="en-US" smtClean="0"/>
-              <a:t>12/11/2015</a:t>
+              <a:t>12/11/15</a:t>
             </a:fld>
             <a:endParaRPr lang="en-US"/>
           </a:p>
@@ -1730,7 +1731,7 @@
           <a:p>
             <a:fld id="{94B1E4EC-92D8-4A33-94B0-5CDDBDDA3BE9}" type="datetimeFigureOut">
               <a:rPr lang="en-US" smtClean="0"/>
-              <a:t>12/11/2015</a:t>
+              <a:t>12/11/15</a:t>
             </a:fld>
             <a:endParaRPr lang="en-US"/>
           </a:p>
@@ -1825,7 +1826,7 @@
           <a:p>
             <a:fld id="{94B1E4EC-92D8-4A33-94B0-5CDDBDDA3BE9}" type="datetimeFigureOut">
               <a:rPr lang="en-US" smtClean="0"/>
-              <a:t>12/11/2015</a:t>
+              <a:t>12/11/15</a:t>
             </a:fld>
             <a:endParaRPr lang="en-US"/>
           </a:p>
@@ -2102,7 +2103,7 @@
           <a:p>
             <a:fld id="{94B1E4EC-92D8-4A33-94B0-5CDDBDDA3BE9}" type="datetimeFigureOut">
               <a:rPr lang="en-US" smtClean="0"/>
-              <a:t>12/11/2015</a:t>
+              <a:t>12/11/15</a:t>
             </a:fld>
             <a:endParaRPr lang="en-US"/>
           </a:p>
@@ -2359,7 +2360,7 @@
           <a:p>
             <a:fld id="{94B1E4EC-92D8-4A33-94B0-5CDDBDDA3BE9}" type="datetimeFigureOut">
               <a:rPr lang="en-US" smtClean="0"/>
-              <a:t>12/11/2015</a:t>
+              <a:t>12/11/15</a:t>
             </a:fld>
             <a:endParaRPr lang="en-US"/>
           </a:p>
@@ -2572,7 +2573,7 @@
           <a:p>
             <a:fld id="{94B1E4EC-92D8-4A33-94B0-5CDDBDDA3BE9}" type="datetimeFigureOut">
               <a:rPr lang="en-US" smtClean="0"/>
-              <a:t>12/11/2015</a:t>
+              <a:t>12/11/15</a:t>
             </a:fld>
             <a:endParaRPr lang="en-US"/>
           </a:p>
@@ -4743,6 +4744,103 @@
 </p:sld>
 </file>
 
+<file path=ppt/slides/slide8.xml><?xml version="1.0" encoding="utf-8"?>
+<p:sld xmlns:a="http://schemas.openxmlformats.org/drawingml/2006/main" xmlns:r="http://schemas.openxmlformats.org/officeDocument/2006/relationships" xmlns:p="http://schemas.openxmlformats.org/presentationml/2006/main">
+  <p:cSld>
+    <p:spTree>
+      <p:nvGrpSpPr>
+        <p:cNvPr id="1" name=""/>
+        <p:cNvGrpSpPr/>
+        <p:nvPr/>
+      </p:nvGrpSpPr>
+      <p:grpSpPr>
+        <a:xfrm>
+          <a:off x="0" y="0"/>
+          <a:ext cx="0" cy="0"/>
+          <a:chOff x="0" y="0"/>
+          <a:chExt cx="0" cy="0"/>
+        </a:xfrm>
+      </p:grpSpPr>
+      <p:sp>
+        <p:nvSpPr>
+          <p:cNvPr id="2" name="Title 1"/>
+          <p:cNvSpPr>
+            <a:spLocks noGrp="1"/>
+          </p:cNvSpPr>
+          <p:nvPr>
+            <p:ph type="title"/>
+          </p:nvPr>
+        </p:nvSpPr>
+        <p:spPr/>
+        <p:txBody>
+          <a:bodyPr/>
+          <a:lstStyle/>
+          <a:p>
+            <a:r>
+              <a:rPr lang="en-US" dirty="0" smtClean="0"/>
+              <a:t>DEMO</a:t>
+            </a:r>
+            <a:endParaRPr lang="en-US" dirty="0"/>
+          </a:p>
+        </p:txBody>
+      </p:sp>
+      <p:sp>
+        <p:nvSpPr>
+          <p:cNvPr id="3" name="Content Placeholder 2"/>
+          <p:cNvSpPr>
+            <a:spLocks noGrp="1"/>
+          </p:cNvSpPr>
+          <p:nvPr>
+            <p:ph idx="1"/>
+          </p:nvPr>
+        </p:nvSpPr>
+        <p:spPr/>
+        <p:txBody>
+          <a:bodyPr/>
+          <a:lstStyle/>
+          <a:p>
+            <a:pPr marL="514350" indent="-514350">
+              <a:buAutoNum type="arabicPeriod"/>
+            </a:pPr>
+            <a:r>
+              <a:rPr lang="en-US" dirty="0" smtClean="0"/>
+              <a:t>Download audio files to mobile device</a:t>
+            </a:r>
+          </a:p>
+          <a:p>
+            <a:pPr marL="514350" indent="-514350">
+              <a:buAutoNum type="arabicPeriod"/>
+            </a:pPr>
+            <a:r>
+              <a:rPr lang="en-US" dirty="0" smtClean="0"/>
+              <a:t>Start tracking and notify</a:t>
+            </a:r>
+          </a:p>
+          <a:p>
+            <a:pPr marL="514350" indent="-514350">
+              <a:buAutoNum type="arabicPeriod"/>
+            </a:pPr>
+            <a:r>
+              <a:rPr lang="en-US" dirty="0" smtClean="0"/>
+              <a:t>At each turn will have sound notify</a:t>
+            </a:r>
+            <a:endParaRPr lang="en-US" dirty="0"/>
+          </a:p>
+        </p:txBody>
+      </p:sp>
+    </p:spTree>
+    <p:extLst>
+      <p:ext uri="{BB962C8B-B14F-4D97-AF65-F5344CB8AC3E}">
+        <p14:creationId xmlns:p14="http://schemas.microsoft.com/office/powerpoint/2010/main" val="1898894056"/>
+      </p:ext>
+    </p:extLst>
+  </p:cSld>
+  <p:clrMapOvr>
+    <a:masterClrMapping/>
+  </p:clrMapOvr>
+</p:sld>
+</file>
+
 <file path=ppt/theme/theme1.xml><?xml version="1.0" encoding="utf-8"?>
 <a:theme xmlns:a="http://schemas.openxmlformats.org/drawingml/2006/main" name="Office Theme">
   <a:themeElements>

--- a/Document/presentation/nam/voice notify.pptx
+++ b/Document/presentation/nam/voice notify.pptx
@@ -4,15 +4,18 @@
   <p:sldMasterIdLst>
     <p:sldMasterId id="2147483660" r:id="rId1"/>
   </p:sldMasterIdLst>
+  <p:notesMasterIdLst>
+    <p:notesMasterId r:id="rId10"/>
+  </p:notesMasterIdLst>
   <p:sldIdLst>
-    <p:sldId id="311" r:id="rId2"/>
-    <p:sldId id="317" r:id="rId3"/>
-    <p:sldId id="322" r:id="rId4"/>
-    <p:sldId id="323" r:id="rId5"/>
-    <p:sldId id="324" r:id="rId6"/>
-    <p:sldId id="325" r:id="rId7"/>
-    <p:sldId id="326" r:id="rId8"/>
-    <p:sldId id="327" r:id="rId9"/>
+    <p:sldId id="328" r:id="rId2"/>
+    <p:sldId id="329" r:id="rId3"/>
+    <p:sldId id="330" r:id="rId4"/>
+    <p:sldId id="331" r:id="rId5"/>
+    <p:sldId id="332" r:id="rId6"/>
+    <p:sldId id="333" r:id="rId7"/>
+    <p:sldId id="334" r:id="rId8"/>
+    <p:sldId id="335" r:id="rId9"/>
   </p:sldIdLst>
   <p:sldSz cx="9144000" cy="6858000" type="screen4x3"/>
   <p:notesSz cx="6858000" cy="9144000"/>
@@ -119,6 +122,1028 @@
 </p:presentation>
 </file>
 
+<file path=ppt/notesMasters/notesMaster1.xml><?xml version="1.0" encoding="utf-8"?>
+<p:notesMaster xmlns:a="http://schemas.openxmlformats.org/drawingml/2006/main" xmlns:r="http://schemas.openxmlformats.org/officeDocument/2006/relationships" xmlns:p="http://schemas.openxmlformats.org/presentationml/2006/main">
+  <p:cSld>
+    <p:bg>
+      <p:bgRef idx="1001">
+        <a:schemeClr val="bg1"/>
+      </p:bgRef>
+    </p:bg>
+    <p:spTree>
+      <p:nvGrpSpPr>
+        <p:cNvPr id="1" name=""/>
+        <p:cNvGrpSpPr/>
+        <p:nvPr/>
+      </p:nvGrpSpPr>
+      <p:grpSpPr>
+        <a:xfrm>
+          <a:off x="0" y="0"/>
+          <a:ext cx="0" cy="0"/>
+          <a:chOff x="0" y="0"/>
+          <a:chExt cx="0" cy="0"/>
+        </a:xfrm>
+      </p:grpSpPr>
+      <p:sp>
+        <p:nvSpPr>
+          <p:cNvPr id="2" name="Header Placeholder 1"/>
+          <p:cNvSpPr>
+            <a:spLocks noGrp="1"/>
+          </p:cNvSpPr>
+          <p:nvPr>
+            <p:ph type="hdr" sz="quarter"/>
+          </p:nvPr>
+        </p:nvSpPr>
+        <p:spPr>
+          <a:xfrm>
+            <a:off x="0" y="0"/>
+            <a:ext cx="2971800" cy="458788"/>
+          </a:xfrm>
+          <a:prstGeom prst="rect">
+            <a:avLst/>
+          </a:prstGeom>
+        </p:spPr>
+        <p:txBody>
+          <a:bodyPr vert="horz" lIns="91440" tIns="45720" rIns="91440" bIns="45720" rtlCol="0"/>
+          <a:lstStyle>
+            <a:lvl1pPr algn="l">
+              <a:defRPr sz="1200"/>
+            </a:lvl1pPr>
+          </a:lstStyle>
+          <a:p>
+            <a:endParaRPr lang="en-US"/>
+          </a:p>
+        </p:txBody>
+      </p:sp>
+      <p:sp>
+        <p:nvSpPr>
+          <p:cNvPr id="3" name="Date Placeholder 2"/>
+          <p:cNvSpPr>
+            <a:spLocks noGrp="1"/>
+          </p:cNvSpPr>
+          <p:nvPr>
+            <p:ph type="dt" idx="1"/>
+          </p:nvPr>
+        </p:nvSpPr>
+        <p:spPr>
+          <a:xfrm>
+            <a:off x="3884613" y="0"/>
+            <a:ext cx="2971800" cy="458788"/>
+          </a:xfrm>
+          <a:prstGeom prst="rect">
+            <a:avLst/>
+          </a:prstGeom>
+        </p:spPr>
+        <p:txBody>
+          <a:bodyPr vert="horz" lIns="91440" tIns="45720" rIns="91440" bIns="45720" rtlCol="0"/>
+          <a:lstStyle>
+            <a:lvl1pPr algn="r">
+              <a:defRPr sz="1200"/>
+            </a:lvl1pPr>
+          </a:lstStyle>
+          <a:p>
+            <a:fld id="{7A8151B2-7AEE-B245-86B8-7AA2B9F69044}" type="datetimeFigureOut">
+              <a:rPr lang="en-US" smtClean="0"/>
+              <a:t>12/11/15</a:t>
+            </a:fld>
+            <a:endParaRPr lang="en-US"/>
+          </a:p>
+        </p:txBody>
+      </p:sp>
+      <p:sp>
+        <p:nvSpPr>
+          <p:cNvPr id="4" name="Slide Image Placeholder 3"/>
+          <p:cNvSpPr>
+            <a:spLocks noGrp="1" noRot="1" noChangeAspect="1"/>
+          </p:cNvSpPr>
+          <p:nvPr>
+            <p:ph type="sldImg" idx="2"/>
+          </p:nvPr>
+        </p:nvSpPr>
+        <p:spPr>
+          <a:xfrm>
+            <a:off x="1371600" y="1143000"/>
+            <a:ext cx="4114800" cy="3086100"/>
+          </a:xfrm>
+          <a:prstGeom prst="rect">
+            <a:avLst/>
+          </a:prstGeom>
+          <a:noFill/>
+          <a:ln w="12700">
+            <a:solidFill>
+              <a:prstClr val="black"/>
+            </a:solidFill>
+          </a:ln>
+        </p:spPr>
+        <p:txBody>
+          <a:bodyPr vert="horz" lIns="91440" tIns="45720" rIns="91440" bIns="45720" rtlCol="0" anchor="ctr"/>
+          <a:lstStyle/>
+          <a:p>
+            <a:endParaRPr lang="en-US"/>
+          </a:p>
+        </p:txBody>
+      </p:sp>
+      <p:sp>
+        <p:nvSpPr>
+          <p:cNvPr id="5" name="Notes Placeholder 4"/>
+          <p:cNvSpPr>
+            <a:spLocks noGrp="1"/>
+          </p:cNvSpPr>
+          <p:nvPr>
+            <p:ph type="body" sz="quarter" idx="3"/>
+          </p:nvPr>
+        </p:nvSpPr>
+        <p:spPr>
+          <a:xfrm>
+            <a:off x="685800" y="4400550"/>
+            <a:ext cx="5486400" cy="3600450"/>
+          </a:xfrm>
+          <a:prstGeom prst="rect">
+            <a:avLst/>
+          </a:prstGeom>
+        </p:spPr>
+        <p:txBody>
+          <a:bodyPr vert="horz" lIns="91440" tIns="45720" rIns="91440" bIns="45720" rtlCol="0"/>
+          <a:lstStyle/>
+          <a:p>
+            <a:pPr lvl="0"/>
+            <a:r>
+              <a:rPr lang="vi-VN" smtClean="0"/>
+              <a:t>Click to edit Master text styles</a:t>
+            </a:r>
+          </a:p>
+          <a:p>
+            <a:pPr lvl="1"/>
+            <a:r>
+              <a:rPr lang="vi-VN" smtClean="0"/>
+              <a:t>Second level</a:t>
+            </a:r>
+          </a:p>
+          <a:p>
+            <a:pPr lvl="2"/>
+            <a:r>
+              <a:rPr lang="vi-VN" smtClean="0"/>
+              <a:t>Third level</a:t>
+            </a:r>
+          </a:p>
+          <a:p>
+            <a:pPr lvl="3"/>
+            <a:r>
+              <a:rPr lang="vi-VN" smtClean="0"/>
+              <a:t>Fourth level</a:t>
+            </a:r>
+          </a:p>
+          <a:p>
+            <a:pPr lvl="4"/>
+            <a:r>
+              <a:rPr lang="vi-VN" smtClean="0"/>
+              <a:t>Fifth level</a:t>
+            </a:r>
+            <a:endParaRPr lang="en-US"/>
+          </a:p>
+        </p:txBody>
+      </p:sp>
+      <p:sp>
+        <p:nvSpPr>
+          <p:cNvPr id="6" name="Footer Placeholder 5"/>
+          <p:cNvSpPr>
+            <a:spLocks noGrp="1"/>
+          </p:cNvSpPr>
+          <p:nvPr>
+            <p:ph type="ftr" sz="quarter" idx="4"/>
+          </p:nvPr>
+        </p:nvSpPr>
+        <p:spPr>
+          <a:xfrm>
+            <a:off x="0" y="8685213"/>
+            <a:ext cx="2971800" cy="458787"/>
+          </a:xfrm>
+          <a:prstGeom prst="rect">
+            <a:avLst/>
+          </a:prstGeom>
+        </p:spPr>
+        <p:txBody>
+          <a:bodyPr vert="horz" lIns="91440" tIns="45720" rIns="91440" bIns="45720" rtlCol="0" anchor="b"/>
+          <a:lstStyle>
+            <a:lvl1pPr algn="l">
+              <a:defRPr sz="1200"/>
+            </a:lvl1pPr>
+          </a:lstStyle>
+          <a:p>
+            <a:endParaRPr lang="en-US"/>
+          </a:p>
+        </p:txBody>
+      </p:sp>
+      <p:sp>
+        <p:nvSpPr>
+          <p:cNvPr id="7" name="Slide Number Placeholder 6"/>
+          <p:cNvSpPr>
+            <a:spLocks noGrp="1"/>
+          </p:cNvSpPr>
+          <p:nvPr>
+            <p:ph type="sldNum" sz="quarter" idx="5"/>
+          </p:nvPr>
+        </p:nvSpPr>
+        <p:spPr>
+          <a:xfrm>
+            <a:off x="3884613" y="8685213"/>
+            <a:ext cx="2971800" cy="458787"/>
+          </a:xfrm>
+          <a:prstGeom prst="rect">
+            <a:avLst/>
+          </a:prstGeom>
+        </p:spPr>
+        <p:txBody>
+          <a:bodyPr vert="horz" lIns="91440" tIns="45720" rIns="91440" bIns="45720" rtlCol="0" anchor="b"/>
+          <a:lstStyle>
+            <a:lvl1pPr algn="r">
+              <a:defRPr sz="1200"/>
+            </a:lvl1pPr>
+          </a:lstStyle>
+          <a:p>
+            <a:fld id="{21B4A46F-5531-C743-A588-5C76C648827C}" type="slidenum">
+              <a:rPr lang="en-US" smtClean="0"/>
+              <a:t>‹#›</a:t>
+            </a:fld>
+            <a:endParaRPr lang="en-US"/>
+          </a:p>
+        </p:txBody>
+      </p:sp>
+    </p:spTree>
+    <p:extLst>
+      <p:ext uri="{BB962C8B-B14F-4D97-AF65-F5344CB8AC3E}">
+        <p14:creationId xmlns:p14="http://schemas.microsoft.com/office/powerpoint/2010/main" val="931385926"/>
+      </p:ext>
+    </p:extLst>
+  </p:cSld>
+  <p:clrMap bg1="lt1" tx1="dk1" bg2="lt2" tx2="dk2" accent1="accent1" accent2="accent2" accent3="accent3" accent4="accent4" accent5="accent5" accent6="accent6" hlink="hlink" folHlink="folHlink"/>
+  <p:notesStyle>
+    <a:lvl1pPr marL="0" algn="l" defTabSz="914400" rtl="0" eaLnBrk="1" latinLnBrk="0" hangingPunct="1">
+      <a:defRPr sz="1200" kern="1200">
+        <a:solidFill>
+          <a:schemeClr val="tx1"/>
+        </a:solidFill>
+        <a:latin typeface="+mn-lt"/>
+        <a:ea typeface="+mn-ea"/>
+        <a:cs typeface="+mn-cs"/>
+      </a:defRPr>
+    </a:lvl1pPr>
+    <a:lvl2pPr marL="457200" algn="l" defTabSz="914400" rtl="0" eaLnBrk="1" latinLnBrk="0" hangingPunct="1">
+      <a:defRPr sz="1200" kern="1200">
+        <a:solidFill>
+          <a:schemeClr val="tx1"/>
+        </a:solidFill>
+        <a:latin typeface="+mn-lt"/>
+        <a:ea typeface="+mn-ea"/>
+        <a:cs typeface="+mn-cs"/>
+      </a:defRPr>
+    </a:lvl2pPr>
+    <a:lvl3pPr marL="914400" algn="l" defTabSz="914400" rtl="0" eaLnBrk="1" latinLnBrk="0" hangingPunct="1">
+      <a:defRPr sz="1200" kern="1200">
+        <a:solidFill>
+          <a:schemeClr val="tx1"/>
+        </a:solidFill>
+        <a:latin typeface="+mn-lt"/>
+        <a:ea typeface="+mn-ea"/>
+        <a:cs typeface="+mn-cs"/>
+      </a:defRPr>
+    </a:lvl3pPr>
+    <a:lvl4pPr marL="1371600" algn="l" defTabSz="914400" rtl="0" eaLnBrk="1" latinLnBrk="0" hangingPunct="1">
+      <a:defRPr sz="1200" kern="1200">
+        <a:solidFill>
+          <a:schemeClr val="tx1"/>
+        </a:solidFill>
+        <a:latin typeface="+mn-lt"/>
+        <a:ea typeface="+mn-ea"/>
+        <a:cs typeface="+mn-cs"/>
+      </a:defRPr>
+    </a:lvl4pPr>
+    <a:lvl5pPr marL="1828800" algn="l" defTabSz="914400" rtl="0" eaLnBrk="1" latinLnBrk="0" hangingPunct="1">
+      <a:defRPr sz="1200" kern="1200">
+        <a:solidFill>
+          <a:schemeClr val="tx1"/>
+        </a:solidFill>
+        <a:latin typeface="+mn-lt"/>
+        <a:ea typeface="+mn-ea"/>
+        <a:cs typeface="+mn-cs"/>
+      </a:defRPr>
+    </a:lvl5pPr>
+    <a:lvl6pPr marL="2286000" algn="l" defTabSz="914400" rtl="0" eaLnBrk="1" latinLnBrk="0" hangingPunct="1">
+      <a:defRPr sz="1200" kern="1200">
+        <a:solidFill>
+          <a:schemeClr val="tx1"/>
+        </a:solidFill>
+        <a:latin typeface="+mn-lt"/>
+        <a:ea typeface="+mn-ea"/>
+        <a:cs typeface="+mn-cs"/>
+      </a:defRPr>
+    </a:lvl6pPr>
+    <a:lvl7pPr marL="2743200" algn="l" defTabSz="914400" rtl="0" eaLnBrk="1" latinLnBrk="0" hangingPunct="1">
+      <a:defRPr sz="1200" kern="1200">
+        <a:solidFill>
+          <a:schemeClr val="tx1"/>
+        </a:solidFill>
+        <a:latin typeface="+mn-lt"/>
+        <a:ea typeface="+mn-ea"/>
+        <a:cs typeface="+mn-cs"/>
+      </a:defRPr>
+    </a:lvl7pPr>
+    <a:lvl8pPr marL="3200400" algn="l" defTabSz="914400" rtl="0" eaLnBrk="1" latinLnBrk="0" hangingPunct="1">
+      <a:defRPr sz="1200" kern="1200">
+        <a:solidFill>
+          <a:schemeClr val="tx1"/>
+        </a:solidFill>
+        <a:latin typeface="+mn-lt"/>
+        <a:ea typeface="+mn-ea"/>
+        <a:cs typeface="+mn-cs"/>
+      </a:defRPr>
+    </a:lvl8pPr>
+    <a:lvl9pPr marL="3657600" algn="l" defTabSz="914400" rtl="0" eaLnBrk="1" latinLnBrk="0" hangingPunct="1">
+      <a:defRPr sz="1200" kern="1200">
+        <a:solidFill>
+          <a:schemeClr val="tx1"/>
+        </a:solidFill>
+        <a:latin typeface="+mn-lt"/>
+        <a:ea typeface="+mn-ea"/>
+        <a:cs typeface="+mn-cs"/>
+      </a:defRPr>
+    </a:lvl9pPr>
+  </p:notesStyle>
+</p:notesMaster>
+</file>
+
+<file path=ppt/notesSlides/notesSlide1.xml><?xml version="1.0" encoding="utf-8"?>
+<p:notes xmlns:a="http://schemas.openxmlformats.org/drawingml/2006/main" xmlns:r="http://schemas.openxmlformats.org/officeDocument/2006/relationships" xmlns:p="http://schemas.openxmlformats.org/presentationml/2006/main">
+  <p:cSld>
+    <p:spTree>
+      <p:nvGrpSpPr>
+        <p:cNvPr id="1" name=""/>
+        <p:cNvGrpSpPr/>
+        <p:nvPr/>
+      </p:nvGrpSpPr>
+      <p:grpSpPr>
+        <a:xfrm>
+          <a:off x="0" y="0"/>
+          <a:ext cx="0" cy="0"/>
+          <a:chOff x="0" y="0"/>
+          <a:chExt cx="0" cy="0"/>
+        </a:xfrm>
+      </p:grpSpPr>
+      <p:sp>
+        <p:nvSpPr>
+          <p:cNvPr id="2" name="Slide Image Placeholder 1"/>
+          <p:cNvSpPr>
+            <a:spLocks noGrp="1" noRot="1" noChangeAspect="1"/>
+          </p:cNvSpPr>
+          <p:nvPr>
+            <p:ph type="sldImg"/>
+          </p:nvPr>
+        </p:nvSpPr>
+        <p:spPr/>
+      </p:sp>
+      <p:sp>
+        <p:nvSpPr>
+          <p:cNvPr id="3" name="Notes Placeholder 2"/>
+          <p:cNvSpPr>
+            <a:spLocks noGrp="1"/>
+          </p:cNvSpPr>
+          <p:nvPr>
+            <p:ph type="body" idx="1"/>
+          </p:nvPr>
+        </p:nvSpPr>
+        <p:spPr/>
+        <p:txBody>
+          <a:bodyPr/>
+          <a:lstStyle/>
+          <a:p>
+            <a:endParaRPr lang="en-US" dirty="0"/>
+          </a:p>
+        </p:txBody>
+      </p:sp>
+      <p:sp>
+        <p:nvSpPr>
+          <p:cNvPr id="4" name="Slide Number Placeholder 3"/>
+          <p:cNvSpPr>
+            <a:spLocks noGrp="1"/>
+          </p:cNvSpPr>
+          <p:nvPr>
+            <p:ph type="sldNum" sz="quarter" idx="10"/>
+          </p:nvPr>
+        </p:nvSpPr>
+        <p:spPr/>
+        <p:txBody>
+          <a:bodyPr/>
+          <a:lstStyle/>
+          <a:p>
+            <a:fld id="{2599C3E7-3278-1243-886F-92FF82204DB1}" type="slidenum">
+              <a:rPr lang="en-US" smtClean="0"/>
+              <a:t>1</a:t>
+            </a:fld>
+            <a:endParaRPr lang="en-US"/>
+          </a:p>
+        </p:txBody>
+      </p:sp>
+    </p:spTree>
+    <p:extLst>
+      <p:ext uri="{BB962C8B-B14F-4D97-AF65-F5344CB8AC3E}">
+        <p14:creationId xmlns:p14="http://schemas.microsoft.com/office/powerpoint/2010/main" val="1317942306"/>
+      </p:ext>
+    </p:extLst>
+  </p:cSld>
+  <p:clrMapOvr>
+    <a:masterClrMapping/>
+  </p:clrMapOvr>
+</p:notes>
+</file>
+
+<file path=ppt/notesSlides/notesSlide2.xml><?xml version="1.0" encoding="utf-8"?>
+<p:notes xmlns:a="http://schemas.openxmlformats.org/drawingml/2006/main" xmlns:r="http://schemas.openxmlformats.org/officeDocument/2006/relationships" xmlns:p="http://schemas.openxmlformats.org/presentationml/2006/main">
+  <p:cSld>
+    <p:spTree>
+      <p:nvGrpSpPr>
+        <p:cNvPr id="1" name=""/>
+        <p:cNvGrpSpPr/>
+        <p:nvPr/>
+      </p:nvGrpSpPr>
+      <p:grpSpPr>
+        <a:xfrm>
+          <a:off x="0" y="0"/>
+          <a:ext cx="0" cy="0"/>
+          <a:chOff x="0" y="0"/>
+          <a:chExt cx="0" cy="0"/>
+        </a:xfrm>
+      </p:grpSpPr>
+      <p:sp>
+        <p:nvSpPr>
+          <p:cNvPr id="2" name="Slide Image Placeholder 1"/>
+          <p:cNvSpPr>
+            <a:spLocks noGrp="1" noRot="1" noChangeAspect="1"/>
+          </p:cNvSpPr>
+          <p:nvPr>
+            <p:ph type="sldImg"/>
+          </p:nvPr>
+        </p:nvSpPr>
+        <p:spPr/>
+      </p:sp>
+      <p:sp>
+        <p:nvSpPr>
+          <p:cNvPr id="3" name="Notes Placeholder 2"/>
+          <p:cNvSpPr>
+            <a:spLocks noGrp="1"/>
+          </p:cNvSpPr>
+          <p:nvPr>
+            <p:ph type="body" idx="1"/>
+          </p:nvPr>
+        </p:nvSpPr>
+        <p:spPr/>
+        <p:txBody>
+          <a:bodyPr/>
+          <a:lstStyle/>
+          <a:p>
+            <a:endParaRPr lang="en-US" dirty="0"/>
+          </a:p>
+        </p:txBody>
+      </p:sp>
+      <p:sp>
+        <p:nvSpPr>
+          <p:cNvPr id="4" name="Slide Number Placeholder 3"/>
+          <p:cNvSpPr>
+            <a:spLocks noGrp="1"/>
+          </p:cNvSpPr>
+          <p:nvPr>
+            <p:ph type="sldNum" sz="quarter" idx="10"/>
+          </p:nvPr>
+        </p:nvSpPr>
+        <p:spPr/>
+        <p:txBody>
+          <a:bodyPr/>
+          <a:lstStyle/>
+          <a:p>
+            <a:fld id="{2599C3E7-3278-1243-886F-92FF82204DB1}" type="slidenum">
+              <a:rPr lang="en-US" smtClean="0"/>
+              <a:t>2</a:t>
+            </a:fld>
+            <a:endParaRPr lang="en-US"/>
+          </a:p>
+        </p:txBody>
+      </p:sp>
+    </p:spTree>
+    <p:extLst>
+      <p:ext uri="{BB962C8B-B14F-4D97-AF65-F5344CB8AC3E}">
+        <p14:creationId xmlns:p14="http://schemas.microsoft.com/office/powerpoint/2010/main" val="1273156930"/>
+      </p:ext>
+    </p:extLst>
+  </p:cSld>
+  <p:clrMapOvr>
+    <a:masterClrMapping/>
+  </p:clrMapOvr>
+</p:notes>
+</file>
+
+<file path=ppt/notesSlides/notesSlide3.xml><?xml version="1.0" encoding="utf-8"?>
+<p:notes xmlns:a="http://schemas.openxmlformats.org/drawingml/2006/main" xmlns:r="http://schemas.openxmlformats.org/officeDocument/2006/relationships" xmlns:p="http://schemas.openxmlformats.org/presentationml/2006/main">
+  <p:cSld>
+    <p:spTree>
+      <p:nvGrpSpPr>
+        <p:cNvPr id="1" name=""/>
+        <p:cNvGrpSpPr/>
+        <p:nvPr/>
+      </p:nvGrpSpPr>
+      <p:grpSpPr>
+        <a:xfrm>
+          <a:off x="0" y="0"/>
+          <a:ext cx="0" cy="0"/>
+          <a:chOff x="0" y="0"/>
+          <a:chExt cx="0" cy="0"/>
+        </a:xfrm>
+      </p:grpSpPr>
+      <p:sp>
+        <p:nvSpPr>
+          <p:cNvPr id="2" name="Slide Image Placeholder 1"/>
+          <p:cNvSpPr>
+            <a:spLocks noGrp="1" noRot="1" noChangeAspect="1"/>
+          </p:cNvSpPr>
+          <p:nvPr>
+            <p:ph type="sldImg"/>
+          </p:nvPr>
+        </p:nvSpPr>
+        <p:spPr/>
+      </p:sp>
+      <p:sp>
+        <p:nvSpPr>
+          <p:cNvPr id="3" name="Notes Placeholder 2"/>
+          <p:cNvSpPr>
+            <a:spLocks noGrp="1"/>
+          </p:cNvSpPr>
+          <p:nvPr>
+            <p:ph type="body" idx="1"/>
+          </p:nvPr>
+        </p:nvSpPr>
+        <p:spPr/>
+        <p:txBody>
+          <a:bodyPr/>
+          <a:lstStyle/>
+          <a:p>
+            <a:endParaRPr lang="en-US" dirty="0"/>
+          </a:p>
+        </p:txBody>
+      </p:sp>
+      <p:sp>
+        <p:nvSpPr>
+          <p:cNvPr id="4" name="Slide Number Placeholder 3"/>
+          <p:cNvSpPr>
+            <a:spLocks noGrp="1"/>
+          </p:cNvSpPr>
+          <p:nvPr>
+            <p:ph type="sldNum" sz="quarter" idx="10"/>
+          </p:nvPr>
+        </p:nvSpPr>
+        <p:spPr/>
+        <p:txBody>
+          <a:bodyPr/>
+          <a:lstStyle/>
+          <a:p>
+            <a:fld id="{2599C3E7-3278-1243-886F-92FF82204DB1}" type="slidenum">
+              <a:rPr lang="en-US" smtClean="0"/>
+              <a:t>3</a:t>
+            </a:fld>
+            <a:endParaRPr lang="en-US"/>
+          </a:p>
+        </p:txBody>
+      </p:sp>
+    </p:spTree>
+    <p:extLst>
+      <p:ext uri="{BB962C8B-B14F-4D97-AF65-F5344CB8AC3E}">
+        <p14:creationId xmlns:p14="http://schemas.microsoft.com/office/powerpoint/2010/main" val="2114583231"/>
+      </p:ext>
+    </p:extLst>
+  </p:cSld>
+  <p:clrMapOvr>
+    <a:masterClrMapping/>
+  </p:clrMapOvr>
+</p:notes>
+</file>
+
+<file path=ppt/notesSlides/notesSlide4.xml><?xml version="1.0" encoding="utf-8"?>
+<p:notes xmlns:a="http://schemas.openxmlformats.org/drawingml/2006/main" xmlns:r="http://schemas.openxmlformats.org/officeDocument/2006/relationships" xmlns:p="http://schemas.openxmlformats.org/presentationml/2006/main">
+  <p:cSld>
+    <p:spTree>
+      <p:nvGrpSpPr>
+        <p:cNvPr id="1" name=""/>
+        <p:cNvGrpSpPr/>
+        <p:nvPr/>
+      </p:nvGrpSpPr>
+      <p:grpSpPr>
+        <a:xfrm>
+          <a:off x="0" y="0"/>
+          <a:ext cx="0" cy="0"/>
+          <a:chOff x="0" y="0"/>
+          <a:chExt cx="0" cy="0"/>
+        </a:xfrm>
+      </p:grpSpPr>
+      <p:sp>
+        <p:nvSpPr>
+          <p:cNvPr id="2" name="Slide Image Placeholder 1"/>
+          <p:cNvSpPr>
+            <a:spLocks noGrp="1" noRot="1" noChangeAspect="1"/>
+          </p:cNvSpPr>
+          <p:nvPr>
+            <p:ph type="sldImg"/>
+          </p:nvPr>
+        </p:nvSpPr>
+        <p:spPr/>
+      </p:sp>
+      <p:sp>
+        <p:nvSpPr>
+          <p:cNvPr id="3" name="Notes Placeholder 2"/>
+          <p:cNvSpPr>
+            <a:spLocks noGrp="1"/>
+          </p:cNvSpPr>
+          <p:nvPr>
+            <p:ph type="body" idx="1"/>
+          </p:nvPr>
+        </p:nvSpPr>
+        <p:spPr/>
+        <p:txBody>
+          <a:bodyPr/>
+          <a:lstStyle/>
+          <a:p>
+            <a:endParaRPr lang="en-US" dirty="0"/>
+          </a:p>
+        </p:txBody>
+      </p:sp>
+      <p:sp>
+        <p:nvSpPr>
+          <p:cNvPr id="4" name="Slide Number Placeholder 3"/>
+          <p:cNvSpPr>
+            <a:spLocks noGrp="1"/>
+          </p:cNvSpPr>
+          <p:nvPr>
+            <p:ph type="sldNum" sz="quarter" idx="10"/>
+          </p:nvPr>
+        </p:nvSpPr>
+        <p:spPr/>
+        <p:txBody>
+          <a:bodyPr/>
+          <a:lstStyle/>
+          <a:p>
+            <a:fld id="{2599C3E7-3278-1243-886F-92FF82204DB1}" type="slidenum">
+              <a:rPr lang="en-US" smtClean="0"/>
+              <a:t>4</a:t>
+            </a:fld>
+            <a:endParaRPr lang="en-US"/>
+          </a:p>
+        </p:txBody>
+      </p:sp>
+    </p:spTree>
+    <p:extLst>
+      <p:ext uri="{BB962C8B-B14F-4D97-AF65-F5344CB8AC3E}">
+        <p14:creationId xmlns:p14="http://schemas.microsoft.com/office/powerpoint/2010/main" val="2016176967"/>
+      </p:ext>
+    </p:extLst>
+  </p:cSld>
+  <p:clrMapOvr>
+    <a:masterClrMapping/>
+  </p:clrMapOvr>
+</p:notes>
+</file>
+
+<file path=ppt/notesSlides/notesSlide5.xml><?xml version="1.0" encoding="utf-8"?>
+<p:notes xmlns:a="http://schemas.openxmlformats.org/drawingml/2006/main" xmlns:r="http://schemas.openxmlformats.org/officeDocument/2006/relationships" xmlns:p="http://schemas.openxmlformats.org/presentationml/2006/main">
+  <p:cSld>
+    <p:spTree>
+      <p:nvGrpSpPr>
+        <p:cNvPr id="1" name=""/>
+        <p:cNvGrpSpPr/>
+        <p:nvPr/>
+      </p:nvGrpSpPr>
+      <p:grpSpPr>
+        <a:xfrm>
+          <a:off x="0" y="0"/>
+          <a:ext cx="0" cy="0"/>
+          <a:chOff x="0" y="0"/>
+          <a:chExt cx="0" cy="0"/>
+        </a:xfrm>
+      </p:grpSpPr>
+      <p:sp>
+        <p:nvSpPr>
+          <p:cNvPr id="2" name="Slide Image Placeholder 1"/>
+          <p:cNvSpPr>
+            <a:spLocks noGrp="1" noRot="1" noChangeAspect="1"/>
+          </p:cNvSpPr>
+          <p:nvPr>
+            <p:ph type="sldImg"/>
+          </p:nvPr>
+        </p:nvSpPr>
+        <p:spPr/>
+      </p:sp>
+      <p:sp>
+        <p:nvSpPr>
+          <p:cNvPr id="3" name="Notes Placeholder 2"/>
+          <p:cNvSpPr>
+            <a:spLocks noGrp="1"/>
+          </p:cNvSpPr>
+          <p:nvPr>
+            <p:ph type="body" idx="1"/>
+          </p:nvPr>
+        </p:nvSpPr>
+        <p:spPr/>
+        <p:txBody>
+          <a:bodyPr/>
+          <a:lstStyle/>
+          <a:p>
+            <a:endParaRPr lang="en-US" dirty="0"/>
+          </a:p>
+        </p:txBody>
+      </p:sp>
+      <p:sp>
+        <p:nvSpPr>
+          <p:cNvPr id="4" name="Slide Number Placeholder 3"/>
+          <p:cNvSpPr>
+            <a:spLocks noGrp="1"/>
+          </p:cNvSpPr>
+          <p:nvPr>
+            <p:ph type="sldNum" sz="quarter" idx="10"/>
+          </p:nvPr>
+        </p:nvSpPr>
+        <p:spPr/>
+        <p:txBody>
+          <a:bodyPr/>
+          <a:lstStyle/>
+          <a:p>
+            <a:fld id="{2599C3E7-3278-1243-886F-92FF82204DB1}" type="slidenum">
+              <a:rPr lang="en-US" smtClean="0"/>
+              <a:t>5</a:t>
+            </a:fld>
+            <a:endParaRPr lang="en-US"/>
+          </a:p>
+        </p:txBody>
+      </p:sp>
+    </p:spTree>
+    <p:extLst>
+      <p:ext uri="{BB962C8B-B14F-4D97-AF65-F5344CB8AC3E}">
+        <p14:creationId xmlns:p14="http://schemas.microsoft.com/office/powerpoint/2010/main" val="1387515280"/>
+      </p:ext>
+    </p:extLst>
+  </p:cSld>
+  <p:clrMapOvr>
+    <a:masterClrMapping/>
+  </p:clrMapOvr>
+</p:notes>
+</file>
+
+<file path=ppt/notesSlides/notesSlide6.xml><?xml version="1.0" encoding="utf-8"?>
+<p:notes xmlns:a="http://schemas.openxmlformats.org/drawingml/2006/main" xmlns:r="http://schemas.openxmlformats.org/officeDocument/2006/relationships" xmlns:p="http://schemas.openxmlformats.org/presentationml/2006/main">
+  <p:cSld>
+    <p:spTree>
+      <p:nvGrpSpPr>
+        <p:cNvPr id="1" name=""/>
+        <p:cNvGrpSpPr/>
+        <p:nvPr/>
+      </p:nvGrpSpPr>
+      <p:grpSpPr>
+        <a:xfrm>
+          <a:off x="0" y="0"/>
+          <a:ext cx="0" cy="0"/>
+          <a:chOff x="0" y="0"/>
+          <a:chExt cx="0" cy="0"/>
+        </a:xfrm>
+      </p:grpSpPr>
+      <p:sp>
+        <p:nvSpPr>
+          <p:cNvPr id="2" name="Slide Image Placeholder 1"/>
+          <p:cNvSpPr>
+            <a:spLocks noGrp="1" noRot="1" noChangeAspect="1"/>
+          </p:cNvSpPr>
+          <p:nvPr>
+            <p:ph type="sldImg"/>
+          </p:nvPr>
+        </p:nvSpPr>
+        <p:spPr/>
+      </p:sp>
+      <p:sp>
+        <p:nvSpPr>
+          <p:cNvPr id="3" name="Notes Placeholder 2"/>
+          <p:cNvSpPr>
+            <a:spLocks noGrp="1"/>
+          </p:cNvSpPr>
+          <p:nvPr>
+            <p:ph type="body" idx="1"/>
+          </p:nvPr>
+        </p:nvSpPr>
+        <p:spPr/>
+        <p:txBody>
+          <a:bodyPr/>
+          <a:lstStyle/>
+          <a:p>
+            <a:endParaRPr lang="en-US" dirty="0"/>
+          </a:p>
+        </p:txBody>
+      </p:sp>
+      <p:sp>
+        <p:nvSpPr>
+          <p:cNvPr id="4" name="Slide Number Placeholder 3"/>
+          <p:cNvSpPr>
+            <a:spLocks noGrp="1"/>
+          </p:cNvSpPr>
+          <p:nvPr>
+            <p:ph type="sldNum" sz="quarter" idx="10"/>
+          </p:nvPr>
+        </p:nvSpPr>
+        <p:spPr/>
+        <p:txBody>
+          <a:bodyPr/>
+          <a:lstStyle/>
+          <a:p>
+            <a:fld id="{2599C3E7-3278-1243-886F-92FF82204DB1}" type="slidenum">
+              <a:rPr lang="en-US" smtClean="0"/>
+              <a:t>6</a:t>
+            </a:fld>
+            <a:endParaRPr lang="en-US"/>
+          </a:p>
+        </p:txBody>
+      </p:sp>
+    </p:spTree>
+    <p:extLst>
+      <p:ext uri="{BB962C8B-B14F-4D97-AF65-F5344CB8AC3E}">
+        <p14:creationId xmlns:p14="http://schemas.microsoft.com/office/powerpoint/2010/main" val="1989540856"/>
+      </p:ext>
+    </p:extLst>
+  </p:cSld>
+  <p:clrMapOvr>
+    <a:masterClrMapping/>
+  </p:clrMapOvr>
+</p:notes>
+</file>
+
+<file path=ppt/notesSlides/notesSlide7.xml><?xml version="1.0" encoding="utf-8"?>
+<p:notes xmlns:a="http://schemas.openxmlformats.org/drawingml/2006/main" xmlns:r="http://schemas.openxmlformats.org/officeDocument/2006/relationships" xmlns:p="http://schemas.openxmlformats.org/presentationml/2006/main">
+  <p:cSld>
+    <p:spTree>
+      <p:nvGrpSpPr>
+        <p:cNvPr id="1" name=""/>
+        <p:cNvGrpSpPr/>
+        <p:nvPr/>
+      </p:nvGrpSpPr>
+      <p:grpSpPr>
+        <a:xfrm>
+          <a:off x="0" y="0"/>
+          <a:ext cx="0" cy="0"/>
+          <a:chOff x="0" y="0"/>
+          <a:chExt cx="0" cy="0"/>
+        </a:xfrm>
+      </p:grpSpPr>
+      <p:sp>
+        <p:nvSpPr>
+          <p:cNvPr id="2" name="Slide Image Placeholder 1"/>
+          <p:cNvSpPr>
+            <a:spLocks noGrp="1" noRot="1" noChangeAspect="1"/>
+          </p:cNvSpPr>
+          <p:nvPr>
+            <p:ph type="sldImg"/>
+          </p:nvPr>
+        </p:nvSpPr>
+        <p:spPr/>
+      </p:sp>
+      <p:sp>
+        <p:nvSpPr>
+          <p:cNvPr id="3" name="Notes Placeholder 2"/>
+          <p:cNvSpPr>
+            <a:spLocks noGrp="1"/>
+          </p:cNvSpPr>
+          <p:nvPr>
+            <p:ph type="body" idx="1"/>
+          </p:nvPr>
+        </p:nvSpPr>
+        <p:spPr/>
+        <p:txBody>
+          <a:bodyPr/>
+          <a:lstStyle/>
+          <a:p>
+            <a:endParaRPr lang="en-US" dirty="0"/>
+          </a:p>
+        </p:txBody>
+      </p:sp>
+      <p:sp>
+        <p:nvSpPr>
+          <p:cNvPr id="4" name="Slide Number Placeholder 3"/>
+          <p:cNvSpPr>
+            <a:spLocks noGrp="1"/>
+          </p:cNvSpPr>
+          <p:nvPr>
+            <p:ph type="sldNum" sz="quarter" idx="10"/>
+          </p:nvPr>
+        </p:nvSpPr>
+        <p:spPr/>
+        <p:txBody>
+          <a:bodyPr/>
+          <a:lstStyle/>
+          <a:p>
+            <a:fld id="{2599C3E7-3278-1243-886F-92FF82204DB1}" type="slidenum">
+              <a:rPr lang="en-US" smtClean="0"/>
+              <a:t>7</a:t>
+            </a:fld>
+            <a:endParaRPr lang="en-US"/>
+          </a:p>
+        </p:txBody>
+      </p:sp>
+    </p:spTree>
+    <p:extLst>
+      <p:ext uri="{BB962C8B-B14F-4D97-AF65-F5344CB8AC3E}">
+        <p14:creationId xmlns:p14="http://schemas.microsoft.com/office/powerpoint/2010/main" val="153340696"/>
+      </p:ext>
+    </p:extLst>
+  </p:cSld>
+  <p:clrMapOvr>
+    <a:masterClrMapping/>
+  </p:clrMapOvr>
+</p:notes>
+</file>
+
+<file path=ppt/notesSlides/notesSlide8.xml><?xml version="1.0" encoding="utf-8"?>
+<p:notes xmlns:a="http://schemas.openxmlformats.org/drawingml/2006/main" xmlns:r="http://schemas.openxmlformats.org/officeDocument/2006/relationships" xmlns:p="http://schemas.openxmlformats.org/presentationml/2006/main">
+  <p:cSld>
+    <p:spTree>
+      <p:nvGrpSpPr>
+        <p:cNvPr id="1" name=""/>
+        <p:cNvGrpSpPr/>
+        <p:nvPr/>
+      </p:nvGrpSpPr>
+      <p:grpSpPr>
+        <a:xfrm>
+          <a:off x="0" y="0"/>
+          <a:ext cx="0" cy="0"/>
+          <a:chOff x="0" y="0"/>
+          <a:chExt cx="0" cy="0"/>
+        </a:xfrm>
+      </p:grpSpPr>
+      <p:sp>
+        <p:nvSpPr>
+          <p:cNvPr id="2" name="Slide Image Placeholder 1"/>
+          <p:cNvSpPr>
+            <a:spLocks noGrp="1" noRot="1" noChangeAspect="1"/>
+          </p:cNvSpPr>
+          <p:nvPr>
+            <p:ph type="sldImg"/>
+          </p:nvPr>
+        </p:nvSpPr>
+        <p:spPr/>
+      </p:sp>
+      <p:sp>
+        <p:nvSpPr>
+          <p:cNvPr id="3" name="Notes Placeholder 2"/>
+          <p:cNvSpPr>
+            <a:spLocks noGrp="1"/>
+          </p:cNvSpPr>
+          <p:nvPr>
+            <p:ph type="body" idx="1"/>
+          </p:nvPr>
+        </p:nvSpPr>
+        <p:spPr/>
+        <p:txBody>
+          <a:bodyPr/>
+          <a:lstStyle/>
+          <a:p>
+            <a:endParaRPr lang="en-US" dirty="0"/>
+          </a:p>
+        </p:txBody>
+      </p:sp>
+      <p:sp>
+        <p:nvSpPr>
+          <p:cNvPr id="4" name="Slide Number Placeholder 3"/>
+          <p:cNvSpPr>
+            <a:spLocks noGrp="1"/>
+          </p:cNvSpPr>
+          <p:nvPr>
+            <p:ph type="sldNum" sz="quarter" idx="10"/>
+          </p:nvPr>
+        </p:nvSpPr>
+        <p:spPr/>
+        <p:txBody>
+          <a:bodyPr/>
+          <a:lstStyle/>
+          <a:p>
+            <a:fld id="{2599C3E7-3278-1243-886F-92FF82204DB1}" type="slidenum">
+              <a:rPr lang="en-US" smtClean="0"/>
+              <a:t>8</a:t>
+            </a:fld>
+            <a:endParaRPr lang="en-US"/>
+          </a:p>
+        </p:txBody>
+      </p:sp>
+    </p:spTree>
+    <p:extLst>
+      <p:ext uri="{BB962C8B-B14F-4D97-AF65-F5344CB8AC3E}">
+        <p14:creationId xmlns:p14="http://schemas.microsoft.com/office/powerpoint/2010/main" val="681500476"/>
+      </p:ext>
+    </p:extLst>
+  </p:cSld>
+  <p:clrMapOvr>
+    <a:masterClrMapping/>
+  </p:clrMapOvr>
+</p:notes>
+</file>
+
 <file path=ppt/slideLayouts/slideLayout1.xml><?xml version="1.0" encoding="utf-8"?>
 <p:sldLayout xmlns:a="http://schemas.openxmlformats.org/drawingml/2006/main" xmlns:r="http://schemas.openxmlformats.org/officeDocument/2006/relationships" xmlns:p="http://schemas.openxmlformats.org/presentationml/2006/main" type="title" preserve="1">
   <p:cSld name="Title Slide">
@@ -652,6 +1677,301 @@
     <p:extLst>
       <p:ext uri="{BB962C8B-B14F-4D97-AF65-F5344CB8AC3E}">
         <p14:creationId xmlns:p14="http://schemas.microsoft.com/office/powerpoint/2010/main" val="3067025577"/>
+      </p:ext>
+    </p:extLst>
+  </p:cSld>
+  <p:clrMapOvr>
+    <a:masterClrMapping/>
+  </p:clrMapOvr>
+</p:sldLayout>
+</file>
+
+<file path=ppt/slideLayouts/slideLayout12.xml><?xml version="1.0" encoding="utf-8"?>
+<p:sldLayout xmlns:a="http://schemas.openxmlformats.org/drawingml/2006/main" xmlns:r="http://schemas.openxmlformats.org/officeDocument/2006/relationships" xmlns:p="http://schemas.openxmlformats.org/presentationml/2006/main" type="tx">
+  <p:cSld name="Title and body">
+    <p:spTree>
+      <p:nvGrpSpPr>
+        <p:cNvPr id="1" name="Shape 14"/>
+        <p:cNvGrpSpPr/>
+        <p:nvPr/>
+      </p:nvGrpSpPr>
+      <p:grpSpPr>
+        <a:xfrm>
+          <a:off x="0" y="0"/>
+          <a:ext cx="0" cy="0"/>
+          <a:chOff x="0" y="0"/>
+          <a:chExt cx="0" cy="0"/>
+        </a:xfrm>
+      </p:grpSpPr>
+      <p:sp>
+        <p:nvSpPr>
+          <p:cNvPr id="15" name="Shape 15"/>
+          <p:cNvSpPr/>
+          <p:nvPr/>
+        </p:nvSpPr>
+        <p:spPr>
+          <a:xfrm>
+            <a:off x="0" y="2"/>
+            <a:ext cx="9144000" cy="1532999"/>
+          </a:xfrm>
+          <a:prstGeom prst="rect">
+            <a:avLst/>
+          </a:prstGeom>
+          <a:solidFill>
+            <a:srgbClr val="2388DB"/>
+          </a:solidFill>
+          <a:ln>
+            <a:noFill/>
+          </a:ln>
+        </p:spPr>
+        <p:txBody>
+          <a:bodyPr lIns="68569" tIns="34275" rIns="68569" bIns="34275" anchor="ctr" anchorCtr="0">
+            <a:noAutofit/>
+          </a:bodyPr>
+          <a:lstStyle/>
+          <a:p>
+            <a:endParaRPr sz="1050" kern="0">
+              <a:solidFill>
+                <a:srgbClr val="000000"/>
+              </a:solidFill>
+              <a:ea typeface="Arial"/>
+              <a:cs typeface="Arial"/>
+              <a:sym typeface="Arial"/>
+              <a:rtl val="0"/>
+            </a:endParaRPr>
+          </a:p>
+        </p:txBody>
+      </p:sp>
+      <p:cxnSp>
+        <p:nvCxnSpPr>
+          <p:cNvPr id="16" name="Shape 16"/>
+          <p:cNvCxnSpPr/>
+          <p:nvPr/>
+        </p:nvCxnSpPr>
+        <p:spPr>
+          <a:xfrm>
+            <a:off x="0" y="1503833"/>
+            <a:ext cx="9144000" cy="0"/>
+          </a:xfrm>
+          <a:prstGeom prst="straightConnector1">
+            <a:avLst/>
+          </a:prstGeom>
+          <a:noFill/>
+          <a:ln w="57150" cap="flat" cmpd="sng">
+            <a:solidFill>
+              <a:srgbClr val="000000">
+                <a:alpha val="14901"/>
+              </a:srgbClr>
+            </a:solidFill>
+            <a:prstDash val="solid"/>
+            <a:round/>
+            <a:headEnd type="none" w="med" len="med"/>
+            <a:tailEnd type="none" w="med" len="med"/>
+          </a:ln>
+        </p:spPr>
+      </p:cxnSp>
+      <p:sp>
+        <p:nvSpPr>
+          <p:cNvPr id="17" name="Shape 17"/>
+          <p:cNvSpPr txBox="1">
+            <a:spLocks noGrp="1"/>
+          </p:cNvSpPr>
+          <p:nvPr>
+            <p:ph type="title"/>
+          </p:nvPr>
+        </p:nvSpPr>
+        <p:spPr>
+          <a:xfrm>
+            <a:off x="457200" y="274637"/>
+            <a:ext cx="8229600" cy="1143000"/>
+          </a:xfrm>
+          <a:prstGeom prst="rect">
+            <a:avLst/>
+          </a:prstGeom>
+        </p:spPr>
+        <p:txBody>
+          <a:bodyPr lIns="91425" tIns="91425" rIns="91425" bIns="91425" anchor="b" anchorCtr="0"/>
+          <a:lstStyle>
+            <a:lvl1pPr>
+              <a:spcBef>
+                <a:spcPts val="0"/>
+              </a:spcBef>
+              <a:defRPr/>
+            </a:lvl1pPr>
+            <a:lvl2pPr>
+              <a:spcBef>
+                <a:spcPts val="0"/>
+              </a:spcBef>
+              <a:defRPr/>
+            </a:lvl2pPr>
+            <a:lvl3pPr>
+              <a:spcBef>
+                <a:spcPts val="0"/>
+              </a:spcBef>
+              <a:defRPr/>
+            </a:lvl3pPr>
+            <a:lvl4pPr>
+              <a:spcBef>
+                <a:spcPts val="0"/>
+              </a:spcBef>
+              <a:defRPr/>
+            </a:lvl4pPr>
+            <a:lvl5pPr>
+              <a:spcBef>
+                <a:spcPts val="0"/>
+              </a:spcBef>
+              <a:defRPr/>
+            </a:lvl5pPr>
+            <a:lvl6pPr>
+              <a:spcBef>
+                <a:spcPts val="0"/>
+              </a:spcBef>
+              <a:defRPr/>
+            </a:lvl6pPr>
+            <a:lvl7pPr>
+              <a:spcBef>
+                <a:spcPts val="0"/>
+              </a:spcBef>
+              <a:defRPr/>
+            </a:lvl7pPr>
+            <a:lvl8pPr>
+              <a:spcBef>
+                <a:spcPts val="0"/>
+              </a:spcBef>
+              <a:defRPr/>
+            </a:lvl8pPr>
+            <a:lvl9pPr>
+              <a:spcBef>
+                <a:spcPts val="0"/>
+              </a:spcBef>
+              <a:defRPr/>
+            </a:lvl9pPr>
+          </a:lstStyle>
+          <a:p>
+            <a:endParaRPr/>
+          </a:p>
+        </p:txBody>
+      </p:sp>
+      <p:sp>
+        <p:nvSpPr>
+          <p:cNvPr id="18" name="Shape 18"/>
+          <p:cNvSpPr txBox="1">
+            <a:spLocks noGrp="1"/>
+          </p:cNvSpPr>
+          <p:nvPr>
+            <p:ph type="body" idx="1"/>
+          </p:nvPr>
+        </p:nvSpPr>
+        <p:spPr>
+          <a:xfrm>
+            <a:off x="457200" y="1600200"/>
+            <a:ext cx="8229600" cy="4967700"/>
+          </a:xfrm>
+          <a:prstGeom prst="rect">
+            <a:avLst/>
+          </a:prstGeom>
+        </p:spPr>
+        <p:txBody>
+          <a:bodyPr lIns="91425" tIns="91425" rIns="91425" bIns="91425" anchor="t" anchorCtr="0"/>
+          <a:lstStyle>
+            <a:lvl1pPr>
+              <a:spcBef>
+                <a:spcPts val="0"/>
+              </a:spcBef>
+              <a:defRPr/>
+            </a:lvl1pPr>
+            <a:lvl2pPr>
+              <a:spcBef>
+                <a:spcPts val="0"/>
+              </a:spcBef>
+              <a:defRPr/>
+            </a:lvl2pPr>
+            <a:lvl3pPr>
+              <a:spcBef>
+                <a:spcPts val="0"/>
+              </a:spcBef>
+              <a:defRPr/>
+            </a:lvl3pPr>
+            <a:lvl4pPr>
+              <a:spcBef>
+                <a:spcPts val="0"/>
+              </a:spcBef>
+              <a:defRPr/>
+            </a:lvl4pPr>
+            <a:lvl5pPr>
+              <a:spcBef>
+                <a:spcPts val="0"/>
+              </a:spcBef>
+              <a:defRPr/>
+            </a:lvl5pPr>
+            <a:lvl6pPr>
+              <a:spcBef>
+                <a:spcPts val="0"/>
+              </a:spcBef>
+              <a:defRPr/>
+            </a:lvl6pPr>
+            <a:lvl7pPr>
+              <a:spcBef>
+                <a:spcPts val="0"/>
+              </a:spcBef>
+              <a:defRPr/>
+            </a:lvl7pPr>
+            <a:lvl8pPr>
+              <a:spcBef>
+                <a:spcPts val="0"/>
+              </a:spcBef>
+              <a:defRPr/>
+            </a:lvl8pPr>
+            <a:lvl9pPr>
+              <a:spcBef>
+                <a:spcPts val="0"/>
+              </a:spcBef>
+              <a:defRPr/>
+            </a:lvl9pPr>
+          </a:lstStyle>
+          <a:p>
+            <a:endParaRPr/>
+          </a:p>
+        </p:txBody>
+      </p:sp>
+      <p:sp>
+        <p:nvSpPr>
+          <p:cNvPr id="19" name="Shape 19"/>
+          <p:cNvSpPr txBox="1">
+            <a:spLocks noGrp="1"/>
+          </p:cNvSpPr>
+          <p:nvPr>
+            <p:ph type="sldNum" idx="12"/>
+          </p:nvPr>
+        </p:nvSpPr>
+        <p:spPr>
+          <a:xfrm>
+            <a:off x="8556792" y="6333136"/>
+            <a:ext cx="548699" cy="524699"/>
+          </a:xfrm>
+          <a:prstGeom prst="rect">
+            <a:avLst/>
+          </a:prstGeom>
+        </p:spPr>
+        <p:txBody>
+          <a:bodyPr lIns="91425" tIns="91425" rIns="91425" bIns="91425" anchor="ctr" anchorCtr="0">
+            <a:noAutofit/>
+          </a:bodyPr>
+          <a:lstStyle/>
+          <a:p>
+            <a:fld id="{00000000-1234-1234-1234-123412341234}" type="slidenum">
+              <a:rPr lang="en"/>
+              <a:pPr/>
+              <a:t>‹#›</a:t>
+            </a:fld>
+            <a:endParaRPr lang="en"/>
+          </a:p>
+        </p:txBody>
+      </p:sp>
+    </p:spTree>
+    <p:extLst>
+      <p:ext uri="{BB962C8B-B14F-4D97-AF65-F5344CB8AC3E}">
+        <p14:creationId xmlns:p14="http://schemas.microsoft.com/office/powerpoint/2010/main" val="1682189183"/>
       </p:ext>
     </p:extLst>
   </p:cSld>
@@ -2677,6 +3997,7 @@
     <p:sldLayoutId id="2147483669" r:id="rId9"/>
     <p:sldLayoutId id="2147483670" r:id="rId10"/>
     <p:sldLayoutId id="2147483671" r:id="rId11"/>
+    <p:sldLayoutId id="2147483672" r:id="rId12"/>
   </p:sldLayoutIdLst>
   <p:txStyles>
     <p:titleStyle>
@@ -2980,7 +4301,7 @@
       </p:grpSpPr>
       <p:sp>
         <p:nvSpPr>
-          <p:cNvPr id="2" name="Title 1"/>
+          <p:cNvPr id="6" name="Title 5"/>
           <p:cNvSpPr>
             <a:spLocks noGrp="1"/>
           </p:cNvSpPr>
@@ -2990,46 +4311,259 @@
         </p:nvSpPr>
         <p:spPr/>
         <p:txBody>
+          <a:bodyPr>
+            <a:normAutofit/>
+          </a:bodyPr>
+          <a:lstStyle/>
+          <a:p>
+            <a:r>
+              <a:rPr lang="vi-VN" sz="5400" dirty="0" smtClean="0">
+                <a:solidFill>
+                  <a:schemeClr val="bg1"/>
+                </a:solidFill>
+                <a:latin typeface="Cambria"/>
+                <a:ea typeface="Cambria"/>
+                <a:cs typeface="Cambria"/>
+                <a:sym typeface="Cambria"/>
+              </a:rPr>
+              <a:t>Problem</a:t>
+            </a:r>
+            <a:endParaRPr lang="en-US" sz="5400" dirty="0">
+              <a:solidFill>
+                <a:schemeClr val="bg1"/>
+              </a:solidFill>
+              <a:latin typeface="Cambria"/>
+              <a:ea typeface="Cambria"/>
+              <a:cs typeface="Cambria"/>
+              <a:sym typeface="Cambria"/>
+            </a:endParaRPr>
+          </a:p>
+        </p:txBody>
+      </p:sp>
+      <p:sp>
+        <p:nvSpPr>
+          <p:cNvPr id="5" name="Slide Number Placeholder 4"/>
+          <p:cNvSpPr>
+            <a:spLocks noGrp="1"/>
+          </p:cNvSpPr>
+          <p:nvPr>
+            <p:ph type="sldNum" idx="12"/>
+          </p:nvPr>
+        </p:nvSpPr>
+        <p:spPr/>
+        <p:txBody>
           <a:bodyPr/>
           <a:lstStyle/>
           <a:p>
-            <a:r>
-              <a:rPr lang="en-US" dirty="0" smtClean="0"/>
-              <a:t>Problem</a:t>
-            </a:r>
-            <a:endParaRPr lang="en-US" dirty="0"/>
-          </a:p>
-        </p:txBody>
-      </p:sp>
-      <p:sp>
-        <p:nvSpPr>
-          <p:cNvPr id="3" name="Content Placeholder 2"/>
-          <p:cNvSpPr>
-            <a:spLocks noGrp="1"/>
-          </p:cNvSpPr>
-          <p:nvPr>
-            <p:ph idx="1"/>
-          </p:nvPr>
-        </p:nvSpPr>
-        <p:spPr/>
-        <p:txBody>
-          <a:bodyPr/>
-          <a:lstStyle/>
-          <a:p>
-            <a:r>
-              <a:rPr lang="en-US" dirty="0" smtClean="0"/>
+            <a:fld id="{00000000-1234-1234-1234-123412341234}" type="slidenum">
+              <a:rPr lang="en" smtClean="0"/>
+              <a:pPr/>
+              <a:t>1</a:t>
+            </a:fld>
+            <a:endParaRPr lang="en"/>
+          </a:p>
+        </p:txBody>
+      </p:sp>
+      <p:sp>
+        <p:nvSpPr>
+          <p:cNvPr id="9" name="Content Placeholder 2"/>
+          <p:cNvSpPr txBox="1">
+            <a:spLocks/>
+          </p:cNvSpPr>
+          <p:nvPr/>
+        </p:nvSpPr>
+        <p:spPr>
+          <a:xfrm>
+            <a:off x="628650" y="1825625"/>
+            <a:ext cx="7886700" cy="4351338"/>
+          </a:xfrm>
+          <a:prstGeom prst="rect">
+            <a:avLst/>
+          </a:prstGeom>
+        </p:spPr>
+        <p:txBody>
+          <a:bodyPr vert="horz" lIns="91425" tIns="91425" rIns="91425" bIns="91425" rtlCol="0" anchor="t" anchorCtr="0">
+            <a:normAutofit/>
+          </a:bodyPr>
+          <a:lstStyle>
+            <a:lvl1pPr marL="228594" indent="-228594" algn="l" defTabSz="914377" rtl="0" eaLnBrk="1" latinLnBrk="0" hangingPunct="1">
+              <a:lnSpc>
+                <a:spcPct val="90000"/>
+              </a:lnSpc>
+              <a:spcBef>
+                <a:spcPts val="0"/>
+              </a:spcBef>
+              <a:buFont typeface="Arial" panose="020B0604020202020204" pitchFamily="34" charset="0"/>
+              <a:buChar char="•"/>
+              <a:defRPr sz="2800" kern="1200">
+                <a:solidFill>
+                  <a:schemeClr val="tx1"/>
+                </a:solidFill>
+                <a:latin typeface="+mn-lt"/>
+                <a:ea typeface="+mn-ea"/>
+                <a:cs typeface="+mn-cs"/>
+              </a:defRPr>
+            </a:lvl1pPr>
+            <a:lvl2pPr marL="685783" indent="-228594" algn="l" defTabSz="914377" rtl="0" eaLnBrk="1" latinLnBrk="0" hangingPunct="1">
+              <a:lnSpc>
+                <a:spcPct val="90000"/>
+              </a:lnSpc>
+              <a:spcBef>
+                <a:spcPts val="0"/>
+              </a:spcBef>
+              <a:buFont typeface="Arial" panose="020B0604020202020204" pitchFamily="34" charset="0"/>
+              <a:buChar char="•"/>
+              <a:defRPr sz="2400" kern="1200">
+                <a:solidFill>
+                  <a:schemeClr val="tx1"/>
+                </a:solidFill>
+                <a:latin typeface="+mn-lt"/>
+                <a:ea typeface="+mn-ea"/>
+                <a:cs typeface="+mn-cs"/>
+              </a:defRPr>
+            </a:lvl2pPr>
+            <a:lvl3pPr marL="1142971" indent="-228594" algn="l" defTabSz="914377" rtl="0" eaLnBrk="1" latinLnBrk="0" hangingPunct="1">
+              <a:lnSpc>
+                <a:spcPct val="90000"/>
+              </a:lnSpc>
+              <a:spcBef>
+                <a:spcPts val="0"/>
+              </a:spcBef>
+              <a:buFont typeface="Arial" panose="020B0604020202020204" pitchFamily="34" charset="0"/>
+              <a:buChar char="•"/>
+              <a:defRPr sz="2000" kern="1200">
+                <a:solidFill>
+                  <a:schemeClr val="tx1"/>
+                </a:solidFill>
+                <a:latin typeface="+mn-lt"/>
+                <a:ea typeface="+mn-ea"/>
+                <a:cs typeface="+mn-cs"/>
+              </a:defRPr>
+            </a:lvl3pPr>
+            <a:lvl4pPr marL="1600160" indent="-228594" algn="l" defTabSz="914377" rtl="0" eaLnBrk="1" latinLnBrk="0" hangingPunct="1">
+              <a:lnSpc>
+                <a:spcPct val="90000"/>
+              </a:lnSpc>
+              <a:spcBef>
+                <a:spcPts val="0"/>
+              </a:spcBef>
+              <a:buFont typeface="Arial" panose="020B0604020202020204" pitchFamily="34" charset="0"/>
+              <a:buChar char="•"/>
+              <a:defRPr sz="1800" kern="1200">
+                <a:solidFill>
+                  <a:schemeClr val="tx1"/>
+                </a:solidFill>
+                <a:latin typeface="+mn-lt"/>
+                <a:ea typeface="+mn-ea"/>
+                <a:cs typeface="+mn-cs"/>
+              </a:defRPr>
+            </a:lvl4pPr>
+            <a:lvl5pPr marL="2057349" indent="-228594" algn="l" defTabSz="914377" rtl="0" eaLnBrk="1" latinLnBrk="0" hangingPunct="1">
+              <a:lnSpc>
+                <a:spcPct val="90000"/>
+              </a:lnSpc>
+              <a:spcBef>
+                <a:spcPts val="0"/>
+              </a:spcBef>
+              <a:buFont typeface="Arial" panose="020B0604020202020204" pitchFamily="34" charset="0"/>
+              <a:buChar char="•"/>
+              <a:defRPr sz="1800" kern="1200">
+                <a:solidFill>
+                  <a:schemeClr val="tx1"/>
+                </a:solidFill>
+                <a:latin typeface="+mn-lt"/>
+                <a:ea typeface="+mn-ea"/>
+                <a:cs typeface="+mn-cs"/>
+              </a:defRPr>
+            </a:lvl5pPr>
+            <a:lvl6pPr marL="2514537" indent="-228594" algn="l" defTabSz="914377" rtl="0" eaLnBrk="1" latinLnBrk="0" hangingPunct="1">
+              <a:lnSpc>
+                <a:spcPct val="90000"/>
+              </a:lnSpc>
+              <a:spcBef>
+                <a:spcPts val="0"/>
+              </a:spcBef>
+              <a:buFont typeface="Arial" panose="020B0604020202020204" pitchFamily="34" charset="0"/>
+              <a:buChar char="•"/>
+              <a:defRPr sz="1800" kern="1200">
+                <a:solidFill>
+                  <a:schemeClr val="tx1"/>
+                </a:solidFill>
+                <a:latin typeface="+mn-lt"/>
+                <a:ea typeface="+mn-ea"/>
+                <a:cs typeface="+mn-cs"/>
+              </a:defRPr>
+            </a:lvl6pPr>
+            <a:lvl7pPr marL="2971726" indent="-228594" algn="l" defTabSz="914377" rtl="0" eaLnBrk="1" latinLnBrk="0" hangingPunct="1">
+              <a:lnSpc>
+                <a:spcPct val="90000"/>
+              </a:lnSpc>
+              <a:spcBef>
+                <a:spcPts val="0"/>
+              </a:spcBef>
+              <a:buFont typeface="Arial" panose="020B0604020202020204" pitchFamily="34" charset="0"/>
+              <a:buChar char="•"/>
+              <a:defRPr sz="1800" kern="1200">
+                <a:solidFill>
+                  <a:schemeClr val="tx1"/>
+                </a:solidFill>
+                <a:latin typeface="+mn-lt"/>
+                <a:ea typeface="+mn-ea"/>
+                <a:cs typeface="+mn-cs"/>
+              </a:defRPr>
+            </a:lvl7pPr>
+            <a:lvl8pPr marL="3428914" indent="-228594" algn="l" defTabSz="914377" rtl="0" eaLnBrk="1" latinLnBrk="0" hangingPunct="1">
+              <a:lnSpc>
+                <a:spcPct val="90000"/>
+              </a:lnSpc>
+              <a:spcBef>
+                <a:spcPts val="0"/>
+              </a:spcBef>
+              <a:buFont typeface="Arial" panose="020B0604020202020204" pitchFamily="34" charset="0"/>
+              <a:buChar char="•"/>
+              <a:defRPr sz="1800" kern="1200">
+                <a:solidFill>
+                  <a:schemeClr val="tx1"/>
+                </a:solidFill>
+                <a:latin typeface="+mn-lt"/>
+                <a:ea typeface="+mn-ea"/>
+                <a:cs typeface="+mn-cs"/>
+              </a:defRPr>
+            </a:lvl8pPr>
+            <a:lvl9pPr marL="3886103" indent="-228594" algn="l" defTabSz="914377" rtl="0" eaLnBrk="1" latinLnBrk="0" hangingPunct="1">
+              <a:lnSpc>
+                <a:spcPct val="90000"/>
+              </a:lnSpc>
+              <a:spcBef>
+                <a:spcPts val="0"/>
+              </a:spcBef>
+              <a:buFont typeface="Arial" panose="020B0604020202020204" pitchFamily="34" charset="0"/>
+              <a:buChar char="•"/>
+              <a:defRPr sz="1800" kern="1200">
+                <a:solidFill>
+                  <a:schemeClr val="tx1"/>
+                </a:solidFill>
+                <a:latin typeface="+mn-lt"/>
+                <a:ea typeface="+mn-ea"/>
+                <a:cs typeface="+mn-cs"/>
+              </a:defRPr>
+            </a:lvl9pPr>
+          </a:lstStyle>
+          <a:p>
+            <a:r>
+              <a:rPr lang="en-US" smtClean="0"/>
               <a:t>Smart wear is too small to view detail information</a:t>
             </a:r>
           </a:p>
           <a:p>
             <a:r>
-              <a:rPr lang="en-US" dirty="0" smtClean="0"/>
+              <a:rPr lang="en-US" smtClean="0"/>
               <a:t>Not everyone has smart wear.</a:t>
             </a:r>
           </a:p>
           <a:p>
             <a:r>
-              <a:rPr lang="en-US" dirty="0" smtClean="0"/>
+              <a:rPr lang="en-US" smtClean="0"/>
               <a:t>Price of android wear is not cheap.</a:t>
             </a:r>
             <a:endParaRPr lang="en-US" dirty="0"/>
@@ -3038,14 +4572,14 @@
       </p:sp>
       <p:pic>
         <p:nvPicPr>
-          <p:cNvPr id="1026" name="Picture 2" descr="https://encrypted-tbn3.gstatic.com/images?q=tbn:ANd9GcQW0Mb9NxFOFJ3Pgf9abKAnH-e5B3Gm937ObRS4VKqxXk3dvCJi"/>
+          <p:cNvPr id="11" name="Picture 10" descr="https://encrypted-tbn3.gstatic.com/images?q=tbn:ANd9GcQW0Mb9NxFOFJ3Pgf9abKAnH-e5B3Gm937ObRS4VKqxXk3dvCJi"/>
           <p:cNvPicPr>
             <a:picLocks noChangeAspect="1" noChangeArrowheads="1"/>
           </p:cNvPicPr>
           <p:nvPr/>
         </p:nvPicPr>
         <p:blipFill>
-          <a:blip r:embed="rId2">
+          <a:blip r:embed="rId3">
             <a:extLst>
               <a:ext uri="{28A0092B-C50C-407E-A947-70E740481C1C}">
                 <a14:useLocalDpi xmlns:a14="http://schemas.microsoft.com/office/drawing/2010/main" val="0"/>
@@ -3080,13 +4614,20 @@
     </p:spTree>
     <p:extLst>
       <p:ext uri="{BB962C8B-B14F-4D97-AF65-F5344CB8AC3E}">
-        <p14:creationId xmlns:p14="http://schemas.microsoft.com/office/powerpoint/2010/main" val="315991232"/>
+        <p14:creationId xmlns:p14="http://schemas.microsoft.com/office/powerpoint/2010/main" val="794955299"/>
       </p:ext>
     </p:extLst>
   </p:cSld>
   <p:clrMapOvr>
     <a:masterClrMapping/>
   </p:clrMapOvr>
+  <p:timing>
+    <p:tnLst>
+      <p:par>
+        <p:cTn id="1" dur="indefinite" restart="never" nodeType="tmRoot"/>
+      </p:par>
+    </p:tnLst>
+  </p:timing>
 </p:sld>
 </file>
 
@@ -3109,7 +4650,7 @@
       </p:grpSpPr>
       <p:sp>
         <p:nvSpPr>
-          <p:cNvPr id="2" name="Title 1"/>
+          <p:cNvPr id="6" name="Title 5"/>
           <p:cNvSpPr>
             <a:spLocks noGrp="1"/>
           </p:cNvSpPr>
@@ -3119,34 +4660,247 @@
         </p:nvSpPr>
         <p:spPr/>
         <p:txBody>
+          <a:bodyPr>
+            <a:normAutofit/>
+          </a:bodyPr>
+          <a:lstStyle/>
+          <a:p>
+            <a:r>
+              <a:rPr lang="vi-VN" sz="5400" dirty="0" smtClean="0">
+                <a:solidFill>
+                  <a:schemeClr val="bg1"/>
+                </a:solidFill>
+                <a:latin typeface="Cambria"/>
+                <a:ea typeface="Cambria"/>
+                <a:cs typeface="Cambria"/>
+                <a:sym typeface="Cambria"/>
+              </a:rPr>
+              <a:t>Solution</a:t>
+            </a:r>
+            <a:endParaRPr lang="en-US" sz="5400" dirty="0">
+              <a:solidFill>
+                <a:schemeClr val="bg1"/>
+              </a:solidFill>
+              <a:latin typeface="Cambria"/>
+              <a:ea typeface="Cambria"/>
+              <a:cs typeface="Cambria"/>
+              <a:sym typeface="Cambria"/>
+            </a:endParaRPr>
+          </a:p>
+        </p:txBody>
+      </p:sp>
+      <p:sp>
+        <p:nvSpPr>
+          <p:cNvPr id="5" name="Slide Number Placeholder 4"/>
+          <p:cNvSpPr>
+            <a:spLocks noGrp="1"/>
+          </p:cNvSpPr>
+          <p:nvPr>
+            <p:ph type="sldNum" idx="12"/>
+          </p:nvPr>
+        </p:nvSpPr>
+        <p:spPr/>
+        <p:txBody>
           <a:bodyPr/>
           <a:lstStyle/>
           <a:p>
-            <a:r>
-              <a:rPr lang="en-US" dirty="0" smtClean="0"/>
-              <a:t>Solution</a:t>
-            </a:r>
-            <a:endParaRPr lang="en-US" dirty="0"/>
-          </a:p>
-        </p:txBody>
-      </p:sp>
-      <p:sp>
-        <p:nvSpPr>
-          <p:cNvPr id="3" name="Content Placeholder 2"/>
-          <p:cNvSpPr>
-            <a:spLocks noGrp="1"/>
-          </p:cNvSpPr>
-          <p:nvPr>
-            <p:ph idx="1"/>
-          </p:nvPr>
-        </p:nvSpPr>
-        <p:spPr/>
-        <p:txBody>
-          <a:bodyPr/>
-          <a:lstStyle/>
-          <a:p>
-            <a:r>
-              <a:rPr lang="en-US" dirty="0" smtClean="0"/>
+            <a:fld id="{00000000-1234-1234-1234-123412341234}" type="slidenum">
+              <a:rPr lang="en" smtClean="0"/>
+              <a:pPr/>
+              <a:t>2</a:t>
+            </a:fld>
+            <a:endParaRPr lang="en"/>
+          </a:p>
+        </p:txBody>
+      </p:sp>
+      <p:sp>
+        <p:nvSpPr>
+          <p:cNvPr id="7" name="Content Placeholder 2"/>
+          <p:cNvSpPr txBox="1">
+            <a:spLocks/>
+          </p:cNvSpPr>
+          <p:nvPr/>
+        </p:nvSpPr>
+        <p:spPr>
+          <a:xfrm>
+            <a:off x="628650" y="1825625"/>
+            <a:ext cx="7886700" cy="4351338"/>
+          </a:xfrm>
+          <a:prstGeom prst="rect">
+            <a:avLst/>
+          </a:prstGeom>
+        </p:spPr>
+        <p:txBody>
+          <a:bodyPr vert="horz" lIns="91425" tIns="91425" rIns="91425" bIns="91425" rtlCol="0" anchor="t" anchorCtr="0">
+            <a:normAutofit/>
+          </a:bodyPr>
+          <a:lstStyle>
+            <a:lvl1pPr marL="228594" indent="-228594" algn="l" defTabSz="914377" rtl="0" eaLnBrk="1" latinLnBrk="0" hangingPunct="1">
+              <a:lnSpc>
+                <a:spcPct val="90000"/>
+              </a:lnSpc>
+              <a:spcBef>
+                <a:spcPts val="0"/>
+              </a:spcBef>
+              <a:buFont typeface="Arial" panose="020B0604020202020204" pitchFamily="34" charset="0"/>
+              <a:buChar char="•"/>
+              <a:defRPr sz="2800" kern="1200">
+                <a:solidFill>
+                  <a:schemeClr val="tx1"/>
+                </a:solidFill>
+                <a:latin typeface="+mn-lt"/>
+                <a:ea typeface="+mn-ea"/>
+                <a:cs typeface="+mn-cs"/>
+              </a:defRPr>
+            </a:lvl1pPr>
+            <a:lvl2pPr marL="685783" indent="-228594" algn="l" defTabSz="914377" rtl="0" eaLnBrk="1" latinLnBrk="0" hangingPunct="1">
+              <a:lnSpc>
+                <a:spcPct val="90000"/>
+              </a:lnSpc>
+              <a:spcBef>
+                <a:spcPts val="0"/>
+              </a:spcBef>
+              <a:buFont typeface="Arial" panose="020B0604020202020204" pitchFamily="34" charset="0"/>
+              <a:buChar char="•"/>
+              <a:defRPr sz="2400" kern="1200">
+                <a:solidFill>
+                  <a:schemeClr val="tx1"/>
+                </a:solidFill>
+                <a:latin typeface="+mn-lt"/>
+                <a:ea typeface="+mn-ea"/>
+                <a:cs typeface="+mn-cs"/>
+              </a:defRPr>
+            </a:lvl2pPr>
+            <a:lvl3pPr marL="1142971" indent="-228594" algn="l" defTabSz="914377" rtl="0" eaLnBrk="1" latinLnBrk="0" hangingPunct="1">
+              <a:lnSpc>
+                <a:spcPct val="90000"/>
+              </a:lnSpc>
+              <a:spcBef>
+                <a:spcPts val="0"/>
+              </a:spcBef>
+              <a:buFont typeface="Arial" panose="020B0604020202020204" pitchFamily="34" charset="0"/>
+              <a:buChar char="•"/>
+              <a:defRPr sz="2000" kern="1200">
+                <a:solidFill>
+                  <a:schemeClr val="tx1"/>
+                </a:solidFill>
+                <a:latin typeface="+mn-lt"/>
+                <a:ea typeface="+mn-ea"/>
+                <a:cs typeface="+mn-cs"/>
+              </a:defRPr>
+            </a:lvl3pPr>
+            <a:lvl4pPr marL="1600160" indent="-228594" algn="l" defTabSz="914377" rtl="0" eaLnBrk="1" latinLnBrk="0" hangingPunct="1">
+              <a:lnSpc>
+                <a:spcPct val="90000"/>
+              </a:lnSpc>
+              <a:spcBef>
+                <a:spcPts val="0"/>
+              </a:spcBef>
+              <a:buFont typeface="Arial" panose="020B0604020202020204" pitchFamily="34" charset="0"/>
+              <a:buChar char="•"/>
+              <a:defRPr sz="1800" kern="1200">
+                <a:solidFill>
+                  <a:schemeClr val="tx1"/>
+                </a:solidFill>
+                <a:latin typeface="+mn-lt"/>
+                <a:ea typeface="+mn-ea"/>
+                <a:cs typeface="+mn-cs"/>
+              </a:defRPr>
+            </a:lvl4pPr>
+            <a:lvl5pPr marL="2057349" indent="-228594" algn="l" defTabSz="914377" rtl="0" eaLnBrk="1" latinLnBrk="0" hangingPunct="1">
+              <a:lnSpc>
+                <a:spcPct val="90000"/>
+              </a:lnSpc>
+              <a:spcBef>
+                <a:spcPts val="0"/>
+              </a:spcBef>
+              <a:buFont typeface="Arial" panose="020B0604020202020204" pitchFamily="34" charset="0"/>
+              <a:buChar char="•"/>
+              <a:defRPr sz="1800" kern="1200">
+                <a:solidFill>
+                  <a:schemeClr val="tx1"/>
+                </a:solidFill>
+                <a:latin typeface="+mn-lt"/>
+                <a:ea typeface="+mn-ea"/>
+                <a:cs typeface="+mn-cs"/>
+              </a:defRPr>
+            </a:lvl5pPr>
+            <a:lvl6pPr marL="2514537" indent="-228594" algn="l" defTabSz="914377" rtl="0" eaLnBrk="1" latinLnBrk="0" hangingPunct="1">
+              <a:lnSpc>
+                <a:spcPct val="90000"/>
+              </a:lnSpc>
+              <a:spcBef>
+                <a:spcPts val="0"/>
+              </a:spcBef>
+              <a:buFont typeface="Arial" panose="020B0604020202020204" pitchFamily="34" charset="0"/>
+              <a:buChar char="•"/>
+              <a:defRPr sz="1800" kern="1200">
+                <a:solidFill>
+                  <a:schemeClr val="tx1"/>
+                </a:solidFill>
+                <a:latin typeface="+mn-lt"/>
+                <a:ea typeface="+mn-ea"/>
+                <a:cs typeface="+mn-cs"/>
+              </a:defRPr>
+            </a:lvl6pPr>
+            <a:lvl7pPr marL="2971726" indent="-228594" algn="l" defTabSz="914377" rtl="0" eaLnBrk="1" latinLnBrk="0" hangingPunct="1">
+              <a:lnSpc>
+                <a:spcPct val="90000"/>
+              </a:lnSpc>
+              <a:spcBef>
+                <a:spcPts val="0"/>
+              </a:spcBef>
+              <a:buFont typeface="Arial" panose="020B0604020202020204" pitchFamily="34" charset="0"/>
+              <a:buChar char="•"/>
+              <a:defRPr sz="1800" kern="1200">
+                <a:solidFill>
+                  <a:schemeClr val="tx1"/>
+                </a:solidFill>
+                <a:latin typeface="+mn-lt"/>
+                <a:ea typeface="+mn-ea"/>
+                <a:cs typeface="+mn-cs"/>
+              </a:defRPr>
+            </a:lvl7pPr>
+            <a:lvl8pPr marL="3428914" indent="-228594" algn="l" defTabSz="914377" rtl="0" eaLnBrk="1" latinLnBrk="0" hangingPunct="1">
+              <a:lnSpc>
+                <a:spcPct val="90000"/>
+              </a:lnSpc>
+              <a:spcBef>
+                <a:spcPts val="0"/>
+              </a:spcBef>
+              <a:buFont typeface="Arial" panose="020B0604020202020204" pitchFamily="34" charset="0"/>
+              <a:buChar char="•"/>
+              <a:defRPr sz="1800" kern="1200">
+                <a:solidFill>
+                  <a:schemeClr val="tx1"/>
+                </a:solidFill>
+                <a:latin typeface="+mn-lt"/>
+                <a:ea typeface="+mn-ea"/>
+                <a:cs typeface="+mn-cs"/>
+              </a:defRPr>
+            </a:lvl8pPr>
+            <a:lvl9pPr marL="3886103" indent="-228594" algn="l" defTabSz="914377" rtl="0" eaLnBrk="1" latinLnBrk="0" hangingPunct="1">
+              <a:lnSpc>
+                <a:spcPct val="90000"/>
+              </a:lnSpc>
+              <a:spcBef>
+                <a:spcPts val="0"/>
+              </a:spcBef>
+              <a:buFont typeface="Arial" panose="020B0604020202020204" pitchFamily="34" charset="0"/>
+              <a:buChar char="•"/>
+              <a:defRPr sz="1800" kern="1200">
+                <a:solidFill>
+                  <a:schemeClr val="tx1"/>
+                </a:solidFill>
+                <a:latin typeface="+mn-lt"/>
+                <a:ea typeface="+mn-ea"/>
+                <a:cs typeface="+mn-cs"/>
+              </a:defRPr>
+            </a:lvl9pPr>
+          </a:lstStyle>
+          <a:p>
+            <a:r>
+              <a:rPr lang="en-US" smtClean="0"/>
               <a:t>Provide notify by sound function. </a:t>
             </a:r>
             <a:endParaRPr lang="en-US" dirty="0"/>
@@ -3155,14 +4909,14 @@
       </p:sp>
       <p:pic>
         <p:nvPicPr>
-          <p:cNvPr id="5122" name="Picture 2" descr="http://ipadhelp.com/wp-content/uploads/2014/03/sound.jpg"/>
+          <p:cNvPr id="8" name="Picture 7" descr="http://ipadhelp.com/wp-content/uploads/2014/03/sound.jpg"/>
           <p:cNvPicPr>
             <a:picLocks noChangeAspect="1" noChangeArrowheads="1"/>
           </p:cNvPicPr>
           <p:nvPr/>
         </p:nvPicPr>
         <p:blipFill>
-          <a:blip r:embed="rId2" cstate="print">
+          <a:blip r:embed="rId3" cstate="print">
             <a:extLst>
               <a:ext uri="{28A0092B-C50C-407E-A947-70E740481C1C}">
                 <a14:useLocalDpi xmlns:a14="http://schemas.microsoft.com/office/drawing/2010/main" val="0"/>
@@ -3197,13 +4951,20 @@
     </p:spTree>
     <p:extLst>
       <p:ext uri="{BB962C8B-B14F-4D97-AF65-F5344CB8AC3E}">
-        <p14:creationId xmlns:p14="http://schemas.microsoft.com/office/powerpoint/2010/main" val="795192292"/>
+        <p14:creationId xmlns:p14="http://schemas.microsoft.com/office/powerpoint/2010/main" val="1628417014"/>
       </p:ext>
     </p:extLst>
   </p:cSld>
   <p:clrMapOvr>
     <a:masterClrMapping/>
   </p:clrMapOvr>
+  <p:timing>
+    <p:tnLst>
+      <p:par>
+        <p:cTn id="1" dur="indefinite" restart="never" nodeType="tmRoot"/>
+      </p:par>
+    </p:tnLst>
+  </p:timing>
 </p:sld>
 </file>
 
@@ -3226,7 +4987,72 @@
       </p:grpSpPr>
       <p:sp>
         <p:nvSpPr>
-          <p:cNvPr id="6" name="Rectangle 5"/>
+          <p:cNvPr id="6" name="Title 5"/>
+          <p:cNvSpPr>
+            <a:spLocks noGrp="1"/>
+          </p:cNvSpPr>
+          <p:nvPr>
+            <p:ph type="title"/>
+          </p:nvPr>
+        </p:nvSpPr>
+        <p:spPr/>
+        <p:txBody>
+          <a:bodyPr>
+            <a:normAutofit/>
+          </a:bodyPr>
+          <a:lstStyle/>
+          <a:p>
+            <a:r>
+              <a:rPr lang="vi-VN" sz="5400" dirty="0" smtClean="0">
+                <a:solidFill>
+                  <a:schemeClr val="bg1"/>
+                </a:solidFill>
+                <a:latin typeface="Cambria"/>
+                <a:ea typeface="Cambria"/>
+                <a:cs typeface="Cambria"/>
+                <a:sym typeface="Cambria"/>
+              </a:rPr>
+              <a:t>Architecture</a:t>
+            </a:r>
+            <a:endParaRPr lang="en-US" sz="5400" dirty="0">
+              <a:solidFill>
+                <a:schemeClr val="bg1"/>
+              </a:solidFill>
+              <a:latin typeface="Cambria"/>
+              <a:ea typeface="Cambria"/>
+              <a:cs typeface="Cambria"/>
+              <a:sym typeface="Cambria"/>
+            </a:endParaRPr>
+          </a:p>
+        </p:txBody>
+      </p:sp>
+      <p:sp>
+        <p:nvSpPr>
+          <p:cNvPr id="5" name="Slide Number Placeholder 4"/>
+          <p:cNvSpPr>
+            <a:spLocks noGrp="1"/>
+          </p:cNvSpPr>
+          <p:nvPr>
+            <p:ph type="sldNum" idx="12"/>
+          </p:nvPr>
+        </p:nvSpPr>
+        <p:spPr/>
+        <p:txBody>
+          <a:bodyPr/>
+          <a:lstStyle/>
+          <a:p>
+            <a:fld id="{00000000-1234-1234-1234-123412341234}" type="slidenum">
+              <a:rPr lang="en" smtClean="0"/>
+              <a:pPr/>
+              <a:t>3</a:t>
+            </a:fld>
+            <a:endParaRPr lang="en"/>
+          </a:p>
+        </p:txBody>
+      </p:sp>
+      <p:sp>
+        <p:nvSpPr>
+          <p:cNvPr id="9" name="Rectangle 8"/>
           <p:cNvSpPr/>
           <p:nvPr/>
         </p:nvSpPr>
@@ -3282,44 +5108,23 @@
           </a:p>
         </p:txBody>
       </p:sp>
-      <p:sp>
-        <p:nvSpPr>
-          <p:cNvPr id="20" name="Title 1"/>
-          <p:cNvSpPr>
-            <a:spLocks noGrp="1"/>
-          </p:cNvSpPr>
-          <p:nvPr>
-            <p:ph type="title"/>
-          </p:nvPr>
-        </p:nvSpPr>
-        <p:spPr>
-          <a:xfrm>
-            <a:off x="628650" y="365129"/>
-            <a:ext cx="7886700" cy="1325563"/>
-          </a:xfrm>
-        </p:spPr>
-        <p:txBody>
-          <a:bodyPr/>
-          <a:lstStyle/>
-          <a:p>
-            <a:r>
-              <a:rPr lang="en-US" dirty="0" smtClean="0"/>
-              <a:t>architecture</a:t>
-            </a:r>
-            <a:endParaRPr lang="en-US" dirty="0"/>
-          </a:p>
-        </p:txBody>
-      </p:sp>
     </p:spTree>
     <p:extLst>
       <p:ext uri="{BB962C8B-B14F-4D97-AF65-F5344CB8AC3E}">
-        <p14:creationId xmlns:p14="http://schemas.microsoft.com/office/powerpoint/2010/main" val="3596404141"/>
+        <p14:creationId xmlns:p14="http://schemas.microsoft.com/office/powerpoint/2010/main" val="1718547162"/>
       </p:ext>
     </p:extLst>
   </p:cSld>
   <p:clrMapOvr>
     <a:masterClrMapping/>
   </p:clrMapOvr>
+  <p:timing>
+    <p:tnLst>
+      <p:par>
+        <p:cTn id="1" dur="indefinite" restart="never" nodeType="tmRoot"/>
+      </p:par>
+    </p:tnLst>
+  </p:timing>
 </p:sld>
 </file>
 
@@ -3342,7 +5147,72 @@
       </p:grpSpPr>
       <p:sp>
         <p:nvSpPr>
-          <p:cNvPr id="4" name="Rectangle 3"/>
+          <p:cNvPr id="6" name="Title 5"/>
+          <p:cNvSpPr>
+            <a:spLocks noGrp="1"/>
+          </p:cNvSpPr>
+          <p:nvPr>
+            <p:ph type="title"/>
+          </p:nvPr>
+        </p:nvSpPr>
+        <p:spPr/>
+        <p:txBody>
+          <a:bodyPr>
+            <a:normAutofit/>
+          </a:bodyPr>
+          <a:lstStyle/>
+          <a:p>
+            <a:r>
+              <a:rPr lang="vi-VN" sz="5400" dirty="0" smtClean="0">
+                <a:solidFill>
+                  <a:schemeClr val="bg1"/>
+                </a:solidFill>
+                <a:latin typeface="Cambria"/>
+                <a:ea typeface="Cambria"/>
+                <a:cs typeface="Cambria"/>
+                <a:sym typeface="Cambria"/>
+              </a:rPr>
+              <a:t>Architecture</a:t>
+            </a:r>
+            <a:endParaRPr lang="en-US" sz="5400" dirty="0">
+              <a:solidFill>
+                <a:schemeClr val="bg1"/>
+              </a:solidFill>
+              <a:latin typeface="Cambria"/>
+              <a:ea typeface="Cambria"/>
+              <a:cs typeface="Cambria"/>
+              <a:sym typeface="Cambria"/>
+            </a:endParaRPr>
+          </a:p>
+        </p:txBody>
+      </p:sp>
+      <p:sp>
+        <p:nvSpPr>
+          <p:cNvPr id="5" name="Slide Number Placeholder 4"/>
+          <p:cNvSpPr>
+            <a:spLocks noGrp="1"/>
+          </p:cNvSpPr>
+          <p:nvPr>
+            <p:ph type="sldNum" idx="12"/>
+          </p:nvPr>
+        </p:nvSpPr>
+        <p:spPr/>
+        <p:txBody>
+          <a:bodyPr/>
+          <a:lstStyle/>
+          <a:p>
+            <a:fld id="{00000000-1234-1234-1234-123412341234}" type="slidenum">
+              <a:rPr lang="en" smtClean="0"/>
+              <a:pPr/>
+              <a:t>4</a:t>
+            </a:fld>
+            <a:endParaRPr lang="en"/>
+          </a:p>
+        </p:txBody>
+      </p:sp>
+      <p:sp>
+        <p:nvSpPr>
+          <p:cNvPr id="7" name="Rectangle 6"/>
           <p:cNvSpPr/>
           <p:nvPr/>
         </p:nvSpPr>
@@ -3400,7 +5270,7 @@
       </p:sp>
       <p:sp>
         <p:nvSpPr>
-          <p:cNvPr id="6" name="Rectangle 5"/>
+          <p:cNvPr id="8" name="Rectangle 7"/>
           <p:cNvSpPr/>
           <p:nvPr/>
         </p:nvSpPr>
@@ -3458,9 +5328,263 @@
       </p:sp>
       <p:cxnSp>
         <p:nvCxnSpPr>
-          <p:cNvPr id="8" name="Straight Arrow Connector 7"/>
+          <p:cNvPr id="10" name="Straight Arrow Connector 9"/>
+          <p:cNvCxnSpPr/>
+          <p:nvPr/>
+        </p:nvCxnSpPr>
+        <p:spPr>
+          <a:xfrm>
+            <a:off x="2042984" y="2866767"/>
+            <a:ext cx="984421" cy="0"/>
+          </a:xfrm>
+          <a:prstGeom prst="straightConnector1">
+            <a:avLst/>
+          </a:prstGeom>
+          <a:ln w="28575">
+            <a:solidFill>
+              <a:schemeClr val="tx1"/>
+            </a:solidFill>
+            <a:tailEnd type="triangle"/>
+          </a:ln>
+        </p:spPr>
+        <p:style>
+          <a:lnRef idx="1">
+            <a:schemeClr val="accent1"/>
+          </a:lnRef>
+          <a:fillRef idx="0">
+            <a:schemeClr val="accent1"/>
+          </a:fillRef>
+          <a:effectRef idx="0">
+            <a:schemeClr val="accent1"/>
+          </a:effectRef>
+          <a:fontRef idx="minor">
+            <a:schemeClr val="tx1"/>
+          </a:fontRef>
+        </p:style>
+      </p:cxnSp>
+    </p:spTree>
+    <p:extLst>
+      <p:ext uri="{BB962C8B-B14F-4D97-AF65-F5344CB8AC3E}">
+        <p14:creationId xmlns:p14="http://schemas.microsoft.com/office/powerpoint/2010/main" val="890954493"/>
+      </p:ext>
+    </p:extLst>
+  </p:cSld>
+  <p:clrMapOvr>
+    <a:masterClrMapping/>
+  </p:clrMapOvr>
+  <p:timing>
+    <p:tnLst>
+      <p:par>
+        <p:cTn id="1" dur="indefinite" restart="never" nodeType="tmRoot"/>
+      </p:par>
+    </p:tnLst>
+  </p:timing>
+</p:sld>
+</file>
+
+<file path=ppt/slides/slide5.xml><?xml version="1.0" encoding="utf-8"?>
+<p:sld xmlns:a="http://schemas.openxmlformats.org/drawingml/2006/main" xmlns:r="http://schemas.openxmlformats.org/officeDocument/2006/relationships" xmlns:p="http://schemas.openxmlformats.org/presentationml/2006/main">
+  <p:cSld>
+    <p:spTree>
+      <p:nvGrpSpPr>
+        <p:cNvPr id="1" name=""/>
+        <p:cNvGrpSpPr/>
+        <p:nvPr/>
+      </p:nvGrpSpPr>
+      <p:grpSpPr>
+        <a:xfrm>
+          <a:off x="0" y="0"/>
+          <a:ext cx="0" cy="0"/>
+          <a:chOff x="0" y="0"/>
+          <a:chExt cx="0" cy="0"/>
+        </a:xfrm>
+      </p:grpSpPr>
+      <p:sp>
+        <p:nvSpPr>
+          <p:cNvPr id="6" name="Title 5"/>
+          <p:cNvSpPr>
+            <a:spLocks noGrp="1"/>
+          </p:cNvSpPr>
+          <p:nvPr>
+            <p:ph type="title"/>
+          </p:nvPr>
+        </p:nvSpPr>
+        <p:spPr/>
+        <p:txBody>
+          <a:bodyPr>
+            <a:normAutofit/>
+          </a:bodyPr>
+          <a:lstStyle/>
+          <a:p>
+            <a:r>
+              <a:rPr lang="vi-VN" sz="5400" dirty="0" smtClean="0">
+                <a:solidFill>
+                  <a:schemeClr val="bg1"/>
+                </a:solidFill>
+                <a:latin typeface="Cambria"/>
+                <a:ea typeface="Cambria"/>
+                <a:cs typeface="Cambria"/>
+                <a:sym typeface="Cambria"/>
+              </a:rPr>
+              <a:t>Architecture</a:t>
+            </a:r>
+            <a:endParaRPr lang="en-US" sz="5400" dirty="0">
+              <a:solidFill>
+                <a:schemeClr val="bg1"/>
+              </a:solidFill>
+              <a:latin typeface="Cambria"/>
+              <a:ea typeface="Cambria"/>
+              <a:cs typeface="Cambria"/>
+              <a:sym typeface="Cambria"/>
+            </a:endParaRPr>
+          </a:p>
+        </p:txBody>
+      </p:sp>
+      <p:sp>
+        <p:nvSpPr>
+          <p:cNvPr id="5" name="Slide Number Placeholder 4"/>
+          <p:cNvSpPr>
+            <a:spLocks noGrp="1"/>
+          </p:cNvSpPr>
+          <p:nvPr>
+            <p:ph type="sldNum" idx="12"/>
+          </p:nvPr>
+        </p:nvSpPr>
+        <p:spPr/>
+        <p:txBody>
+          <a:bodyPr/>
+          <a:lstStyle/>
+          <a:p>
+            <a:fld id="{00000000-1234-1234-1234-123412341234}" type="slidenum">
+              <a:rPr lang="en" smtClean="0"/>
+              <a:pPr/>
+              <a:t>5</a:t>
+            </a:fld>
+            <a:endParaRPr lang="en"/>
+          </a:p>
+        </p:txBody>
+      </p:sp>
+      <p:sp>
+        <p:nvSpPr>
+          <p:cNvPr id="9" name="Rectangle 8"/>
+          <p:cNvSpPr/>
+          <p:nvPr/>
+        </p:nvSpPr>
+        <p:spPr>
+          <a:xfrm>
+            <a:off x="3027405" y="2038864"/>
+            <a:ext cx="1655806" cy="1655806"/>
+          </a:xfrm>
+          <a:prstGeom prst="rect">
+            <a:avLst/>
+          </a:prstGeom>
+          <a:noFill/>
+          <a:ln>
+            <a:solidFill>
+              <a:schemeClr val="tx1"/>
+            </a:solidFill>
+          </a:ln>
+        </p:spPr>
+        <p:style>
+          <a:lnRef idx="2">
+            <a:schemeClr val="accent1">
+              <a:shade val="50000"/>
+            </a:schemeClr>
+          </a:lnRef>
+          <a:fillRef idx="1">
+            <a:schemeClr val="accent1"/>
+          </a:fillRef>
+          <a:effectRef idx="0">
+            <a:schemeClr val="accent1"/>
+          </a:effectRef>
+          <a:fontRef idx="minor">
+            <a:schemeClr val="lt1"/>
+          </a:fontRef>
+        </p:style>
+        <p:txBody>
+          <a:bodyPr rtlCol="0" anchor="ctr"/>
+          <a:lstStyle/>
+          <a:p>
+            <a:pPr algn="ctr"/>
+            <a:r>
+              <a:rPr lang="en-US" dirty="0" smtClean="0">
+                <a:solidFill>
+                  <a:schemeClr val="tx1"/>
+                </a:solidFill>
+              </a:rPr>
+              <a:t>Select Download button</a:t>
+            </a:r>
+            <a:endParaRPr lang="en-US" dirty="0">
+              <a:solidFill>
+                <a:schemeClr val="tx1"/>
+              </a:solidFill>
+            </a:endParaRPr>
+          </a:p>
+        </p:txBody>
+      </p:sp>
+      <p:sp>
+        <p:nvSpPr>
+          <p:cNvPr id="11" name="Rectangle 10"/>
+          <p:cNvSpPr/>
+          <p:nvPr/>
+        </p:nvSpPr>
+        <p:spPr>
+          <a:xfrm>
+            <a:off x="387178" y="2038864"/>
+            <a:ext cx="1655806" cy="1655806"/>
+          </a:xfrm>
+          <a:prstGeom prst="rect">
+            <a:avLst/>
+          </a:prstGeom>
+          <a:noFill/>
+          <a:ln>
+            <a:solidFill>
+              <a:schemeClr val="tx1"/>
+            </a:solidFill>
+          </a:ln>
+        </p:spPr>
+        <p:style>
+          <a:lnRef idx="2">
+            <a:schemeClr val="accent1">
+              <a:shade val="50000"/>
+            </a:schemeClr>
+          </a:lnRef>
+          <a:fillRef idx="1">
+            <a:schemeClr val="accent1"/>
+          </a:fillRef>
+          <a:effectRef idx="0">
+            <a:schemeClr val="accent1"/>
+          </a:effectRef>
+          <a:fontRef idx="minor">
+            <a:schemeClr val="lt1"/>
+          </a:fontRef>
+        </p:style>
+        <p:txBody>
+          <a:bodyPr rtlCol="0" anchor="ctr"/>
+          <a:lstStyle/>
+          <a:p>
+            <a:pPr algn="ctr"/>
+            <a:r>
+              <a:rPr lang="en-US" dirty="0" smtClean="0">
+                <a:solidFill>
+                  <a:schemeClr val="tx1"/>
+                </a:solidFill>
+              </a:rPr>
+              <a:t>List notify string</a:t>
+            </a:r>
+            <a:endParaRPr lang="en-US" dirty="0">
+              <a:solidFill>
+                <a:schemeClr val="tx1"/>
+              </a:solidFill>
+            </a:endParaRPr>
+          </a:p>
+        </p:txBody>
+      </p:sp>
+      <p:cxnSp>
+        <p:nvCxnSpPr>
+          <p:cNvPr id="12" name="Straight Arrow Connector 11"/>
           <p:cNvCxnSpPr>
-            <a:stCxn id="6" idx="3"/>
+            <a:stCxn id="14" idx="3"/>
           </p:cNvCxnSpPr>
           <p:nvPr/>
         </p:nvCxnSpPr>
@@ -3496,46 +5620,119 @@
       </p:cxnSp>
       <p:sp>
         <p:nvSpPr>
-          <p:cNvPr id="20" name="Title 1"/>
-          <p:cNvSpPr>
-            <a:spLocks noGrp="1"/>
-          </p:cNvSpPr>
-          <p:nvPr>
-            <p:ph type="title"/>
-          </p:nvPr>
+          <p:cNvPr id="13" name="Rectangle 12"/>
+          <p:cNvSpPr/>
+          <p:nvPr/>
         </p:nvSpPr>
         <p:spPr>
           <a:xfrm>
-            <a:off x="628650" y="365129"/>
-            <a:ext cx="7886700" cy="1325563"/>
+            <a:off x="5667632" y="2038864"/>
+            <a:ext cx="1655806" cy="1655806"/>
           </a:xfrm>
+          <a:prstGeom prst="rect">
+            <a:avLst/>
+          </a:prstGeom>
+          <a:noFill/>
+          <a:ln>
+            <a:solidFill>
+              <a:schemeClr val="tx1"/>
+            </a:solidFill>
+          </a:ln>
         </p:spPr>
-        <p:txBody>
-          <a:bodyPr/>
-          <a:lstStyle/>
-          <a:p>
-            <a:r>
-              <a:rPr lang="en-US" dirty="0" smtClean="0"/>
-              <a:t>architecture</a:t>
-            </a:r>
-            <a:endParaRPr lang="en-US" dirty="0"/>
-          </a:p>
-        </p:txBody>
-      </p:sp>
+        <p:style>
+          <a:lnRef idx="2">
+            <a:schemeClr val="accent1">
+              <a:shade val="50000"/>
+            </a:schemeClr>
+          </a:lnRef>
+          <a:fillRef idx="1">
+            <a:schemeClr val="accent1"/>
+          </a:fillRef>
+          <a:effectRef idx="0">
+            <a:schemeClr val="accent1"/>
+          </a:effectRef>
+          <a:fontRef idx="minor">
+            <a:schemeClr val="lt1"/>
+          </a:fontRef>
+        </p:style>
+        <p:txBody>
+          <a:bodyPr rtlCol="0" anchor="ctr"/>
+          <a:lstStyle/>
+          <a:p>
+            <a:pPr algn="ctr"/>
+            <a:r>
+              <a:rPr lang="en-US" dirty="0" smtClean="0">
+                <a:solidFill>
+                  <a:schemeClr val="tx1"/>
+                </a:solidFill>
+              </a:rPr>
+              <a:t>FPT Service</a:t>
+            </a:r>
+            <a:endParaRPr lang="en-US" dirty="0">
+              <a:solidFill>
+                <a:schemeClr val="tx1"/>
+              </a:solidFill>
+            </a:endParaRPr>
+          </a:p>
+        </p:txBody>
+      </p:sp>
+      <p:cxnSp>
+        <p:nvCxnSpPr>
+          <p:cNvPr id="14" name="Straight Arrow Connector 13"/>
+          <p:cNvCxnSpPr/>
+          <p:nvPr/>
+        </p:nvCxnSpPr>
+        <p:spPr>
+          <a:xfrm>
+            <a:off x="4683211" y="2858529"/>
+            <a:ext cx="984421" cy="0"/>
+          </a:xfrm>
+          <a:prstGeom prst="straightConnector1">
+            <a:avLst/>
+          </a:prstGeom>
+          <a:ln w="28575">
+            <a:solidFill>
+              <a:schemeClr val="tx1"/>
+            </a:solidFill>
+            <a:tailEnd type="triangle"/>
+          </a:ln>
+        </p:spPr>
+        <p:style>
+          <a:lnRef idx="1">
+            <a:schemeClr val="accent1"/>
+          </a:lnRef>
+          <a:fillRef idx="0">
+            <a:schemeClr val="accent1"/>
+          </a:fillRef>
+          <a:effectRef idx="0">
+            <a:schemeClr val="accent1"/>
+          </a:effectRef>
+          <a:fontRef idx="minor">
+            <a:schemeClr val="tx1"/>
+          </a:fontRef>
+        </p:style>
+      </p:cxnSp>
     </p:spTree>
     <p:extLst>
       <p:ext uri="{BB962C8B-B14F-4D97-AF65-F5344CB8AC3E}">
-        <p14:creationId xmlns:p14="http://schemas.microsoft.com/office/powerpoint/2010/main" val="1077696205"/>
+        <p14:creationId xmlns:p14="http://schemas.microsoft.com/office/powerpoint/2010/main" val="927076895"/>
       </p:ext>
     </p:extLst>
   </p:cSld>
   <p:clrMapOvr>
     <a:masterClrMapping/>
   </p:clrMapOvr>
+  <p:timing>
+    <p:tnLst>
+      <p:par>
+        <p:cTn id="1" dur="indefinite" restart="never" nodeType="tmRoot"/>
+      </p:par>
+    </p:tnLst>
+  </p:timing>
 </p:sld>
 </file>
 
-<file path=ppt/slides/slide5.xml><?xml version="1.0" encoding="utf-8"?>
+<file path=ppt/slides/slide6.xml><?xml version="1.0" encoding="utf-8"?>
 <p:sld xmlns:a="http://schemas.openxmlformats.org/drawingml/2006/main" xmlns:r="http://schemas.openxmlformats.org/officeDocument/2006/relationships" xmlns:p="http://schemas.openxmlformats.org/presentationml/2006/main">
   <p:cSld>
     <p:spTree>
@@ -3554,7 +5751,72 @@
       </p:grpSpPr>
       <p:sp>
         <p:nvSpPr>
-          <p:cNvPr id="4" name="Rectangle 3"/>
+          <p:cNvPr id="6" name="Title 5"/>
+          <p:cNvSpPr>
+            <a:spLocks noGrp="1"/>
+          </p:cNvSpPr>
+          <p:nvPr>
+            <p:ph type="title"/>
+          </p:nvPr>
+        </p:nvSpPr>
+        <p:spPr/>
+        <p:txBody>
+          <a:bodyPr>
+            <a:normAutofit/>
+          </a:bodyPr>
+          <a:lstStyle/>
+          <a:p>
+            <a:r>
+              <a:rPr lang="vi-VN" sz="5400" dirty="0" smtClean="0">
+                <a:solidFill>
+                  <a:schemeClr val="bg1"/>
+                </a:solidFill>
+                <a:latin typeface="Cambria"/>
+                <a:ea typeface="Cambria"/>
+                <a:cs typeface="Cambria"/>
+                <a:sym typeface="Cambria"/>
+              </a:rPr>
+              <a:t>Architecture</a:t>
+            </a:r>
+            <a:endParaRPr lang="en-US" sz="5400" dirty="0">
+              <a:solidFill>
+                <a:schemeClr val="bg1"/>
+              </a:solidFill>
+              <a:latin typeface="Cambria"/>
+              <a:ea typeface="Cambria"/>
+              <a:cs typeface="Cambria"/>
+              <a:sym typeface="Cambria"/>
+            </a:endParaRPr>
+          </a:p>
+        </p:txBody>
+      </p:sp>
+      <p:sp>
+        <p:nvSpPr>
+          <p:cNvPr id="5" name="Slide Number Placeholder 4"/>
+          <p:cNvSpPr>
+            <a:spLocks noGrp="1"/>
+          </p:cNvSpPr>
+          <p:nvPr>
+            <p:ph type="sldNum" idx="12"/>
+          </p:nvPr>
+        </p:nvSpPr>
+        <p:spPr/>
+        <p:txBody>
+          <a:bodyPr/>
+          <a:lstStyle/>
+          <a:p>
+            <a:fld id="{00000000-1234-1234-1234-123412341234}" type="slidenum">
+              <a:rPr lang="en" smtClean="0"/>
+              <a:pPr/>
+              <a:t>6</a:t>
+            </a:fld>
+            <a:endParaRPr lang="en"/>
+          </a:p>
+        </p:txBody>
+      </p:sp>
+      <p:sp>
+        <p:nvSpPr>
+          <p:cNvPr id="10" name="Rectangle 9"/>
           <p:cNvSpPr/>
           <p:nvPr/>
         </p:nvSpPr>
@@ -3612,7 +5874,7 @@
       </p:sp>
       <p:sp>
         <p:nvSpPr>
-          <p:cNvPr id="6" name="Rectangle 5"/>
+          <p:cNvPr id="15" name="Rectangle 14"/>
           <p:cNvSpPr/>
           <p:nvPr/>
         </p:nvSpPr>
@@ -3670,9 +5932,9 @@
       </p:sp>
       <p:cxnSp>
         <p:nvCxnSpPr>
-          <p:cNvPr id="8" name="Straight Arrow Connector 7"/>
+          <p:cNvPr id="16" name="Straight Arrow Connector 15"/>
           <p:cNvCxnSpPr>
-            <a:stCxn id="6" idx="3"/>
+            <a:stCxn id="18" idx="3"/>
           </p:cNvCxnSpPr>
           <p:nvPr/>
         </p:nvCxnSpPr>
@@ -3708,7 +5970,7 @@
       </p:cxnSp>
       <p:sp>
         <p:nvSpPr>
-          <p:cNvPr id="9" name="Rectangle 8"/>
+          <p:cNvPr id="17" name="Rectangle 16"/>
           <p:cNvSpPr/>
           <p:nvPr/>
         </p:nvSpPr>
@@ -3764,315 +6026,9 @@
           </a:p>
         </p:txBody>
       </p:sp>
-      <p:cxnSp>
-        <p:nvCxnSpPr>
-          <p:cNvPr id="13" name="Straight Arrow Connector 12"/>
-          <p:cNvCxnSpPr/>
-          <p:nvPr/>
-        </p:nvCxnSpPr>
-        <p:spPr>
-          <a:xfrm>
-            <a:off x="4683211" y="2858529"/>
-            <a:ext cx="984421" cy="0"/>
-          </a:xfrm>
-          <a:prstGeom prst="straightConnector1">
-            <a:avLst/>
-          </a:prstGeom>
-          <a:ln w="28575">
-            <a:solidFill>
-              <a:schemeClr val="tx1"/>
-            </a:solidFill>
-            <a:tailEnd type="triangle"/>
-          </a:ln>
-        </p:spPr>
-        <p:style>
-          <a:lnRef idx="1">
-            <a:schemeClr val="accent1"/>
-          </a:lnRef>
-          <a:fillRef idx="0">
-            <a:schemeClr val="accent1"/>
-          </a:fillRef>
-          <a:effectRef idx="0">
-            <a:schemeClr val="accent1"/>
-          </a:effectRef>
-          <a:fontRef idx="minor">
-            <a:schemeClr val="tx1"/>
-          </a:fontRef>
-        </p:style>
-      </p:cxnSp>
-      <p:sp>
-        <p:nvSpPr>
-          <p:cNvPr id="20" name="Title 1"/>
-          <p:cNvSpPr>
-            <a:spLocks noGrp="1"/>
-          </p:cNvSpPr>
-          <p:nvPr>
-            <p:ph type="title"/>
-          </p:nvPr>
-        </p:nvSpPr>
-        <p:spPr>
-          <a:xfrm>
-            <a:off x="628650" y="365129"/>
-            <a:ext cx="7886700" cy="1325563"/>
-          </a:xfrm>
-        </p:spPr>
-        <p:txBody>
-          <a:bodyPr/>
-          <a:lstStyle/>
-          <a:p>
-            <a:r>
-              <a:rPr lang="en-US" dirty="0" smtClean="0"/>
-              <a:t>architecture</a:t>
-            </a:r>
-            <a:endParaRPr lang="en-US" dirty="0"/>
-          </a:p>
-        </p:txBody>
-      </p:sp>
-    </p:spTree>
-    <p:extLst>
-      <p:ext uri="{BB962C8B-B14F-4D97-AF65-F5344CB8AC3E}">
-        <p14:creationId xmlns:p14="http://schemas.microsoft.com/office/powerpoint/2010/main" val="1614966049"/>
-      </p:ext>
-    </p:extLst>
-  </p:cSld>
-  <p:clrMapOvr>
-    <a:masterClrMapping/>
-  </p:clrMapOvr>
-</p:sld>
-</file>
-
-<file path=ppt/slides/slide6.xml><?xml version="1.0" encoding="utf-8"?>
-<p:sld xmlns:a="http://schemas.openxmlformats.org/drawingml/2006/main" xmlns:r="http://schemas.openxmlformats.org/officeDocument/2006/relationships" xmlns:p="http://schemas.openxmlformats.org/presentationml/2006/main">
-  <p:cSld>
-    <p:spTree>
-      <p:nvGrpSpPr>
-        <p:cNvPr id="1" name=""/>
-        <p:cNvGrpSpPr/>
-        <p:nvPr/>
-      </p:nvGrpSpPr>
-      <p:grpSpPr>
-        <a:xfrm>
-          <a:off x="0" y="0"/>
-          <a:ext cx="0" cy="0"/>
-          <a:chOff x="0" y="0"/>
-          <a:chExt cx="0" cy="0"/>
-        </a:xfrm>
-      </p:grpSpPr>
-      <p:sp>
-        <p:nvSpPr>
-          <p:cNvPr id="4" name="Rectangle 3"/>
-          <p:cNvSpPr/>
-          <p:nvPr/>
-        </p:nvSpPr>
-        <p:spPr>
-          <a:xfrm>
-            <a:off x="3027405" y="2038864"/>
-            <a:ext cx="1655806" cy="1655806"/>
-          </a:xfrm>
-          <a:prstGeom prst="rect">
-            <a:avLst/>
-          </a:prstGeom>
-          <a:noFill/>
-          <a:ln>
-            <a:solidFill>
-              <a:schemeClr val="tx1"/>
-            </a:solidFill>
-          </a:ln>
-        </p:spPr>
-        <p:style>
-          <a:lnRef idx="2">
-            <a:schemeClr val="accent1">
-              <a:shade val="50000"/>
-            </a:schemeClr>
-          </a:lnRef>
-          <a:fillRef idx="1">
-            <a:schemeClr val="accent1"/>
-          </a:fillRef>
-          <a:effectRef idx="0">
-            <a:schemeClr val="accent1"/>
-          </a:effectRef>
-          <a:fontRef idx="minor">
-            <a:schemeClr val="lt1"/>
-          </a:fontRef>
-        </p:style>
-        <p:txBody>
-          <a:bodyPr rtlCol="0" anchor="ctr"/>
-          <a:lstStyle/>
-          <a:p>
-            <a:pPr algn="ctr"/>
-            <a:r>
-              <a:rPr lang="en-US" dirty="0" smtClean="0">
-                <a:solidFill>
-                  <a:schemeClr val="tx1"/>
-                </a:solidFill>
-              </a:rPr>
-              <a:t>Select Download button</a:t>
-            </a:r>
-            <a:endParaRPr lang="en-US" dirty="0">
-              <a:solidFill>
-                <a:schemeClr val="tx1"/>
-              </a:solidFill>
-            </a:endParaRPr>
-          </a:p>
-        </p:txBody>
-      </p:sp>
-      <p:sp>
-        <p:nvSpPr>
-          <p:cNvPr id="6" name="Rectangle 5"/>
-          <p:cNvSpPr/>
-          <p:nvPr/>
-        </p:nvSpPr>
-        <p:spPr>
-          <a:xfrm>
-            <a:off x="387178" y="2038864"/>
-            <a:ext cx="1655806" cy="1655806"/>
-          </a:xfrm>
-          <a:prstGeom prst="rect">
-            <a:avLst/>
-          </a:prstGeom>
-          <a:noFill/>
-          <a:ln>
-            <a:solidFill>
-              <a:schemeClr val="tx1"/>
-            </a:solidFill>
-          </a:ln>
-        </p:spPr>
-        <p:style>
-          <a:lnRef idx="2">
-            <a:schemeClr val="accent1">
-              <a:shade val="50000"/>
-            </a:schemeClr>
-          </a:lnRef>
-          <a:fillRef idx="1">
-            <a:schemeClr val="accent1"/>
-          </a:fillRef>
-          <a:effectRef idx="0">
-            <a:schemeClr val="accent1"/>
-          </a:effectRef>
-          <a:fontRef idx="minor">
-            <a:schemeClr val="lt1"/>
-          </a:fontRef>
-        </p:style>
-        <p:txBody>
-          <a:bodyPr rtlCol="0" anchor="ctr"/>
-          <a:lstStyle/>
-          <a:p>
-            <a:pPr algn="ctr"/>
-            <a:r>
-              <a:rPr lang="en-US" dirty="0" smtClean="0">
-                <a:solidFill>
-                  <a:schemeClr val="tx1"/>
-                </a:solidFill>
-              </a:rPr>
-              <a:t>List notify string</a:t>
-            </a:r>
-            <a:endParaRPr lang="en-US" dirty="0">
-              <a:solidFill>
-                <a:schemeClr val="tx1"/>
-              </a:solidFill>
-            </a:endParaRPr>
-          </a:p>
-        </p:txBody>
-      </p:sp>
-      <p:cxnSp>
-        <p:nvCxnSpPr>
-          <p:cNvPr id="8" name="Straight Arrow Connector 7"/>
-          <p:cNvCxnSpPr>
-            <a:stCxn id="6" idx="3"/>
-          </p:cNvCxnSpPr>
-          <p:nvPr/>
-        </p:nvCxnSpPr>
-        <p:spPr>
-          <a:xfrm>
-            <a:off x="2042984" y="2866767"/>
-            <a:ext cx="984421" cy="0"/>
-          </a:xfrm>
-          <a:prstGeom prst="straightConnector1">
-            <a:avLst/>
-          </a:prstGeom>
-          <a:ln w="28575">
-            <a:solidFill>
-              <a:schemeClr val="tx1"/>
-            </a:solidFill>
-            <a:tailEnd type="triangle"/>
-          </a:ln>
-        </p:spPr>
-        <p:style>
-          <a:lnRef idx="1">
-            <a:schemeClr val="accent1"/>
-          </a:lnRef>
-          <a:fillRef idx="0">
-            <a:schemeClr val="accent1"/>
-          </a:fillRef>
-          <a:effectRef idx="0">
-            <a:schemeClr val="accent1"/>
-          </a:effectRef>
-          <a:fontRef idx="minor">
-            <a:schemeClr val="tx1"/>
-          </a:fontRef>
-        </p:style>
-      </p:cxnSp>
-      <p:sp>
-        <p:nvSpPr>
-          <p:cNvPr id="9" name="Rectangle 8"/>
-          <p:cNvSpPr/>
-          <p:nvPr/>
-        </p:nvSpPr>
-        <p:spPr>
-          <a:xfrm>
-            <a:off x="5667632" y="2038864"/>
-            <a:ext cx="1655806" cy="1655806"/>
-          </a:xfrm>
-          <a:prstGeom prst="rect">
-            <a:avLst/>
-          </a:prstGeom>
-          <a:noFill/>
-          <a:ln>
-            <a:solidFill>
-              <a:schemeClr val="tx1"/>
-            </a:solidFill>
-          </a:ln>
-        </p:spPr>
-        <p:style>
-          <a:lnRef idx="2">
-            <a:schemeClr val="accent1">
-              <a:shade val="50000"/>
-            </a:schemeClr>
-          </a:lnRef>
-          <a:fillRef idx="1">
-            <a:schemeClr val="accent1"/>
-          </a:fillRef>
-          <a:effectRef idx="0">
-            <a:schemeClr val="accent1"/>
-          </a:effectRef>
-          <a:fontRef idx="minor">
-            <a:schemeClr val="lt1"/>
-          </a:fontRef>
-        </p:style>
-        <p:txBody>
-          <a:bodyPr rtlCol="0" anchor="ctr"/>
-          <a:lstStyle/>
-          <a:p>
-            <a:pPr algn="ctr"/>
-            <a:r>
-              <a:rPr lang="en-US" dirty="0" smtClean="0">
-                <a:solidFill>
-                  <a:schemeClr val="tx1"/>
-                </a:solidFill>
-              </a:rPr>
-              <a:t>FPT Service</a:t>
-            </a:r>
-            <a:endParaRPr lang="en-US" dirty="0">
-              <a:solidFill>
-                <a:schemeClr val="tx1"/>
-              </a:solidFill>
-            </a:endParaRPr>
-          </a:p>
-        </p:txBody>
-      </p:sp>
-      <p:sp>
-        <p:nvSpPr>
-          <p:cNvPr id="11" name="Rectangle 10"/>
+      <p:sp>
+        <p:nvSpPr>
+          <p:cNvPr id="18" name="Rectangle 17"/>
           <p:cNvSpPr/>
           <p:nvPr/>
         </p:nvSpPr>
@@ -4130,7 +6086,7 @@
       </p:sp>
       <p:cxnSp>
         <p:nvCxnSpPr>
-          <p:cNvPr id="13" name="Straight Arrow Connector 12"/>
+          <p:cNvPr id="19" name="Straight Arrow Connector 18"/>
           <p:cNvCxnSpPr/>
           <p:nvPr/>
         </p:nvCxnSpPr>
@@ -4166,11 +6122,8 @@
       </p:cxnSp>
       <p:cxnSp>
         <p:nvCxnSpPr>
-          <p:cNvPr id="14" name="Straight Arrow Connector 13"/>
-          <p:cNvCxnSpPr>
-            <a:stCxn id="9" idx="2"/>
-            <a:endCxn id="11" idx="0"/>
-          </p:cNvCxnSpPr>
+          <p:cNvPr id="20" name="Straight Arrow Connector 19"/>
+          <p:cNvCxnSpPr/>
           <p:nvPr/>
         </p:nvCxnSpPr>
         <p:spPr>
@@ -4203,44 +6156,23 @@
           </a:fontRef>
         </p:style>
       </p:cxnSp>
-      <p:sp>
-        <p:nvSpPr>
-          <p:cNvPr id="20" name="Title 1"/>
-          <p:cNvSpPr>
-            <a:spLocks noGrp="1"/>
-          </p:cNvSpPr>
-          <p:nvPr>
-            <p:ph type="title"/>
-          </p:nvPr>
-        </p:nvSpPr>
-        <p:spPr>
-          <a:xfrm>
-            <a:off x="628650" y="365129"/>
-            <a:ext cx="7886700" cy="1325563"/>
-          </a:xfrm>
-        </p:spPr>
-        <p:txBody>
-          <a:bodyPr/>
-          <a:lstStyle/>
-          <a:p>
-            <a:r>
-              <a:rPr lang="en-US" dirty="0" smtClean="0"/>
-              <a:t>architecture</a:t>
-            </a:r>
-            <a:endParaRPr lang="en-US" dirty="0"/>
-          </a:p>
-        </p:txBody>
-      </p:sp>
     </p:spTree>
     <p:extLst>
       <p:ext uri="{BB962C8B-B14F-4D97-AF65-F5344CB8AC3E}">
-        <p14:creationId xmlns:p14="http://schemas.microsoft.com/office/powerpoint/2010/main" val="683312869"/>
+        <p14:creationId xmlns:p14="http://schemas.microsoft.com/office/powerpoint/2010/main" val="921107376"/>
       </p:ext>
     </p:extLst>
   </p:cSld>
   <p:clrMapOvr>
     <a:masterClrMapping/>
   </p:clrMapOvr>
+  <p:timing>
+    <p:tnLst>
+      <p:par>
+        <p:cTn id="1" dur="indefinite" restart="never" nodeType="tmRoot"/>
+      </p:par>
+    </p:tnLst>
+  </p:timing>
 </p:sld>
 </file>
 
@@ -4263,7 +6195,72 @@
       </p:grpSpPr>
       <p:sp>
         <p:nvSpPr>
-          <p:cNvPr id="4" name="Rectangle 3"/>
+          <p:cNvPr id="6" name="Title 5"/>
+          <p:cNvSpPr>
+            <a:spLocks noGrp="1"/>
+          </p:cNvSpPr>
+          <p:nvPr>
+            <p:ph type="title"/>
+          </p:nvPr>
+        </p:nvSpPr>
+        <p:spPr/>
+        <p:txBody>
+          <a:bodyPr>
+            <a:normAutofit/>
+          </a:bodyPr>
+          <a:lstStyle/>
+          <a:p>
+            <a:r>
+              <a:rPr lang="vi-VN" sz="5400" dirty="0" smtClean="0">
+                <a:solidFill>
+                  <a:schemeClr val="bg1"/>
+                </a:solidFill>
+                <a:latin typeface="Cambria"/>
+                <a:ea typeface="Cambria"/>
+                <a:cs typeface="Cambria"/>
+                <a:sym typeface="Cambria"/>
+              </a:rPr>
+              <a:t>Architecture</a:t>
+            </a:r>
+            <a:endParaRPr lang="en-US" sz="5400" dirty="0">
+              <a:solidFill>
+                <a:schemeClr val="bg1"/>
+              </a:solidFill>
+              <a:latin typeface="Cambria"/>
+              <a:ea typeface="Cambria"/>
+              <a:cs typeface="Cambria"/>
+              <a:sym typeface="Cambria"/>
+            </a:endParaRPr>
+          </a:p>
+        </p:txBody>
+      </p:sp>
+      <p:sp>
+        <p:nvSpPr>
+          <p:cNvPr id="5" name="Slide Number Placeholder 4"/>
+          <p:cNvSpPr>
+            <a:spLocks noGrp="1"/>
+          </p:cNvSpPr>
+          <p:nvPr>
+            <p:ph type="sldNum" idx="12"/>
+          </p:nvPr>
+        </p:nvSpPr>
+        <p:spPr/>
+        <p:txBody>
+          <a:bodyPr/>
+          <a:lstStyle/>
+          <a:p>
+            <a:fld id="{00000000-1234-1234-1234-123412341234}" type="slidenum">
+              <a:rPr lang="en" smtClean="0"/>
+              <a:pPr/>
+              <a:t>7</a:t>
+            </a:fld>
+            <a:endParaRPr lang="en"/>
+          </a:p>
+        </p:txBody>
+      </p:sp>
+      <p:sp>
+        <p:nvSpPr>
+          <p:cNvPr id="12" name="Rectangle 11"/>
           <p:cNvSpPr/>
           <p:nvPr/>
         </p:nvSpPr>
@@ -4321,7 +6318,7 @@
       </p:sp>
       <p:sp>
         <p:nvSpPr>
-          <p:cNvPr id="6" name="Rectangle 5"/>
+          <p:cNvPr id="13" name="Rectangle 12"/>
           <p:cNvSpPr/>
           <p:nvPr/>
         </p:nvSpPr>
@@ -4379,9 +6376,9 @@
       </p:sp>
       <p:cxnSp>
         <p:nvCxnSpPr>
-          <p:cNvPr id="8" name="Straight Arrow Connector 7"/>
+          <p:cNvPr id="14" name="Straight Arrow Connector 13"/>
           <p:cNvCxnSpPr>
-            <a:stCxn id="6" idx="3"/>
+            <a:stCxn id="22" idx="3"/>
           </p:cNvCxnSpPr>
           <p:nvPr/>
         </p:nvCxnSpPr>
@@ -4417,7 +6414,7 @@
       </p:cxnSp>
       <p:sp>
         <p:nvSpPr>
-          <p:cNvPr id="9" name="Rectangle 8"/>
+          <p:cNvPr id="21" name="Rectangle 20"/>
           <p:cNvSpPr/>
           <p:nvPr/>
         </p:nvSpPr>
@@ -4475,7 +6472,7 @@
       </p:sp>
       <p:sp>
         <p:nvSpPr>
-          <p:cNvPr id="11" name="Rectangle 10"/>
+          <p:cNvPr id="22" name="Rectangle 21"/>
           <p:cNvSpPr/>
           <p:nvPr/>
         </p:nvSpPr>
@@ -4533,7 +6530,7 @@
       </p:sp>
       <p:sp>
         <p:nvSpPr>
-          <p:cNvPr id="12" name="Rectangle 11"/>
+          <p:cNvPr id="23" name="Rectangle 22"/>
           <p:cNvSpPr/>
           <p:nvPr/>
         </p:nvSpPr>
@@ -4591,7 +6588,7 @@
       </p:sp>
       <p:cxnSp>
         <p:nvCxnSpPr>
-          <p:cNvPr id="13" name="Straight Arrow Connector 12"/>
+          <p:cNvPr id="24" name="Straight Arrow Connector 23"/>
           <p:cNvCxnSpPr/>
           <p:nvPr/>
         </p:nvCxnSpPr>
@@ -4627,10 +6624,9 @@
       </p:cxnSp>
       <p:cxnSp>
         <p:nvCxnSpPr>
-          <p:cNvPr id="14" name="Straight Arrow Connector 13"/>
+          <p:cNvPr id="25" name="Straight Arrow Connector 24"/>
           <p:cNvCxnSpPr>
-            <a:stCxn id="9" idx="2"/>
-            <a:endCxn id="11" idx="0"/>
+            <a:stCxn id="25" idx="2"/>
           </p:cNvCxnSpPr>
           <p:nvPr/>
         </p:nvCxnSpPr>
@@ -4666,11 +6662,8 @@
       </p:cxnSp>
       <p:cxnSp>
         <p:nvCxnSpPr>
-          <p:cNvPr id="17" name="Straight Arrow Connector 16"/>
-          <p:cNvCxnSpPr>
-            <a:stCxn id="11" idx="1"/>
-            <a:endCxn id="12" idx="3"/>
-          </p:cNvCxnSpPr>
+          <p:cNvPr id="26" name="Straight Arrow Connector 25"/>
+          <p:cNvCxnSpPr/>
           <p:nvPr/>
         </p:nvCxnSpPr>
         <p:spPr>
@@ -4703,44 +6696,23 @@
           </a:fontRef>
         </p:style>
       </p:cxnSp>
-      <p:sp>
-        <p:nvSpPr>
-          <p:cNvPr id="20" name="Title 1"/>
-          <p:cNvSpPr>
-            <a:spLocks noGrp="1"/>
-          </p:cNvSpPr>
-          <p:nvPr>
-            <p:ph type="title"/>
-          </p:nvPr>
-        </p:nvSpPr>
-        <p:spPr>
-          <a:xfrm>
-            <a:off x="628650" y="365129"/>
-            <a:ext cx="7886700" cy="1325563"/>
-          </a:xfrm>
-        </p:spPr>
-        <p:txBody>
-          <a:bodyPr/>
-          <a:lstStyle/>
-          <a:p>
-            <a:r>
-              <a:rPr lang="en-US" dirty="0" smtClean="0"/>
-              <a:t>architecture</a:t>
-            </a:r>
-            <a:endParaRPr lang="en-US" dirty="0"/>
-          </a:p>
-        </p:txBody>
-      </p:sp>
     </p:spTree>
     <p:extLst>
       <p:ext uri="{BB962C8B-B14F-4D97-AF65-F5344CB8AC3E}">
-        <p14:creationId xmlns:p14="http://schemas.microsoft.com/office/powerpoint/2010/main" val="3291128593"/>
+        <p14:creationId xmlns:p14="http://schemas.microsoft.com/office/powerpoint/2010/main" val="321358643"/>
       </p:ext>
     </p:extLst>
   </p:cSld>
   <p:clrMapOvr>
     <a:masterClrMapping/>
   </p:clrMapOvr>
+  <p:timing>
+    <p:tnLst>
+      <p:par>
+        <p:cTn id="1" dur="indefinite" restart="never" nodeType="tmRoot"/>
+      </p:par>
+    </p:tnLst>
+  </p:timing>
 </p:sld>
 </file>
 
@@ -4763,7 +6735,7 @@
       </p:grpSpPr>
       <p:sp>
         <p:nvSpPr>
-          <p:cNvPr id="2" name="Title 1"/>
+          <p:cNvPr id="6" name="Title 5"/>
           <p:cNvSpPr>
             <a:spLocks noGrp="1"/>
           </p:cNvSpPr>
@@ -4773,33 +6745,247 @@
         </p:nvSpPr>
         <p:spPr/>
         <p:txBody>
+          <a:bodyPr>
+            <a:normAutofit/>
+          </a:bodyPr>
+          <a:lstStyle/>
+          <a:p>
+            <a:r>
+              <a:rPr lang="vi-VN" sz="5400" dirty="0" smtClean="0">
+                <a:solidFill>
+                  <a:schemeClr val="bg1"/>
+                </a:solidFill>
+                <a:latin typeface="Cambria"/>
+                <a:ea typeface="Cambria"/>
+                <a:cs typeface="Cambria"/>
+                <a:sym typeface="Cambria"/>
+              </a:rPr>
+              <a:t>DEMO</a:t>
+            </a:r>
+            <a:endParaRPr lang="en-US" sz="5400" dirty="0">
+              <a:solidFill>
+                <a:schemeClr val="bg1"/>
+              </a:solidFill>
+              <a:latin typeface="Cambria"/>
+              <a:ea typeface="Cambria"/>
+              <a:cs typeface="Cambria"/>
+              <a:sym typeface="Cambria"/>
+            </a:endParaRPr>
+          </a:p>
+        </p:txBody>
+      </p:sp>
+      <p:sp>
+        <p:nvSpPr>
+          <p:cNvPr id="5" name="Slide Number Placeholder 4"/>
+          <p:cNvSpPr>
+            <a:spLocks noGrp="1"/>
+          </p:cNvSpPr>
+          <p:nvPr>
+            <p:ph type="sldNum" idx="12"/>
+          </p:nvPr>
+        </p:nvSpPr>
+        <p:spPr/>
+        <p:txBody>
           <a:bodyPr/>
           <a:lstStyle/>
           <a:p>
-            <a:r>
-              <a:rPr lang="en-US" dirty="0" smtClean="0"/>
-              <a:t>DEMO</a:t>
-            </a:r>
-            <a:endParaRPr lang="en-US" dirty="0"/>
-          </a:p>
-        </p:txBody>
-      </p:sp>
-      <p:sp>
-        <p:nvSpPr>
-          <p:cNvPr id="3" name="Content Placeholder 2"/>
-          <p:cNvSpPr>
-            <a:spLocks noGrp="1"/>
-          </p:cNvSpPr>
-          <p:nvPr>
-            <p:ph idx="1"/>
-          </p:nvPr>
-        </p:nvSpPr>
-        <p:spPr/>
-        <p:txBody>
-          <a:bodyPr/>
-          <a:lstStyle/>
+            <a:fld id="{00000000-1234-1234-1234-123412341234}" type="slidenum">
+              <a:rPr lang="en" smtClean="0"/>
+              <a:pPr/>
+              <a:t>8</a:t>
+            </a:fld>
+            <a:endParaRPr lang="en"/>
+          </a:p>
+        </p:txBody>
+      </p:sp>
+      <p:sp>
+        <p:nvSpPr>
+          <p:cNvPr id="15" name="Content Placeholder 2"/>
+          <p:cNvSpPr txBox="1">
+            <a:spLocks/>
+          </p:cNvSpPr>
+          <p:nvPr/>
+        </p:nvSpPr>
+        <p:spPr>
+          <a:xfrm>
+            <a:off x="628650" y="1825625"/>
+            <a:ext cx="7886700" cy="4351338"/>
+          </a:xfrm>
+          <a:prstGeom prst="rect">
+            <a:avLst/>
+          </a:prstGeom>
+        </p:spPr>
+        <p:txBody>
+          <a:bodyPr vert="horz" lIns="91425" tIns="91425" rIns="91425" bIns="91425" rtlCol="0" anchor="t" anchorCtr="0">
+            <a:normAutofit/>
+          </a:bodyPr>
+          <a:lstStyle>
+            <a:lvl1pPr marL="228594" indent="-228594" algn="l" defTabSz="914377" rtl="0" eaLnBrk="1" latinLnBrk="0" hangingPunct="1">
+              <a:lnSpc>
+                <a:spcPct val="90000"/>
+              </a:lnSpc>
+              <a:spcBef>
+                <a:spcPts val="0"/>
+              </a:spcBef>
+              <a:buFont typeface="Arial" panose="020B0604020202020204" pitchFamily="34" charset="0"/>
+              <a:buChar char="•"/>
+              <a:defRPr sz="2800" kern="1200">
+                <a:solidFill>
+                  <a:schemeClr val="tx1"/>
+                </a:solidFill>
+                <a:latin typeface="+mn-lt"/>
+                <a:ea typeface="+mn-ea"/>
+                <a:cs typeface="+mn-cs"/>
+              </a:defRPr>
+            </a:lvl1pPr>
+            <a:lvl2pPr marL="685783" indent="-228594" algn="l" defTabSz="914377" rtl="0" eaLnBrk="1" latinLnBrk="0" hangingPunct="1">
+              <a:lnSpc>
+                <a:spcPct val="90000"/>
+              </a:lnSpc>
+              <a:spcBef>
+                <a:spcPts val="0"/>
+              </a:spcBef>
+              <a:buFont typeface="Arial" panose="020B0604020202020204" pitchFamily="34" charset="0"/>
+              <a:buChar char="•"/>
+              <a:defRPr sz="2400" kern="1200">
+                <a:solidFill>
+                  <a:schemeClr val="tx1"/>
+                </a:solidFill>
+                <a:latin typeface="+mn-lt"/>
+                <a:ea typeface="+mn-ea"/>
+                <a:cs typeface="+mn-cs"/>
+              </a:defRPr>
+            </a:lvl2pPr>
+            <a:lvl3pPr marL="1142971" indent="-228594" algn="l" defTabSz="914377" rtl="0" eaLnBrk="1" latinLnBrk="0" hangingPunct="1">
+              <a:lnSpc>
+                <a:spcPct val="90000"/>
+              </a:lnSpc>
+              <a:spcBef>
+                <a:spcPts val="0"/>
+              </a:spcBef>
+              <a:buFont typeface="Arial" panose="020B0604020202020204" pitchFamily="34" charset="0"/>
+              <a:buChar char="•"/>
+              <a:defRPr sz="2000" kern="1200">
+                <a:solidFill>
+                  <a:schemeClr val="tx1"/>
+                </a:solidFill>
+                <a:latin typeface="+mn-lt"/>
+                <a:ea typeface="+mn-ea"/>
+                <a:cs typeface="+mn-cs"/>
+              </a:defRPr>
+            </a:lvl3pPr>
+            <a:lvl4pPr marL="1600160" indent="-228594" algn="l" defTabSz="914377" rtl="0" eaLnBrk="1" latinLnBrk="0" hangingPunct="1">
+              <a:lnSpc>
+                <a:spcPct val="90000"/>
+              </a:lnSpc>
+              <a:spcBef>
+                <a:spcPts val="0"/>
+              </a:spcBef>
+              <a:buFont typeface="Arial" panose="020B0604020202020204" pitchFamily="34" charset="0"/>
+              <a:buChar char="•"/>
+              <a:defRPr sz="1800" kern="1200">
+                <a:solidFill>
+                  <a:schemeClr val="tx1"/>
+                </a:solidFill>
+                <a:latin typeface="+mn-lt"/>
+                <a:ea typeface="+mn-ea"/>
+                <a:cs typeface="+mn-cs"/>
+              </a:defRPr>
+            </a:lvl4pPr>
+            <a:lvl5pPr marL="2057349" indent="-228594" algn="l" defTabSz="914377" rtl="0" eaLnBrk="1" latinLnBrk="0" hangingPunct="1">
+              <a:lnSpc>
+                <a:spcPct val="90000"/>
+              </a:lnSpc>
+              <a:spcBef>
+                <a:spcPts val="0"/>
+              </a:spcBef>
+              <a:buFont typeface="Arial" panose="020B0604020202020204" pitchFamily="34" charset="0"/>
+              <a:buChar char="•"/>
+              <a:defRPr sz="1800" kern="1200">
+                <a:solidFill>
+                  <a:schemeClr val="tx1"/>
+                </a:solidFill>
+                <a:latin typeface="+mn-lt"/>
+                <a:ea typeface="+mn-ea"/>
+                <a:cs typeface="+mn-cs"/>
+              </a:defRPr>
+            </a:lvl5pPr>
+            <a:lvl6pPr marL="2514537" indent="-228594" algn="l" defTabSz="914377" rtl="0" eaLnBrk="1" latinLnBrk="0" hangingPunct="1">
+              <a:lnSpc>
+                <a:spcPct val="90000"/>
+              </a:lnSpc>
+              <a:spcBef>
+                <a:spcPts val="0"/>
+              </a:spcBef>
+              <a:buFont typeface="Arial" panose="020B0604020202020204" pitchFamily="34" charset="0"/>
+              <a:buChar char="•"/>
+              <a:defRPr sz="1800" kern="1200">
+                <a:solidFill>
+                  <a:schemeClr val="tx1"/>
+                </a:solidFill>
+                <a:latin typeface="+mn-lt"/>
+                <a:ea typeface="+mn-ea"/>
+                <a:cs typeface="+mn-cs"/>
+              </a:defRPr>
+            </a:lvl6pPr>
+            <a:lvl7pPr marL="2971726" indent="-228594" algn="l" defTabSz="914377" rtl="0" eaLnBrk="1" latinLnBrk="0" hangingPunct="1">
+              <a:lnSpc>
+                <a:spcPct val="90000"/>
+              </a:lnSpc>
+              <a:spcBef>
+                <a:spcPts val="0"/>
+              </a:spcBef>
+              <a:buFont typeface="Arial" panose="020B0604020202020204" pitchFamily="34" charset="0"/>
+              <a:buChar char="•"/>
+              <a:defRPr sz="1800" kern="1200">
+                <a:solidFill>
+                  <a:schemeClr val="tx1"/>
+                </a:solidFill>
+                <a:latin typeface="+mn-lt"/>
+                <a:ea typeface="+mn-ea"/>
+                <a:cs typeface="+mn-cs"/>
+              </a:defRPr>
+            </a:lvl7pPr>
+            <a:lvl8pPr marL="3428914" indent="-228594" algn="l" defTabSz="914377" rtl="0" eaLnBrk="1" latinLnBrk="0" hangingPunct="1">
+              <a:lnSpc>
+                <a:spcPct val="90000"/>
+              </a:lnSpc>
+              <a:spcBef>
+                <a:spcPts val="0"/>
+              </a:spcBef>
+              <a:buFont typeface="Arial" panose="020B0604020202020204" pitchFamily="34" charset="0"/>
+              <a:buChar char="•"/>
+              <a:defRPr sz="1800" kern="1200">
+                <a:solidFill>
+                  <a:schemeClr val="tx1"/>
+                </a:solidFill>
+                <a:latin typeface="+mn-lt"/>
+                <a:ea typeface="+mn-ea"/>
+                <a:cs typeface="+mn-cs"/>
+              </a:defRPr>
+            </a:lvl8pPr>
+            <a:lvl9pPr marL="3886103" indent="-228594" algn="l" defTabSz="914377" rtl="0" eaLnBrk="1" latinLnBrk="0" hangingPunct="1">
+              <a:lnSpc>
+                <a:spcPct val="90000"/>
+              </a:lnSpc>
+              <a:spcBef>
+                <a:spcPts val="0"/>
+              </a:spcBef>
+              <a:buFont typeface="Arial" panose="020B0604020202020204" pitchFamily="34" charset="0"/>
+              <a:buChar char="•"/>
+              <a:defRPr sz="1800" kern="1200">
+                <a:solidFill>
+                  <a:schemeClr val="tx1"/>
+                </a:solidFill>
+                <a:latin typeface="+mn-lt"/>
+                <a:ea typeface="+mn-ea"/>
+                <a:cs typeface="+mn-cs"/>
+              </a:defRPr>
+            </a:lvl9pPr>
+          </a:lstStyle>
           <a:p>
             <a:pPr marL="514350" indent="-514350">
+              <a:buFont typeface="Arial" panose="020B0604020202020204" pitchFamily="34" charset="0"/>
               <a:buAutoNum type="arabicPeriod"/>
             </a:pPr>
             <a:r>
@@ -4809,6 +6995,7 @@
           </a:p>
           <a:p>
             <a:pPr marL="514350" indent="-514350">
+              <a:buFont typeface="Arial" panose="020B0604020202020204" pitchFamily="34" charset="0"/>
               <a:buAutoNum type="arabicPeriod"/>
             </a:pPr>
             <a:r>
@@ -4818,6 +7005,7 @@
           </a:p>
           <a:p>
             <a:pPr marL="514350" indent="-514350">
+              <a:buFont typeface="Arial" panose="020B0604020202020204" pitchFamily="34" charset="0"/>
               <a:buAutoNum type="arabicPeriod"/>
             </a:pPr>
             <a:r>
@@ -4831,13 +7019,20 @@
     </p:spTree>
     <p:extLst>
       <p:ext uri="{BB962C8B-B14F-4D97-AF65-F5344CB8AC3E}">
-        <p14:creationId xmlns:p14="http://schemas.microsoft.com/office/powerpoint/2010/main" val="1898894056"/>
+        <p14:creationId xmlns:p14="http://schemas.microsoft.com/office/powerpoint/2010/main" val="702281884"/>
       </p:ext>
     </p:extLst>
   </p:cSld>
   <p:clrMapOvr>
     <a:masterClrMapping/>
   </p:clrMapOvr>
+  <p:timing>
+    <p:tnLst>
+      <p:par>
+        <p:cTn id="1" dur="indefinite" restart="never" nodeType="tmRoot"/>
+      </p:par>
+    </p:tnLst>
+  </p:timing>
 </p:sld>
 </file>
 
@@ -5100,4 +7295,265 @@
     </a:ext>
   </a:extLst>
 </a:theme>
+</file>
+
+<file path=ppt/theme/theme2.xml><?xml version="1.0" encoding="utf-8"?>
+<a:theme xmlns:a="http://schemas.openxmlformats.org/drawingml/2006/main" name="Office Theme">
+  <a:themeElements>
+    <a:clrScheme name="Office">
+      <a:dk1>
+        <a:sysClr val="windowText" lastClr="000000"/>
+      </a:dk1>
+      <a:lt1>
+        <a:sysClr val="window" lastClr="FFFFFF"/>
+      </a:lt1>
+      <a:dk2>
+        <a:srgbClr val="44546A"/>
+      </a:dk2>
+      <a:lt2>
+        <a:srgbClr val="E7E6E6"/>
+      </a:lt2>
+      <a:accent1>
+        <a:srgbClr val="5B9BD5"/>
+      </a:accent1>
+      <a:accent2>
+        <a:srgbClr val="ED7D31"/>
+      </a:accent2>
+      <a:accent3>
+        <a:srgbClr val="A5A5A5"/>
+      </a:accent3>
+      <a:accent4>
+        <a:srgbClr val="FFC000"/>
+      </a:accent4>
+      <a:accent5>
+        <a:srgbClr val="4472C4"/>
+      </a:accent5>
+      <a:accent6>
+        <a:srgbClr val="70AD47"/>
+      </a:accent6>
+      <a:hlink>
+        <a:srgbClr val="0563C1"/>
+      </a:hlink>
+      <a:folHlink>
+        <a:srgbClr val="954F72"/>
+      </a:folHlink>
+    </a:clrScheme>
+    <a:fontScheme name="Office">
+      <a:majorFont>
+        <a:latin typeface="Calibri Light" panose="020F0302020204030204"/>
+        <a:ea typeface=""/>
+        <a:cs typeface=""/>
+        <a:font script="Jpan" typeface="ＭＳ Ｐゴシック"/>
+        <a:font script="Hang" typeface="맑은 고딕"/>
+        <a:font script="Hans" typeface="宋体"/>
+        <a:font script="Hant" typeface="新細明體"/>
+        <a:font script="Arab" typeface="Times New Roman"/>
+        <a:font script="Hebr" typeface="Times New Roman"/>
+        <a:font script="Thai" typeface="Angsana New"/>
+        <a:font script="Ethi" typeface="Nyala"/>
+        <a:font script="Beng" typeface="Vrinda"/>
+        <a:font script="Gujr" typeface="Shruti"/>
+        <a:font script="Khmr" typeface="MoolBoran"/>
+        <a:font script="Knda" typeface="Tunga"/>
+        <a:font script="Guru" typeface="Raavi"/>
+        <a:font script="Cans" typeface="Euphemia"/>
+        <a:font script="Cher" typeface="Plantagenet Cherokee"/>
+        <a:font script="Yiii" typeface="Microsoft Yi Baiti"/>
+        <a:font script="Tibt" typeface="Microsoft Himalaya"/>
+        <a:font script="Thaa" typeface="MV Boli"/>
+        <a:font script="Deva" typeface="Mangal"/>
+        <a:font script="Telu" typeface="Gautami"/>
+        <a:font script="Taml" typeface="Latha"/>
+        <a:font script="Syrc" typeface="Estrangelo Edessa"/>
+        <a:font script="Orya" typeface="Kalinga"/>
+        <a:font script="Mlym" typeface="Kartika"/>
+        <a:font script="Laoo" typeface="DokChampa"/>
+        <a:font script="Sinh" typeface="Iskoola Pota"/>
+        <a:font script="Mong" typeface="Mongolian Baiti"/>
+        <a:font script="Viet" typeface="Times New Roman"/>
+        <a:font script="Uigh" typeface="Microsoft Uighur"/>
+        <a:font script="Geor" typeface="Sylfaen"/>
+      </a:majorFont>
+      <a:minorFont>
+        <a:latin typeface="Calibri" panose="020F0502020204030204"/>
+        <a:ea typeface=""/>
+        <a:cs typeface=""/>
+        <a:font script="Jpan" typeface="ＭＳ Ｐゴシック"/>
+        <a:font script="Hang" typeface="맑은 고딕"/>
+        <a:font script="Hans" typeface="宋体"/>
+        <a:font script="Hant" typeface="新細明體"/>
+        <a:font script="Arab" typeface="Arial"/>
+        <a:font script="Hebr" typeface="Arial"/>
+        <a:font script="Thai" typeface="Cordia New"/>
+        <a:font script="Ethi" typeface="Nyala"/>
+        <a:font script="Beng" typeface="Vrinda"/>
+        <a:font script="Gujr" typeface="Shruti"/>
+        <a:font script="Khmr" typeface="DaunPenh"/>
+        <a:font script="Knda" typeface="Tunga"/>
+        <a:font script="Guru" typeface="Raavi"/>
+        <a:font script="Cans" typeface="Euphemia"/>
+        <a:font script="Cher" typeface="Plantagenet Cherokee"/>
+        <a:font script="Yiii" typeface="Microsoft Yi Baiti"/>
+        <a:font script="Tibt" typeface="Microsoft Himalaya"/>
+        <a:font script="Thaa" typeface="MV Boli"/>
+        <a:font script="Deva" typeface="Mangal"/>
+        <a:font script="Telu" typeface="Gautami"/>
+        <a:font script="Taml" typeface="Latha"/>
+        <a:font script="Syrc" typeface="Estrangelo Edessa"/>
+        <a:font script="Orya" typeface="Kalinga"/>
+        <a:font script="Mlym" typeface="Kartika"/>
+        <a:font script="Laoo" typeface="DokChampa"/>
+        <a:font script="Sinh" typeface="Iskoola Pota"/>
+        <a:font script="Mong" typeface="Mongolian Baiti"/>
+        <a:font script="Viet" typeface="Arial"/>
+        <a:font script="Uigh" typeface="Microsoft Uighur"/>
+        <a:font script="Geor" typeface="Sylfaen"/>
+      </a:minorFont>
+    </a:fontScheme>
+    <a:fmtScheme name="Office">
+      <a:fillStyleLst>
+        <a:solidFill>
+          <a:schemeClr val="phClr"/>
+        </a:solidFill>
+        <a:gradFill rotWithShape="1">
+          <a:gsLst>
+            <a:gs pos="0">
+              <a:schemeClr val="phClr">
+                <a:lumMod val="110000"/>
+                <a:satMod val="105000"/>
+                <a:tint val="67000"/>
+              </a:schemeClr>
+            </a:gs>
+            <a:gs pos="50000">
+              <a:schemeClr val="phClr">
+                <a:lumMod val="105000"/>
+                <a:satMod val="103000"/>
+                <a:tint val="73000"/>
+              </a:schemeClr>
+            </a:gs>
+            <a:gs pos="100000">
+              <a:schemeClr val="phClr">
+                <a:lumMod val="105000"/>
+                <a:satMod val="109000"/>
+                <a:tint val="81000"/>
+              </a:schemeClr>
+            </a:gs>
+          </a:gsLst>
+          <a:lin ang="5400000" scaled="0"/>
+        </a:gradFill>
+        <a:gradFill rotWithShape="1">
+          <a:gsLst>
+            <a:gs pos="0">
+              <a:schemeClr val="phClr">
+                <a:satMod val="103000"/>
+                <a:lumMod val="102000"/>
+                <a:tint val="94000"/>
+              </a:schemeClr>
+            </a:gs>
+            <a:gs pos="50000">
+              <a:schemeClr val="phClr">
+                <a:satMod val="110000"/>
+                <a:lumMod val="100000"/>
+                <a:shade val="100000"/>
+              </a:schemeClr>
+            </a:gs>
+            <a:gs pos="100000">
+              <a:schemeClr val="phClr">
+                <a:lumMod val="99000"/>
+                <a:satMod val="120000"/>
+                <a:shade val="78000"/>
+              </a:schemeClr>
+            </a:gs>
+          </a:gsLst>
+          <a:lin ang="5400000" scaled="0"/>
+        </a:gradFill>
+      </a:fillStyleLst>
+      <a:lnStyleLst>
+        <a:ln w="6350" cap="flat" cmpd="sng" algn="ctr">
+          <a:solidFill>
+            <a:schemeClr val="phClr"/>
+          </a:solidFill>
+          <a:prstDash val="solid"/>
+          <a:miter lim="800000"/>
+        </a:ln>
+        <a:ln w="12700" cap="flat" cmpd="sng" algn="ctr">
+          <a:solidFill>
+            <a:schemeClr val="phClr"/>
+          </a:solidFill>
+          <a:prstDash val="solid"/>
+          <a:miter lim="800000"/>
+        </a:ln>
+        <a:ln w="19050" cap="flat" cmpd="sng" algn="ctr">
+          <a:solidFill>
+            <a:schemeClr val="phClr"/>
+          </a:solidFill>
+          <a:prstDash val="solid"/>
+          <a:miter lim="800000"/>
+        </a:ln>
+      </a:lnStyleLst>
+      <a:effectStyleLst>
+        <a:effectStyle>
+          <a:effectLst/>
+        </a:effectStyle>
+        <a:effectStyle>
+          <a:effectLst/>
+        </a:effectStyle>
+        <a:effectStyle>
+          <a:effectLst>
+            <a:outerShdw blurRad="57150" dist="19050" dir="5400000" algn="ctr" rotWithShape="0">
+              <a:srgbClr val="000000">
+                <a:alpha val="63000"/>
+              </a:srgbClr>
+            </a:outerShdw>
+          </a:effectLst>
+        </a:effectStyle>
+      </a:effectStyleLst>
+      <a:bgFillStyleLst>
+        <a:solidFill>
+          <a:schemeClr val="phClr"/>
+        </a:solidFill>
+        <a:solidFill>
+          <a:schemeClr val="phClr">
+            <a:tint val="95000"/>
+            <a:satMod val="170000"/>
+          </a:schemeClr>
+        </a:solidFill>
+        <a:gradFill rotWithShape="1">
+          <a:gsLst>
+            <a:gs pos="0">
+              <a:schemeClr val="phClr">
+                <a:tint val="93000"/>
+                <a:satMod val="150000"/>
+                <a:shade val="98000"/>
+                <a:lumMod val="102000"/>
+              </a:schemeClr>
+            </a:gs>
+            <a:gs pos="50000">
+              <a:schemeClr val="phClr">
+                <a:tint val="98000"/>
+                <a:satMod val="130000"/>
+                <a:shade val="90000"/>
+                <a:lumMod val="103000"/>
+              </a:schemeClr>
+            </a:gs>
+            <a:gs pos="100000">
+              <a:schemeClr val="phClr">
+                <a:shade val="63000"/>
+                <a:satMod val="120000"/>
+              </a:schemeClr>
+            </a:gs>
+          </a:gsLst>
+          <a:lin ang="5400000" scaled="0"/>
+        </a:gradFill>
+      </a:bgFillStyleLst>
+    </a:fmtScheme>
+  </a:themeElements>
+  <a:objectDefaults/>
+  <a:extraClrSchemeLst/>
+  <a:extLst>
+    <a:ext uri="{05A4C25C-085E-4340-85A3-A5531E510DB2}">
+      <thm15:themeFamily xmlns:thm15="http://schemas.microsoft.com/office/thememl/2012/main" name="Office Theme" id="{62F939B6-93AF-4DB8-9C6B-D6C7DFDC589F}" vid="{4A3C46E8-61CC-4603-A589-7422A47A8E4A}"/>
+    </a:ext>
+  </a:extLst>
+</a:theme>
 </file>
--- a/Document/presentation/nam/voice notify.pptx
+++ b/Document/presentation/nam/voice notify.pptx
@@ -5,17 +5,22 @@
     <p:sldMasterId id="2147483660" r:id="rId1"/>
   </p:sldMasterIdLst>
   <p:notesMasterIdLst>
-    <p:notesMasterId r:id="rId10"/>
+    <p:notesMasterId r:id="rId15"/>
   </p:notesMasterIdLst>
   <p:sldIdLst>
     <p:sldId id="328" r:id="rId2"/>
     <p:sldId id="329" r:id="rId3"/>
     <p:sldId id="330" r:id="rId4"/>
-    <p:sldId id="331" r:id="rId5"/>
-    <p:sldId id="332" r:id="rId6"/>
-    <p:sldId id="333" r:id="rId7"/>
-    <p:sldId id="334" r:id="rId8"/>
-    <p:sldId id="335" r:id="rId9"/>
+    <p:sldId id="341" r:id="rId5"/>
+    <p:sldId id="336" r:id="rId6"/>
+    <p:sldId id="337" r:id="rId7"/>
+    <p:sldId id="339" r:id="rId8"/>
+    <p:sldId id="340" r:id="rId9"/>
+    <p:sldId id="342" r:id="rId10"/>
+    <p:sldId id="343" r:id="rId11"/>
+    <p:sldId id="344" r:id="rId12"/>
+    <p:sldId id="345" r:id="rId13"/>
+    <p:sldId id="335" r:id="rId14"/>
   </p:sldIdLst>
   <p:sldSz cx="9144000" cy="6858000" type="screen4x3"/>
   <p:notesSz cx="6858000" cy="9144000"/>
@@ -204,7 +209,7 @@
           <a:p>
             <a:fld id="{7A8151B2-7AEE-B245-86B8-7AA2B9F69044}" type="datetimeFigureOut">
               <a:rPr lang="en-US" smtClean="0"/>
-              <a:t>12/11/15</a:t>
+              <a:t>12/12/2015</a:t>
             </a:fld>
             <a:endParaRPr lang="en-US"/>
           </a:p>
@@ -789,343 +794,7 @@
           <a:p>
             <a:fld id="{2599C3E7-3278-1243-886F-92FF82204DB1}" type="slidenum">
               <a:rPr lang="en-US" smtClean="0"/>
-              <a:t>4</a:t>
-            </a:fld>
-            <a:endParaRPr lang="en-US"/>
-          </a:p>
-        </p:txBody>
-      </p:sp>
-    </p:spTree>
-    <p:extLst>
-      <p:ext uri="{BB962C8B-B14F-4D97-AF65-F5344CB8AC3E}">
-        <p14:creationId xmlns:p14="http://schemas.microsoft.com/office/powerpoint/2010/main" val="2016176967"/>
-      </p:ext>
-    </p:extLst>
-  </p:cSld>
-  <p:clrMapOvr>
-    <a:masterClrMapping/>
-  </p:clrMapOvr>
-</p:notes>
-</file>
-
-<file path=ppt/notesSlides/notesSlide5.xml><?xml version="1.0" encoding="utf-8"?>
-<p:notes xmlns:a="http://schemas.openxmlformats.org/drawingml/2006/main" xmlns:r="http://schemas.openxmlformats.org/officeDocument/2006/relationships" xmlns:p="http://schemas.openxmlformats.org/presentationml/2006/main">
-  <p:cSld>
-    <p:spTree>
-      <p:nvGrpSpPr>
-        <p:cNvPr id="1" name=""/>
-        <p:cNvGrpSpPr/>
-        <p:nvPr/>
-      </p:nvGrpSpPr>
-      <p:grpSpPr>
-        <a:xfrm>
-          <a:off x="0" y="0"/>
-          <a:ext cx="0" cy="0"/>
-          <a:chOff x="0" y="0"/>
-          <a:chExt cx="0" cy="0"/>
-        </a:xfrm>
-      </p:grpSpPr>
-      <p:sp>
-        <p:nvSpPr>
-          <p:cNvPr id="2" name="Slide Image Placeholder 1"/>
-          <p:cNvSpPr>
-            <a:spLocks noGrp="1" noRot="1" noChangeAspect="1"/>
-          </p:cNvSpPr>
-          <p:nvPr>
-            <p:ph type="sldImg"/>
-          </p:nvPr>
-        </p:nvSpPr>
-        <p:spPr/>
-      </p:sp>
-      <p:sp>
-        <p:nvSpPr>
-          <p:cNvPr id="3" name="Notes Placeholder 2"/>
-          <p:cNvSpPr>
-            <a:spLocks noGrp="1"/>
-          </p:cNvSpPr>
-          <p:nvPr>
-            <p:ph type="body" idx="1"/>
-          </p:nvPr>
-        </p:nvSpPr>
-        <p:spPr/>
-        <p:txBody>
-          <a:bodyPr/>
-          <a:lstStyle/>
-          <a:p>
-            <a:endParaRPr lang="en-US" dirty="0"/>
-          </a:p>
-        </p:txBody>
-      </p:sp>
-      <p:sp>
-        <p:nvSpPr>
-          <p:cNvPr id="4" name="Slide Number Placeholder 3"/>
-          <p:cNvSpPr>
-            <a:spLocks noGrp="1"/>
-          </p:cNvSpPr>
-          <p:nvPr>
-            <p:ph type="sldNum" sz="quarter" idx="10"/>
-          </p:nvPr>
-        </p:nvSpPr>
-        <p:spPr/>
-        <p:txBody>
-          <a:bodyPr/>
-          <a:lstStyle/>
-          <a:p>
-            <a:fld id="{2599C3E7-3278-1243-886F-92FF82204DB1}" type="slidenum">
-              <a:rPr lang="en-US" smtClean="0"/>
-              <a:t>5</a:t>
-            </a:fld>
-            <a:endParaRPr lang="en-US"/>
-          </a:p>
-        </p:txBody>
-      </p:sp>
-    </p:spTree>
-    <p:extLst>
-      <p:ext uri="{BB962C8B-B14F-4D97-AF65-F5344CB8AC3E}">
-        <p14:creationId xmlns:p14="http://schemas.microsoft.com/office/powerpoint/2010/main" val="1387515280"/>
-      </p:ext>
-    </p:extLst>
-  </p:cSld>
-  <p:clrMapOvr>
-    <a:masterClrMapping/>
-  </p:clrMapOvr>
-</p:notes>
-</file>
-
-<file path=ppt/notesSlides/notesSlide6.xml><?xml version="1.0" encoding="utf-8"?>
-<p:notes xmlns:a="http://schemas.openxmlformats.org/drawingml/2006/main" xmlns:r="http://schemas.openxmlformats.org/officeDocument/2006/relationships" xmlns:p="http://schemas.openxmlformats.org/presentationml/2006/main">
-  <p:cSld>
-    <p:spTree>
-      <p:nvGrpSpPr>
-        <p:cNvPr id="1" name=""/>
-        <p:cNvGrpSpPr/>
-        <p:nvPr/>
-      </p:nvGrpSpPr>
-      <p:grpSpPr>
-        <a:xfrm>
-          <a:off x="0" y="0"/>
-          <a:ext cx="0" cy="0"/>
-          <a:chOff x="0" y="0"/>
-          <a:chExt cx="0" cy="0"/>
-        </a:xfrm>
-      </p:grpSpPr>
-      <p:sp>
-        <p:nvSpPr>
-          <p:cNvPr id="2" name="Slide Image Placeholder 1"/>
-          <p:cNvSpPr>
-            <a:spLocks noGrp="1" noRot="1" noChangeAspect="1"/>
-          </p:cNvSpPr>
-          <p:nvPr>
-            <p:ph type="sldImg"/>
-          </p:nvPr>
-        </p:nvSpPr>
-        <p:spPr/>
-      </p:sp>
-      <p:sp>
-        <p:nvSpPr>
-          <p:cNvPr id="3" name="Notes Placeholder 2"/>
-          <p:cNvSpPr>
-            <a:spLocks noGrp="1"/>
-          </p:cNvSpPr>
-          <p:nvPr>
-            <p:ph type="body" idx="1"/>
-          </p:nvPr>
-        </p:nvSpPr>
-        <p:spPr/>
-        <p:txBody>
-          <a:bodyPr/>
-          <a:lstStyle/>
-          <a:p>
-            <a:endParaRPr lang="en-US" dirty="0"/>
-          </a:p>
-        </p:txBody>
-      </p:sp>
-      <p:sp>
-        <p:nvSpPr>
-          <p:cNvPr id="4" name="Slide Number Placeholder 3"/>
-          <p:cNvSpPr>
-            <a:spLocks noGrp="1"/>
-          </p:cNvSpPr>
-          <p:nvPr>
-            <p:ph type="sldNum" sz="quarter" idx="10"/>
-          </p:nvPr>
-        </p:nvSpPr>
-        <p:spPr/>
-        <p:txBody>
-          <a:bodyPr/>
-          <a:lstStyle/>
-          <a:p>
-            <a:fld id="{2599C3E7-3278-1243-886F-92FF82204DB1}" type="slidenum">
-              <a:rPr lang="en-US" smtClean="0"/>
-              <a:t>6</a:t>
-            </a:fld>
-            <a:endParaRPr lang="en-US"/>
-          </a:p>
-        </p:txBody>
-      </p:sp>
-    </p:spTree>
-    <p:extLst>
-      <p:ext uri="{BB962C8B-B14F-4D97-AF65-F5344CB8AC3E}">
-        <p14:creationId xmlns:p14="http://schemas.microsoft.com/office/powerpoint/2010/main" val="1989540856"/>
-      </p:ext>
-    </p:extLst>
-  </p:cSld>
-  <p:clrMapOvr>
-    <a:masterClrMapping/>
-  </p:clrMapOvr>
-</p:notes>
-</file>
-
-<file path=ppt/notesSlides/notesSlide7.xml><?xml version="1.0" encoding="utf-8"?>
-<p:notes xmlns:a="http://schemas.openxmlformats.org/drawingml/2006/main" xmlns:r="http://schemas.openxmlformats.org/officeDocument/2006/relationships" xmlns:p="http://schemas.openxmlformats.org/presentationml/2006/main">
-  <p:cSld>
-    <p:spTree>
-      <p:nvGrpSpPr>
-        <p:cNvPr id="1" name=""/>
-        <p:cNvGrpSpPr/>
-        <p:nvPr/>
-      </p:nvGrpSpPr>
-      <p:grpSpPr>
-        <a:xfrm>
-          <a:off x="0" y="0"/>
-          <a:ext cx="0" cy="0"/>
-          <a:chOff x="0" y="0"/>
-          <a:chExt cx="0" cy="0"/>
-        </a:xfrm>
-      </p:grpSpPr>
-      <p:sp>
-        <p:nvSpPr>
-          <p:cNvPr id="2" name="Slide Image Placeholder 1"/>
-          <p:cNvSpPr>
-            <a:spLocks noGrp="1" noRot="1" noChangeAspect="1"/>
-          </p:cNvSpPr>
-          <p:nvPr>
-            <p:ph type="sldImg"/>
-          </p:nvPr>
-        </p:nvSpPr>
-        <p:spPr/>
-      </p:sp>
-      <p:sp>
-        <p:nvSpPr>
-          <p:cNvPr id="3" name="Notes Placeholder 2"/>
-          <p:cNvSpPr>
-            <a:spLocks noGrp="1"/>
-          </p:cNvSpPr>
-          <p:nvPr>
-            <p:ph type="body" idx="1"/>
-          </p:nvPr>
-        </p:nvSpPr>
-        <p:spPr/>
-        <p:txBody>
-          <a:bodyPr/>
-          <a:lstStyle/>
-          <a:p>
-            <a:endParaRPr lang="en-US" dirty="0"/>
-          </a:p>
-        </p:txBody>
-      </p:sp>
-      <p:sp>
-        <p:nvSpPr>
-          <p:cNvPr id="4" name="Slide Number Placeholder 3"/>
-          <p:cNvSpPr>
-            <a:spLocks noGrp="1"/>
-          </p:cNvSpPr>
-          <p:nvPr>
-            <p:ph type="sldNum" sz="quarter" idx="10"/>
-          </p:nvPr>
-        </p:nvSpPr>
-        <p:spPr/>
-        <p:txBody>
-          <a:bodyPr/>
-          <a:lstStyle/>
-          <a:p>
-            <a:fld id="{2599C3E7-3278-1243-886F-92FF82204DB1}" type="slidenum">
-              <a:rPr lang="en-US" smtClean="0"/>
-              <a:t>7</a:t>
-            </a:fld>
-            <a:endParaRPr lang="en-US"/>
-          </a:p>
-        </p:txBody>
-      </p:sp>
-    </p:spTree>
-    <p:extLst>
-      <p:ext uri="{BB962C8B-B14F-4D97-AF65-F5344CB8AC3E}">
-        <p14:creationId xmlns:p14="http://schemas.microsoft.com/office/powerpoint/2010/main" val="153340696"/>
-      </p:ext>
-    </p:extLst>
-  </p:cSld>
-  <p:clrMapOvr>
-    <a:masterClrMapping/>
-  </p:clrMapOvr>
-</p:notes>
-</file>
-
-<file path=ppt/notesSlides/notesSlide8.xml><?xml version="1.0" encoding="utf-8"?>
-<p:notes xmlns:a="http://schemas.openxmlformats.org/drawingml/2006/main" xmlns:r="http://schemas.openxmlformats.org/officeDocument/2006/relationships" xmlns:p="http://schemas.openxmlformats.org/presentationml/2006/main">
-  <p:cSld>
-    <p:spTree>
-      <p:nvGrpSpPr>
-        <p:cNvPr id="1" name=""/>
-        <p:cNvGrpSpPr/>
-        <p:nvPr/>
-      </p:nvGrpSpPr>
-      <p:grpSpPr>
-        <a:xfrm>
-          <a:off x="0" y="0"/>
-          <a:ext cx="0" cy="0"/>
-          <a:chOff x="0" y="0"/>
-          <a:chExt cx="0" cy="0"/>
-        </a:xfrm>
-      </p:grpSpPr>
-      <p:sp>
-        <p:nvSpPr>
-          <p:cNvPr id="2" name="Slide Image Placeholder 1"/>
-          <p:cNvSpPr>
-            <a:spLocks noGrp="1" noRot="1" noChangeAspect="1"/>
-          </p:cNvSpPr>
-          <p:nvPr>
-            <p:ph type="sldImg"/>
-          </p:nvPr>
-        </p:nvSpPr>
-        <p:spPr/>
-      </p:sp>
-      <p:sp>
-        <p:nvSpPr>
-          <p:cNvPr id="3" name="Notes Placeholder 2"/>
-          <p:cNvSpPr>
-            <a:spLocks noGrp="1"/>
-          </p:cNvSpPr>
-          <p:nvPr>
-            <p:ph type="body" idx="1"/>
-          </p:nvPr>
-        </p:nvSpPr>
-        <p:spPr/>
-        <p:txBody>
-          <a:bodyPr/>
-          <a:lstStyle/>
-          <a:p>
-            <a:endParaRPr lang="en-US" dirty="0"/>
-          </a:p>
-        </p:txBody>
-      </p:sp>
-      <p:sp>
-        <p:nvSpPr>
-          <p:cNvPr id="4" name="Slide Number Placeholder 3"/>
-          <p:cNvSpPr>
-            <a:spLocks noGrp="1"/>
-          </p:cNvSpPr>
-          <p:nvPr>
-            <p:ph type="sldNum" sz="quarter" idx="10"/>
-          </p:nvPr>
-        </p:nvSpPr>
-        <p:spPr/>
-        <p:txBody>
-          <a:bodyPr/>
-          <a:lstStyle/>
-          <a:p>
-            <a:fld id="{2599C3E7-3278-1243-886F-92FF82204DB1}" type="slidenum">
-              <a:rPr lang="en-US" smtClean="0"/>
-              <a:t>8</a:t>
+              <a:t>13</a:t>
             </a:fld>
             <a:endParaRPr lang="en-US"/>
           </a:p>
@@ -1275,7 +944,7 @@
           <a:p>
             <a:fld id="{94B1E4EC-92D8-4A33-94B0-5CDDBDDA3BE9}" type="datetimeFigureOut">
               <a:rPr lang="en-US" smtClean="0"/>
-              <a:t>12/11/15</a:t>
+              <a:t>12/12/2015</a:t>
             </a:fld>
             <a:endParaRPr lang="en-US"/>
           </a:p>
@@ -1445,7 +1114,7 @@
           <a:p>
             <a:fld id="{94B1E4EC-92D8-4A33-94B0-5CDDBDDA3BE9}" type="datetimeFigureOut">
               <a:rPr lang="en-US" smtClean="0"/>
-              <a:t>12/11/15</a:t>
+              <a:t>12/12/2015</a:t>
             </a:fld>
             <a:endParaRPr lang="en-US"/>
           </a:p>
@@ -1625,7 +1294,7 @@
           <a:p>
             <a:fld id="{94B1E4EC-92D8-4A33-94B0-5CDDBDDA3BE9}" type="datetimeFigureOut">
               <a:rPr lang="en-US" smtClean="0"/>
-              <a:t>12/11/15</a:t>
+              <a:t>12/12/2015</a:t>
             </a:fld>
             <a:endParaRPr lang="en-US"/>
           </a:p>
@@ -2090,7 +1759,7 @@
           <a:p>
             <a:fld id="{94B1E4EC-92D8-4A33-94B0-5CDDBDDA3BE9}" type="datetimeFigureOut">
               <a:rPr lang="en-US" smtClean="0"/>
-              <a:t>12/11/15</a:t>
+              <a:t>12/12/2015</a:t>
             </a:fld>
             <a:endParaRPr lang="en-US"/>
           </a:p>
@@ -2334,7 +2003,7 @@
           <a:p>
             <a:fld id="{94B1E4EC-92D8-4A33-94B0-5CDDBDDA3BE9}" type="datetimeFigureOut">
               <a:rPr lang="en-US" smtClean="0"/>
-              <a:t>12/11/15</a:t>
+              <a:t>12/12/2015</a:t>
             </a:fld>
             <a:endParaRPr lang="en-US"/>
           </a:p>
@@ -2566,7 +2235,7 @@
           <a:p>
             <a:fld id="{94B1E4EC-92D8-4A33-94B0-5CDDBDDA3BE9}" type="datetimeFigureOut">
               <a:rPr lang="en-US" smtClean="0"/>
-              <a:t>12/11/15</a:t>
+              <a:t>12/12/2015</a:t>
             </a:fld>
             <a:endParaRPr lang="en-US"/>
           </a:p>
@@ -2933,7 +2602,7 @@
           <a:p>
             <a:fld id="{94B1E4EC-92D8-4A33-94B0-5CDDBDDA3BE9}" type="datetimeFigureOut">
               <a:rPr lang="en-US" smtClean="0"/>
-              <a:t>12/11/15</a:t>
+              <a:t>12/12/2015</a:t>
             </a:fld>
             <a:endParaRPr lang="en-US"/>
           </a:p>
@@ -3051,7 +2720,7 @@
           <a:p>
             <a:fld id="{94B1E4EC-92D8-4A33-94B0-5CDDBDDA3BE9}" type="datetimeFigureOut">
               <a:rPr lang="en-US" smtClean="0"/>
-              <a:t>12/11/15</a:t>
+              <a:t>12/12/2015</a:t>
             </a:fld>
             <a:endParaRPr lang="en-US"/>
           </a:p>
@@ -3146,7 +2815,7 @@
           <a:p>
             <a:fld id="{94B1E4EC-92D8-4A33-94B0-5CDDBDDA3BE9}" type="datetimeFigureOut">
               <a:rPr lang="en-US" smtClean="0"/>
-              <a:t>12/11/15</a:t>
+              <a:t>12/12/2015</a:t>
             </a:fld>
             <a:endParaRPr lang="en-US"/>
           </a:p>
@@ -3423,7 +3092,7 @@
           <a:p>
             <a:fld id="{94B1E4EC-92D8-4A33-94B0-5CDDBDDA3BE9}" type="datetimeFigureOut">
               <a:rPr lang="en-US" smtClean="0"/>
-              <a:t>12/11/15</a:t>
+              <a:t>12/12/2015</a:t>
             </a:fld>
             <a:endParaRPr lang="en-US"/>
           </a:p>
@@ -3680,7 +3349,7 @@
           <a:p>
             <a:fld id="{94B1E4EC-92D8-4A33-94B0-5CDDBDDA3BE9}" type="datetimeFigureOut">
               <a:rPr lang="en-US" smtClean="0"/>
-              <a:t>12/11/15</a:t>
+              <a:t>12/12/2015</a:t>
             </a:fld>
             <a:endParaRPr lang="en-US"/>
           </a:p>
@@ -3893,7 +3562,7 @@
           <a:p>
             <a:fld id="{94B1E4EC-92D8-4A33-94B0-5CDDBDDA3BE9}" type="datetimeFigureOut">
               <a:rPr lang="en-US" smtClean="0"/>
-              <a:t>12/11/15</a:t>
+              <a:t>12/12/2015</a:t>
             </a:fld>
             <a:endParaRPr lang="en-US"/>
           </a:p>
@@ -4621,17 +4290,10 @@
   <p:clrMapOvr>
     <a:masterClrMapping/>
   </p:clrMapOvr>
-  <p:timing>
-    <p:tnLst>
-      <p:par>
-        <p:cTn id="1" dur="indefinite" restart="never" nodeType="tmRoot"/>
-      </p:par>
-    </p:tnLst>
-  </p:timing>
 </p:sld>
 </file>
 
-<file path=ppt/slides/slide2.xml><?xml version="1.0" encoding="utf-8"?>
+<file path=ppt/slides/slide10.xml><?xml version="1.0" encoding="utf-8"?>
 <p:sld xmlns:a="http://schemas.openxmlformats.org/drawingml/2006/main" xmlns:r="http://schemas.openxmlformats.org/officeDocument/2006/relationships" xmlns:p="http://schemas.openxmlformats.org/presentationml/2006/main">
   <p:cSld>
     <p:spTree>
@@ -4648,9 +4310,50 @@
           <a:chExt cx="0" cy="0"/>
         </a:xfrm>
       </p:grpSpPr>
-      <p:sp>
-        <p:nvSpPr>
-          <p:cNvPr id="6" name="Title 5"/>
+      <p:pic>
+        <p:nvPicPr>
+          <p:cNvPr id="4" name="Picture 2" descr="http://www.planet3films.com/wp-content/uploads/2012/01/download-button.png"/>
+          <p:cNvPicPr>
+            <a:picLocks noChangeAspect="1" noChangeArrowheads="1"/>
+          </p:cNvPicPr>
+          <p:nvPr/>
+        </p:nvPicPr>
+        <p:blipFill>
+          <a:blip r:embed="rId2" cstate="print">
+            <a:extLst>
+              <a:ext uri="{28A0092B-C50C-407E-A947-70E740481C1C}">
+                <a14:useLocalDpi xmlns:a14="http://schemas.microsoft.com/office/drawing/2010/main" val="0"/>
+              </a:ext>
+            </a:extLst>
+          </a:blip>
+          <a:srcRect/>
+          <a:stretch>
+            <a:fillRect/>
+          </a:stretch>
+        </p:blipFill>
+        <p:spPr bwMode="auto">
+          <a:xfrm>
+            <a:off x="457200" y="1976542"/>
+            <a:ext cx="969840" cy="927167"/>
+          </a:xfrm>
+          <a:prstGeom prst="rect">
+            <a:avLst/>
+          </a:prstGeom>
+          <a:noFill/>
+          <a:extLst>
+            <a:ext uri="{909E8E84-426E-40DD-AFC4-6F175D3DCCD1}">
+              <a14:hiddenFill xmlns:a14="http://schemas.microsoft.com/office/drawing/2010/main">
+                <a:solidFill>
+                  <a:srgbClr val="FFFFFF"/>
+                </a:solidFill>
+              </a14:hiddenFill>
+            </a:ext>
+          </a:extLst>
+        </p:spPr>
+      </p:pic>
+      <p:sp>
+        <p:nvSpPr>
+          <p:cNvPr id="5" name="Title 5"/>
           <p:cNvSpPr>
             <a:spLocks noGrp="1"/>
           </p:cNvSpPr>
@@ -4658,7 +4361,12 @@
             <p:ph type="title"/>
           </p:nvPr>
         </p:nvSpPr>
-        <p:spPr/>
+        <p:spPr>
+          <a:xfrm>
+            <a:off x="457200" y="274637"/>
+            <a:ext cx="8229600" cy="1143000"/>
+          </a:xfrm>
+        </p:spPr>
         <p:txBody>
           <a:bodyPr>
             <a:normAutofit/>
@@ -4675,7 +4383,7 @@
                 <a:cs typeface="Cambria"/>
                 <a:sym typeface="Cambria"/>
               </a:rPr>
-              <a:t>Solution</a:t>
+              <a:t>Architecture</a:t>
             </a:r>
             <a:endParaRPr lang="en-US" sz="5400" dirty="0">
               <a:solidFill>
@@ -4689,6 +4397,1769 @@
           </a:p>
         </p:txBody>
       </p:sp>
+      <p:pic>
+        <p:nvPicPr>
+          <p:cNvPr id="2050" name="Picture 2" descr="http://www.otofun.net/data/avatars/l/377/377693.jpg?1439537488"/>
+          <p:cNvPicPr>
+            <a:picLocks noChangeAspect="1" noChangeArrowheads="1"/>
+          </p:cNvPicPr>
+          <p:nvPr/>
+        </p:nvPicPr>
+        <p:blipFill>
+          <a:blip r:embed="rId3">
+            <a:extLst>
+              <a:ext uri="{28A0092B-C50C-407E-A947-70E740481C1C}">
+                <a14:useLocalDpi xmlns:a14="http://schemas.microsoft.com/office/drawing/2010/main" val="0"/>
+              </a:ext>
+            </a:extLst>
+          </a:blip>
+          <a:srcRect/>
+          <a:stretch>
+            <a:fillRect/>
+          </a:stretch>
+        </p:blipFill>
+        <p:spPr bwMode="auto">
+          <a:xfrm>
+            <a:off x="6739255" y="1678124"/>
+            <a:ext cx="1524000" cy="1524001"/>
+          </a:xfrm>
+          <a:prstGeom prst="rect">
+            <a:avLst/>
+          </a:prstGeom>
+          <a:noFill/>
+          <a:extLst>
+            <a:ext uri="{909E8E84-426E-40DD-AFC4-6F175D3DCCD1}">
+              <a14:hiddenFill xmlns:a14="http://schemas.microsoft.com/office/drawing/2010/main">
+                <a:solidFill>
+                  <a:srgbClr val="FFFFFF"/>
+                </a:solidFill>
+              </a14:hiddenFill>
+            </a:ext>
+          </a:extLst>
+        </p:spPr>
+      </p:pic>
+      <p:pic>
+        <p:nvPicPr>
+          <p:cNvPr id="2" name="Picture 1"/>
+          <p:cNvPicPr>
+            <a:picLocks noChangeAspect="1"/>
+          </p:cNvPicPr>
+          <p:nvPr/>
+        </p:nvPicPr>
+        <p:blipFill>
+          <a:blip r:embed="rId4"/>
+          <a:stretch>
+            <a:fillRect/>
+          </a:stretch>
+        </p:blipFill>
+        <p:spPr>
+          <a:xfrm>
+            <a:off x="6557528" y="4332849"/>
+            <a:ext cx="1887454" cy="1482095"/>
+          </a:xfrm>
+          <a:prstGeom prst="rect">
+            <a:avLst/>
+          </a:prstGeom>
+        </p:spPr>
+      </p:pic>
+      <p:cxnSp>
+        <p:nvCxnSpPr>
+          <p:cNvPr id="9" name="Straight Arrow Connector 8"/>
+          <p:cNvCxnSpPr/>
+          <p:nvPr/>
+        </p:nvCxnSpPr>
+        <p:spPr>
+          <a:xfrm flipV="1">
+            <a:off x="1427040" y="2419643"/>
+            <a:ext cx="2097234" cy="20483"/>
+          </a:xfrm>
+          <a:prstGeom prst="straightConnector1">
+            <a:avLst/>
+          </a:prstGeom>
+          <a:ln>
+            <a:tailEnd type="triangle"/>
+          </a:ln>
+        </p:spPr>
+        <p:style>
+          <a:lnRef idx="1">
+            <a:schemeClr val="accent1"/>
+          </a:lnRef>
+          <a:fillRef idx="0">
+            <a:schemeClr val="accent1"/>
+          </a:fillRef>
+          <a:effectRef idx="0">
+            <a:schemeClr val="accent1"/>
+          </a:effectRef>
+          <a:fontRef idx="minor">
+            <a:schemeClr val="tx1"/>
+          </a:fontRef>
+        </p:style>
+      </p:cxnSp>
+      <p:cxnSp>
+        <p:nvCxnSpPr>
+          <p:cNvPr id="10" name="Straight Arrow Connector 9"/>
+          <p:cNvCxnSpPr/>
+          <p:nvPr/>
+        </p:nvCxnSpPr>
+        <p:spPr>
+          <a:xfrm>
+            <a:off x="5180080" y="2440124"/>
+            <a:ext cx="1559175" cy="1"/>
+          </a:xfrm>
+          <a:prstGeom prst="straightConnector1">
+            <a:avLst/>
+          </a:prstGeom>
+          <a:ln>
+            <a:tailEnd type="triangle"/>
+          </a:ln>
+        </p:spPr>
+        <p:style>
+          <a:lnRef idx="1">
+            <a:schemeClr val="accent1"/>
+          </a:lnRef>
+          <a:fillRef idx="0">
+            <a:schemeClr val="accent1"/>
+          </a:fillRef>
+          <a:effectRef idx="0">
+            <a:schemeClr val="accent1"/>
+          </a:effectRef>
+          <a:fontRef idx="minor">
+            <a:schemeClr val="tx1"/>
+          </a:fontRef>
+        </p:style>
+      </p:cxnSp>
+      <p:cxnSp>
+        <p:nvCxnSpPr>
+          <p:cNvPr id="8" name="Straight Arrow Connector 7"/>
+          <p:cNvCxnSpPr>
+            <a:stCxn id="2050" idx="2"/>
+            <a:endCxn id="2" idx="0"/>
+          </p:cNvCxnSpPr>
+          <p:nvPr/>
+        </p:nvCxnSpPr>
+        <p:spPr>
+          <a:xfrm>
+            <a:off x="7501255" y="3202125"/>
+            <a:ext cx="0" cy="1130724"/>
+          </a:xfrm>
+          <a:prstGeom prst="straightConnector1">
+            <a:avLst/>
+          </a:prstGeom>
+          <a:ln>
+            <a:tailEnd type="triangle"/>
+          </a:ln>
+        </p:spPr>
+        <p:style>
+          <a:lnRef idx="1">
+            <a:schemeClr val="accent1"/>
+          </a:lnRef>
+          <a:fillRef idx="0">
+            <a:schemeClr val="accent1"/>
+          </a:fillRef>
+          <a:effectRef idx="0">
+            <a:schemeClr val="accent1"/>
+          </a:effectRef>
+          <a:fontRef idx="minor">
+            <a:schemeClr val="tx1"/>
+          </a:fontRef>
+        </p:style>
+      </p:cxnSp>
+      <p:sp>
+        <p:nvSpPr>
+          <p:cNvPr id="14" name="TextBox 13"/>
+          <p:cNvSpPr txBox="1"/>
+          <p:nvPr/>
+        </p:nvSpPr>
+        <p:spPr>
+          <a:xfrm>
+            <a:off x="6802721" y="5794171"/>
+            <a:ext cx="1397067" cy="646331"/>
+          </a:xfrm>
+          <a:prstGeom prst="rect">
+            <a:avLst/>
+          </a:prstGeom>
+          <a:noFill/>
+        </p:spPr>
+        <p:txBody>
+          <a:bodyPr wrap="square" rtlCol="0">
+            <a:spAutoFit/>
+          </a:bodyPr>
+          <a:lstStyle/>
+          <a:p>
+            <a:pPr algn="ctr"/>
+            <a:r>
+              <a:rPr lang="en-US" dirty="0" smtClean="0"/>
+              <a:t>Return list of audio files</a:t>
+            </a:r>
+            <a:endParaRPr lang="en-US" dirty="0"/>
+          </a:p>
+        </p:txBody>
+      </p:sp>
+      <p:sp>
+        <p:nvSpPr>
+          <p:cNvPr id="11" name="Rectangle 10"/>
+          <p:cNvSpPr/>
+          <p:nvPr/>
+        </p:nvSpPr>
+        <p:spPr>
+          <a:xfrm>
+            <a:off x="3524274" y="1612221"/>
+            <a:ext cx="1655806" cy="1655806"/>
+          </a:xfrm>
+          <a:prstGeom prst="rect">
+            <a:avLst/>
+          </a:prstGeom>
+          <a:noFill/>
+          <a:ln>
+            <a:solidFill>
+              <a:schemeClr val="tx1"/>
+            </a:solidFill>
+          </a:ln>
+        </p:spPr>
+        <p:style>
+          <a:lnRef idx="2">
+            <a:schemeClr val="accent1">
+              <a:shade val="50000"/>
+            </a:schemeClr>
+          </a:lnRef>
+          <a:fillRef idx="1">
+            <a:schemeClr val="accent1"/>
+          </a:fillRef>
+          <a:effectRef idx="0">
+            <a:schemeClr val="accent1"/>
+          </a:effectRef>
+          <a:fontRef idx="minor">
+            <a:schemeClr val="lt1"/>
+          </a:fontRef>
+        </p:style>
+        <p:txBody>
+          <a:bodyPr rtlCol="0" anchor="ctr"/>
+          <a:lstStyle/>
+          <a:p>
+            <a:pPr algn="ctr"/>
+            <a:r>
+              <a:rPr lang="en-US" sz="2000" dirty="0" smtClean="0">
+                <a:solidFill>
+                  <a:schemeClr val="tx1"/>
+                </a:solidFill>
+              </a:rPr>
+              <a:t>Create list of stings from list of step</a:t>
+            </a:r>
+            <a:endParaRPr lang="en-US" sz="2000" dirty="0">
+              <a:solidFill>
+                <a:schemeClr val="tx1"/>
+              </a:solidFill>
+            </a:endParaRPr>
+          </a:p>
+        </p:txBody>
+      </p:sp>
+      <p:sp>
+        <p:nvSpPr>
+          <p:cNvPr id="12" name="TextBox 11"/>
+          <p:cNvSpPr txBox="1"/>
+          <p:nvPr/>
+        </p:nvSpPr>
+        <p:spPr>
+          <a:xfrm>
+            <a:off x="1412956" y="2074364"/>
+            <a:ext cx="2008114" cy="400110"/>
+          </a:xfrm>
+          <a:prstGeom prst="rect">
+            <a:avLst/>
+          </a:prstGeom>
+          <a:noFill/>
+        </p:spPr>
+        <p:txBody>
+          <a:bodyPr wrap="none" rtlCol="0">
+            <a:spAutoFit/>
+          </a:bodyPr>
+          <a:lstStyle/>
+          <a:p>
+            <a:r>
+              <a:rPr lang="en-US" sz="2000" dirty="0" smtClean="0"/>
+              <a:t>Download button</a:t>
+            </a:r>
+            <a:endParaRPr lang="en-US" sz="2000" dirty="0"/>
+          </a:p>
+        </p:txBody>
+      </p:sp>
+      <p:sp>
+        <p:nvSpPr>
+          <p:cNvPr id="13" name="TextBox 12"/>
+          <p:cNvSpPr txBox="1"/>
+          <p:nvPr/>
+        </p:nvSpPr>
+        <p:spPr>
+          <a:xfrm>
+            <a:off x="5163129" y="2029774"/>
+            <a:ext cx="1555362" cy="400110"/>
+          </a:xfrm>
+          <a:prstGeom prst="rect">
+            <a:avLst/>
+          </a:prstGeom>
+          <a:noFill/>
+        </p:spPr>
+        <p:txBody>
+          <a:bodyPr wrap="none" rtlCol="0">
+            <a:spAutoFit/>
+          </a:bodyPr>
+          <a:lstStyle/>
+          <a:p>
+            <a:r>
+              <a:rPr lang="en-US" sz="2000" dirty="0" smtClean="0"/>
+              <a:t>Send request</a:t>
+            </a:r>
+            <a:endParaRPr lang="en-US" sz="2000" dirty="0"/>
+          </a:p>
+        </p:txBody>
+      </p:sp>
+      <p:sp>
+        <p:nvSpPr>
+          <p:cNvPr id="3" name="Rectangle 2"/>
+          <p:cNvSpPr/>
+          <p:nvPr/>
+        </p:nvSpPr>
+        <p:spPr>
+          <a:xfrm>
+            <a:off x="7501254" y="3563454"/>
+            <a:ext cx="892167" cy="400110"/>
+          </a:xfrm>
+          <a:prstGeom prst="rect">
+            <a:avLst/>
+          </a:prstGeom>
+        </p:spPr>
+        <p:txBody>
+          <a:bodyPr wrap="none">
+            <a:spAutoFit/>
+          </a:bodyPr>
+          <a:lstStyle/>
+          <a:p>
+            <a:r>
+              <a:rPr lang="en-US" sz="2000" dirty="0"/>
+              <a:t>Return</a:t>
+            </a:r>
+            <a:endParaRPr lang="en-US" dirty="0"/>
+          </a:p>
+        </p:txBody>
+      </p:sp>
+    </p:spTree>
+    <p:extLst>
+      <p:ext uri="{BB962C8B-B14F-4D97-AF65-F5344CB8AC3E}">
+        <p14:creationId xmlns:p14="http://schemas.microsoft.com/office/powerpoint/2010/main" val="4041154205"/>
+      </p:ext>
+    </p:extLst>
+  </p:cSld>
+  <p:clrMapOvr>
+    <a:masterClrMapping/>
+  </p:clrMapOvr>
+</p:sld>
+</file>
+
+<file path=ppt/slides/slide11.xml><?xml version="1.0" encoding="utf-8"?>
+<p:sld xmlns:a="http://schemas.openxmlformats.org/drawingml/2006/main" xmlns:r="http://schemas.openxmlformats.org/officeDocument/2006/relationships" xmlns:p="http://schemas.openxmlformats.org/presentationml/2006/main">
+  <p:cSld>
+    <p:spTree>
+      <p:nvGrpSpPr>
+        <p:cNvPr id="1" name=""/>
+        <p:cNvGrpSpPr/>
+        <p:nvPr/>
+      </p:nvGrpSpPr>
+      <p:grpSpPr>
+        <a:xfrm>
+          <a:off x="0" y="0"/>
+          <a:ext cx="0" cy="0"/>
+          <a:chOff x="0" y="0"/>
+          <a:chExt cx="0" cy="0"/>
+        </a:xfrm>
+      </p:grpSpPr>
+      <p:pic>
+        <p:nvPicPr>
+          <p:cNvPr id="4" name="Picture 2" descr="http://www.planet3films.com/wp-content/uploads/2012/01/download-button.png"/>
+          <p:cNvPicPr>
+            <a:picLocks noChangeAspect="1" noChangeArrowheads="1"/>
+          </p:cNvPicPr>
+          <p:nvPr/>
+        </p:nvPicPr>
+        <p:blipFill>
+          <a:blip r:embed="rId2" cstate="print">
+            <a:extLst>
+              <a:ext uri="{28A0092B-C50C-407E-A947-70E740481C1C}">
+                <a14:useLocalDpi xmlns:a14="http://schemas.microsoft.com/office/drawing/2010/main" val="0"/>
+              </a:ext>
+            </a:extLst>
+          </a:blip>
+          <a:srcRect/>
+          <a:stretch>
+            <a:fillRect/>
+          </a:stretch>
+        </p:blipFill>
+        <p:spPr bwMode="auto">
+          <a:xfrm>
+            <a:off x="457200" y="1976542"/>
+            <a:ext cx="969840" cy="927167"/>
+          </a:xfrm>
+          <a:prstGeom prst="rect">
+            <a:avLst/>
+          </a:prstGeom>
+          <a:noFill/>
+          <a:extLst>
+            <a:ext uri="{909E8E84-426E-40DD-AFC4-6F175D3DCCD1}">
+              <a14:hiddenFill xmlns:a14="http://schemas.microsoft.com/office/drawing/2010/main">
+                <a:solidFill>
+                  <a:srgbClr val="FFFFFF"/>
+                </a:solidFill>
+              </a14:hiddenFill>
+            </a:ext>
+          </a:extLst>
+        </p:spPr>
+      </p:pic>
+      <p:sp>
+        <p:nvSpPr>
+          <p:cNvPr id="5" name="Title 5"/>
+          <p:cNvSpPr>
+            <a:spLocks noGrp="1"/>
+          </p:cNvSpPr>
+          <p:nvPr>
+            <p:ph type="title"/>
+          </p:nvPr>
+        </p:nvSpPr>
+        <p:spPr>
+          <a:xfrm>
+            <a:off x="457200" y="274637"/>
+            <a:ext cx="8229600" cy="1143000"/>
+          </a:xfrm>
+        </p:spPr>
+        <p:txBody>
+          <a:bodyPr>
+            <a:normAutofit/>
+          </a:bodyPr>
+          <a:lstStyle/>
+          <a:p>
+            <a:r>
+              <a:rPr lang="vi-VN" sz="5400" dirty="0" smtClean="0">
+                <a:solidFill>
+                  <a:schemeClr val="bg1"/>
+                </a:solidFill>
+                <a:latin typeface="Cambria"/>
+                <a:ea typeface="Cambria"/>
+                <a:cs typeface="Cambria"/>
+                <a:sym typeface="Cambria"/>
+              </a:rPr>
+              <a:t>Architecture</a:t>
+            </a:r>
+            <a:endParaRPr lang="en-US" sz="5400" dirty="0">
+              <a:solidFill>
+                <a:schemeClr val="bg1"/>
+              </a:solidFill>
+              <a:latin typeface="Cambria"/>
+              <a:ea typeface="Cambria"/>
+              <a:cs typeface="Cambria"/>
+              <a:sym typeface="Cambria"/>
+            </a:endParaRPr>
+          </a:p>
+        </p:txBody>
+      </p:sp>
+      <p:pic>
+        <p:nvPicPr>
+          <p:cNvPr id="2050" name="Picture 2" descr="http://www.otofun.net/data/avatars/l/377/377693.jpg?1439537488"/>
+          <p:cNvPicPr>
+            <a:picLocks noChangeAspect="1" noChangeArrowheads="1"/>
+          </p:cNvPicPr>
+          <p:nvPr/>
+        </p:nvPicPr>
+        <p:blipFill>
+          <a:blip r:embed="rId3">
+            <a:extLst>
+              <a:ext uri="{28A0092B-C50C-407E-A947-70E740481C1C}">
+                <a14:useLocalDpi xmlns:a14="http://schemas.microsoft.com/office/drawing/2010/main" val="0"/>
+              </a:ext>
+            </a:extLst>
+          </a:blip>
+          <a:srcRect/>
+          <a:stretch>
+            <a:fillRect/>
+          </a:stretch>
+        </p:blipFill>
+        <p:spPr bwMode="auto">
+          <a:xfrm>
+            <a:off x="6739255" y="1678124"/>
+            <a:ext cx="1524000" cy="1524001"/>
+          </a:xfrm>
+          <a:prstGeom prst="rect">
+            <a:avLst/>
+          </a:prstGeom>
+          <a:noFill/>
+          <a:extLst>
+            <a:ext uri="{909E8E84-426E-40DD-AFC4-6F175D3DCCD1}">
+              <a14:hiddenFill xmlns:a14="http://schemas.microsoft.com/office/drawing/2010/main">
+                <a:solidFill>
+                  <a:srgbClr val="FFFFFF"/>
+                </a:solidFill>
+              </a14:hiddenFill>
+            </a:ext>
+          </a:extLst>
+        </p:spPr>
+      </p:pic>
+      <p:pic>
+        <p:nvPicPr>
+          <p:cNvPr id="2" name="Picture 1"/>
+          <p:cNvPicPr>
+            <a:picLocks noChangeAspect="1"/>
+          </p:cNvPicPr>
+          <p:nvPr/>
+        </p:nvPicPr>
+        <p:blipFill>
+          <a:blip r:embed="rId4"/>
+          <a:stretch>
+            <a:fillRect/>
+          </a:stretch>
+        </p:blipFill>
+        <p:spPr>
+          <a:xfrm>
+            <a:off x="6557528" y="4332849"/>
+            <a:ext cx="1887454" cy="1482095"/>
+          </a:xfrm>
+          <a:prstGeom prst="rect">
+            <a:avLst/>
+          </a:prstGeom>
+        </p:spPr>
+      </p:pic>
+      <p:pic>
+        <p:nvPicPr>
+          <p:cNvPr id="3" name="Picture 2"/>
+          <p:cNvPicPr>
+            <a:picLocks noChangeAspect="1"/>
+          </p:cNvPicPr>
+          <p:nvPr/>
+        </p:nvPicPr>
+        <p:blipFill>
+          <a:blip r:embed="rId5"/>
+          <a:stretch>
+            <a:fillRect/>
+          </a:stretch>
+        </p:blipFill>
+        <p:spPr>
+          <a:xfrm>
+            <a:off x="3571650" y="4290514"/>
+            <a:ext cx="1608430" cy="1559024"/>
+          </a:xfrm>
+          <a:prstGeom prst="rect">
+            <a:avLst/>
+          </a:prstGeom>
+        </p:spPr>
+      </p:pic>
+      <p:cxnSp>
+        <p:nvCxnSpPr>
+          <p:cNvPr id="9" name="Straight Arrow Connector 8"/>
+          <p:cNvCxnSpPr/>
+          <p:nvPr/>
+        </p:nvCxnSpPr>
+        <p:spPr>
+          <a:xfrm flipV="1">
+            <a:off x="1427040" y="2419643"/>
+            <a:ext cx="2097234" cy="20483"/>
+          </a:xfrm>
+          <a:prstGeom prst="straightConnector1">
+            <a:avLst/>
+          </a:prstGeom>
+          <a:ln>
+            <a:tailEnd type="triangle"/>
+          </a:ln>
+        </p:spPr>
+        <p:style>
+          <a:lnRef idx="1">
+            <a:schemeClr val="accent1"/>
+          </a:lnRef>
+          <a:fillRef idx="0">
+            <a:schemeClr val="accent1"/>
+          </a:fillRef>
+          <a:effectRef idx="0">
+            <a:schemeClr val="accent1"/>
+          </a:effectRef>
+          <a:fontRef idx="minor">
+            <a:schemeClr val="tx1"/>
+          </a:fontRef>
+        </p:style>
+      </p:cxnSp>
+      <p:cxnSp>
+        <p:nvCxnSpPr>
+          <p:cNvPr id="10" name="Straight Arrow Connector 9"/>
+          <p:cNvCxnSpPr/>
+          <p:nvPr/>
+        </p:nvCxnSpPr>
+        <p:spPr>
+          <a:xfrm>
+            <a:off x="5180080" y="2440124"/>
+            <a:ext cx="1559175" cy="1"/>
+          </a:xfrm>
+          <a:prstGeom prst="straightConnector1">
+            <a:avLst/>
+          </a:prstGeom>
+          <a:ln>
+            <a:tailEnd type="triangle"/>
+          </a:ln>
+        </p:spPr>
+        <p:style>
+          <a:lnRef idx="1">
+            <a:schemeClr val="accent1"/>
+          </a:lnRef>
+          <a:fillRef idx="0">
+            <a:schemeClr val="accent1"/>
+          </a:fillRef>
+          <a:effectRef idx="0">
+            <a:schemeClr val="accent1"/>
+          </a:effectRef>
+          <a:fontRef idx="minor">
+            <a:schemeClr val="tx1"/>
+          </a:fontRef>
+        </p:style>
+      </p:cxnSp>
+      <p:cxnSp>
+        <p:nvCxnSpPr>
+          <p:cNvPr id="8" name="Straight Arrow Connector 7"/>
+          <p:cNvCxnSpPr>
+            <a:stCxn id="2050" idx="2"/>
+            <a:endCxn id="2" idx="0"/>
+          </p:cNvCxnSpPr>
+          <p:nvPr/>
+        </p:nvCxnSpPr>
+        <p:spPr>
+          <a:xfrm>
+            <a:off x="7501255" y="3202125"/>
+            <a:ext cx="0" cy="1130724"/>
+          </a:xfrm>
+          <a:prstGeom prst="straightConnector1">
+            <a:avLst/>
+          </a:prstGeom>
+          <a:ln>
+            <a:tailEnd type="triangle"/>
+          </a:ln>
+        </p:spPr>
+        <p:style>
+          <a:lnRef idx="1">
+            <a:schemeClr val="accent1"/>
+          </a:lnRef>
+          <a:fillRef idx="0">
+            <a:schemeClr val="accent1"/>
+          </a:fillRef>
+          <a:effectRef idx="0">
+            <a:schemeClr val="accent1"/>
+          </a:effectRef>
+          <a:fontRef idx="minor">
+            <a:schemeClr val="tx1"/>
+          </a:fontRef>
+        </p:style>
+      </p:cxnSp>
+      <p:cxnSp>
+        <p:nvCxnSpPr>
+          <p:cNvPr id="12" name="Straight Arrow Connector 11"/>
+          <p:cNvCxnSpPr>
+            <a:stCxn id="2" idx="1"/>
+            <a:endCxn id="3" idx="3"/>
+          </p:cNvCxnSpPr>
+          <p:nvPr/>
+        </p:nvCxnSpPr>
+        <p:spPr>
+          <a:xfrm flipH="1" flipV="1">
+            <a:off x="5180080" y="5070026"/>
+            <a:ext cx="1377448" cy="3871"/>
+          </a:xfrm>
+          <a:prstGeom prst="straightConnector1">
+            <a:avLst/>
+          </a:prstGeom>
+          <a:ln>
+            <a:tailEnd type="triangle"/>
+          </a:ln>
+        </p:spPr>
+        <p:style>
+          <a:lnRef idx="1">
+            <a:schemeClr val="accent1"/>
+          </a:lnRef>
+          <a:fillRef idx="0">
+            <a:schemeClr val="accent1"/>
+          </a:fillRef>
+          <a:effectRef idx="0">
+            <a:schemeClr val="accent1"/>
+          </a:effectRef>
+          <a:fontRef idx="minor">
+            <a:schemeClr val="tx1"/>
+          </a:fontRef>
+        </p:style>
+      </p:cxnSp>
+      <p:sp>
+        <p:nvSpPr>
+          <p:cNvPr id="15" name="TextBox 14"/>
+          <p:cNvSpPr txBox="1"/>
+          <p:nvPr/>
+        </p:nvSpPr>
+        <p:spPr>
+          <a:xfrm>
+            <a:off x="3577664" y="5932670"/>
+            <a:ext cx="1702710" cy="400110"/>
+          </a:xfrm>
+          <a:prstGeom prst="rect">
+            <a:avLst/>
+          </a:prstGeom>
+          <a:noFill/>
+        </p:spPr>
+        <p:txBody>
+          <a:bodyPr wrap="none" rtlCol="0">
+            <a:spAutoFit/>
+          </a:bodyPr>
+          <a:lstStyle/>
+          <a:p>
+            <a:r>
+              <a:rPr lang="en-US" sz="2000" dirty="0" smtClean="0"/>
+              <a:t>Cache(100mb)</a:t>
+            </a:r>
+            <a:endParaRPr lang="en-US" sz="2000" dirty="0"/>
+          </a:p>
+        </p:txBody>
+      </p:sp>
+      <p:sp>
+        <p:nvSpPr>
+          <p:cNvPr id="16" name="Rectangle 15"/>
+          <p:cNvSpPr/>
+          <p:nvPr/>
+        </p:nvSpPr>
+        <p:spPr>
+          <a:xfrm>
+            <a:off x="3524274" y="1612221"/>
+            <a:ext cx="1655806" cy="1655806"/>
+          </a:xfrm>
+          <a:prstGeom prst="rect">
+            <a:avLst/>
+          </a:prstGeom>
+          <a:noFill/>
+          <a:ln>
+            <a:solidFill>
+              <a:schemeClr val="tx1"/>
+            </a:solidFill>
+          </a:ln>
+        </p:spPr>
+        <p:style>
+          <a:lnRef idx="2">
+            <a:schemeClr val="accent1">
+              <a:shade val="50000"/>
+            </a:schemeClr>
+          </a:lnRef>
+          <a:fillRef idx="1">
+            <a:schemeClr val="accent1"/>
+          </a:fillRef>
+          <a:effectRef idx="0">
+            <a:schemeClr val="accent1"/>
+          </a:effectRef>
+          <a:fontRef idx="minor">
+            <a:schemeClr val="lt1"/>
+          </a:fontRef>
+        </p:style>
+        <p:txBody>
+          <a:bodyPr rtlCol="0" anchor="ctr"/>
+          <a:lstStyle/>
+          <a:p>
+            <a:pPr algn="ctr"/>
+            <a:r>
+              <a:rPr lang="en-US" sz="2000" dirty="0" smtClean="0">
+                <a:solidFill>
+                  <a:schemeClr val="tx1"/>
+                </a:solidFill>
+              </a:rPr>
+              <a:t>Create list of stings from list of step</a:t>
+            </a:r>
+            <a:endParaRPr lang="en-US" sz="2000" dirty="0">
+              <a:solidFill>
+                <a:schemeClr val="tx1"/>
+              </a:solidFill>
+            </a:endParaRPr>
+          </a:p>
+        </p:txBody>
+      </p:sp>
+      <p:sp>
+        <p:nvSpPr>
+          <p:cNvPr id="17" name="TextBox 16"/>
+          <p:cNvSpPr txBox="1"/>
+          <p:nvPr/>
+        </p:nvSpPr>
+        <p:spPr>
+          <a:xfrm>
+            <a:off x="1412956" y="2074364"/>
+            <a:ext cx="2008114" cy="400110"/>
+          </a:xfrm>
+          <a:prstGeom prst="rect">
+            <a:avLst/>
+          </a:prstGeom>
+          <a:noFill/>
+        </p:spPr>
+        <p:txBody>
+          <a:bodyPr wrap="none" rtlCol="0">
+            <a:spAutoFit/>
+          </a:bodyPr>
+          <a:lstStyle/>
+          <a:p>
+            <a:r>
+              <a:rPr lang="en-US" sz="2000" dirty="0" smtClean="0"/>
+              <a:t>Download button</a:t>
+            </a:r>
+            <a:endParaRPr lang="en-US" sz="2000" dirty="0"/>
+          </a:p>
+        </p:txBody>
+      </p:sp>
+      <p:sp>
+        <p:nvSpPr>
+          <p:cNvPr id="18" name="TextBox 17"/>
+          <p:cNvSpPr txBox="1"/>
+          <p:nvPr/>
+        </p:nvSpPr>
+        <p:spPr>
+          <a:xfrm>
+            <a:off x="5163129" y="2029774"/>
+            <a:ext cx="1555362" cy="400110"/>
+          </a:xfrm>
+          <a:prstGeom prst="rect">
+            <a:avLst/>
+          </a:prstGeom>
+          <a:noFill/>
+        </p:spPr>
+        <p:txBody>
+          <a:bodyPr wrap="none" rtlCol="0">
+            <a:spAutoFit/>
+          </a:bodyPr>
+          <a:lstStyle/>
+          <a:p>
+            <a:r>
+              <a:rPr lang="en-US" sz="2000" dirty="0" smtClean="0"/>
+              <a:t>Send request</a:t>
+            </a:r>
+            <a:endParaRPr lang="en-US" sz="2000" dirty="0"/>
+          </a:p>
+        </p:txBody>
+      </p:sp>
+      <p:sp>
+        <p:nvSpPr>
+          <p:cNvPr id="19" name="TextBox 18"/>
+          <p:cNvSpPr txBox="1"/>
+          <p:nvPr/>
+        </p:nvSpPr>
+        <p:spPr>
+          <a:xfrm>
+            <a:off x="6678912" y="5778782"/>
+            <a:ext cx="1644686" cy="707886"/>
+          </a:xfrm>
+          <a:prstGeom prst="rect">
+            <a:avLst/>
+          </a:prstGeom>
+          <a:noFill/>
+        </p:spPr>
+        <p:txBody>
+          <a:bodyPr wrap="square" rtlCol="0">
+            <a:spAutoFit/>
+          </a:bodyPr>
+          <a:lstStyle/>
+          <a:p>
+            <a:pPr algn="ctr"/>
+            <a:r>
+              <a:rPr lang="en-US" sz="2000" dirty="0" smtClean="0"/>
+              <a:t>List of audio files</a:t>
+            </a:r>
+            <a:endParaRPr lang="en-US" sz="2000" dirty="0"/>
+          </a:p>
+        </p:txBody>
+      </p:sp>
+      <p:sp>
+        <p:nvSpPr>
+          <p:cNvPr id="20" name="Rectangle 19"/>
+          <p:cNvSpPr/>
+          <p:nvPr/>
+        </p:nvSpPr>
+        <p:spPr>
+          <a:xfrm>
+            <a:off x="7501254" y="3563454"/>
+            <a:ext cx="892167" cy="400110"/>
+          </a:xfrm>
+          <a:prstGeom prst="rect">
+            <a:avLst/>
+          </a:prstGeom>
+        </p:spPr>
+        <p:txBody>
+          <a:bodyPr wrap="none">
+            <a:spAutoFit/>
+          </a:bodyPr>
+          <a:lstStyle/>
+          <a:p>
+            <a:r>
+              <a:rPr lang="en-US" sz="2000" dirty="0"/>
+              <a:t>Return</a:t>
+            </a:r>
+            <a:endParaRPr lang="en-US" dirty="0"/>
+          </a:p>
+        </p:txBody>
+      </p:sp>
+      <p:sp>
+        <p:nvSpPr>
+          <p:cNvPr id="7" name="TextBox 6"/>
+          <p:cNvSpPr txBox="1"/>
+          <p:nvPr/>
+        </p:nvSpPr>
+        <p:spPr>
+          <a:xfrm>
+            <a:off x="5254222" y="5092385"/>
+            <a:ext cx="1584793" cy="369332"/>
+          </a:xfrm>
+          <a:prstGeom prst="rect">
+            <a:avLst/>
+          </a:prstGeom>
+          <a:noFill/>
+        </p:spPr>
+        <p:txBody>
+          <a:bodyPr wrap="none" rtlCol="0">
+            <a:spAutoFit/>
+          </a:bodyPr>
+          <a:lstStyle/>
+          <a:p>
+            <a:r>
+              <a:rPr lang="en-US" dirty="0" smtClean="0"/>
+              <a:t>Audio -&gt; byte[]</a:t>
+            </a:r>
+            <a:endParaRPr lang="en-US" dirty="0"/>
+          </a:p>
+        </p:txBody>
+      </p:sp>
+      <p:sp>
+        <p:nvSpPr>
+          <p:cNvPr id="27" name="Rectangle 26"/>
+          <p:cNvSpPr/>
+          <p:nvPr/>
+        </p:nvSpPr>
+        <p:spPr>
+          <a:xfrm>
+            <a:off x="5714796" y="4666535"/>
+            <a:ext cx="663643" cy="400110"/>
+          </a:xfrm>
+          <a:prstGeom prst="rect">
+            <a:avLst/>
+          </a:prstGeom>
+        </p:spPr>
+        <p:txBody>
+          <a:bodyPr wrap="none">
+            <a:spAutoFit/>
+          </a:bodyPr>
+          <a:lstStyle/>
+          <a:p>
+            <a:r>
+              <a:rPr lang="en-US" sz="2000" dirty="0" smtClean="0"/>
+              <a:t>Save</a:t>
+            </a:r>
+            <a:endParaRPr lang="en-US" dirty="0"/>
+          </a:p>
+        </p:txBody>
+      </p:sp>
+    </p:spTree>
+    <p:extLst>
+      <p:ext uri="{BB962C8B-B14F-4D97-AF65-F5344CB8AC3E}">
+        <p14:creationId xmlns:p14="http://schemas.microsoft.com/office/powerpoint/2010/main" val="1147820855"/>
+      </p:ext>
+    </p:extLst>
+  </p:cSld>
+  <p:clrMapOvr>
+    <a:masterClrMapping/>
+  </p:clrMapOvr>
+</p:sld>
+</file>
+
+<file path=ppt/slides/slide12.xml><?xml version="1.0" encoding="utf-8"?>
+<p:sld xmlns:a="http://schemas.openxmlformats.org/drawingml/2006/main" xmlns:r="http://schemas.openxmlformats.org/officeDocument/2006/relationships" xmlns:p="http://schemas.openxmlformats.org/presentationml/2006/main">
+  <p:cSld>
+    <p:spTree>
+      <p:nvGrpSpPr>
+        <p:cNvPr id="1" name=""/>
+        <p:cNvGrpSpPr/>
+        <p:nvPr/>
+      </p:nvGrpSpPr>
+      <p:grpSpPr>
+        <a:xfrm>
+          <a:off x="0" y="0"/>
+          <a:ext cx="0" cy="0"/>
+          <a:chOff x="0" y="0"/>
+          <a:chExt cx="0" cy="0"/>
+        </a:xfrm>
+      </p:grpSpPr>
+      <p:pic>
+        <p:nvPicPr>
+          <p:cNvPr id="4" name="Picture 2" descr="http://www.planet3films.com/wp-content/uploads/2012/01/download-button.png"/>
+          <p:cNvPicPr>
+            <a:picLocks noChangeAspect="1" noChangeArrowheads="1"/>
+          </p:cNvPicPr>
+          <p:nvPr/>
+        </p:nvPicPr>
+        <p:blipFill>
+          <a:blip r:embed="rId2" cstate="print">
+            <a:extLst>
+              <a:ext uri="{28A0092B-C50C-407E-A947-70E740481C1C}">
+                <a14:useLocalDpi xmlns:a14="http://schemas.microsoft.com/office/drawing/2010/main" val="0"/>
+              </a:ext>
+            </a:extLst>
+          </a:blip>
+          <a:srcRect/>
+          <a:stretch>
+            <a:fillRect/>
+          </a:stretch>
+        </p:blipFill>
+        <p:spPr bwMode="auto">
+          <a:xfrm>
+            <a:off x="457200" y="1976542"/>
+            <a:ext cx="969840" cy="927167"/>
+          </a:xfrm>
+          <a:prstGeom prst="rect">
+            <a:avLst/>
+          </a:prstGeom>
+          <a:noFill/>
+          <a:extLst>
+            <a:ext uri="{909E8E84-426E-40DD-AFC4-6F175D3DCCD1}">
+              <a14:hiddenFill xmlns:a14="http://schemas.microsoft.com/office/drawing/2010/main">
+                <a:solidFill>
+                  <a:srgbClr val="FFFFFF"/>
+                </a:solidFill>
+              </a14:hiddenFill>
+            </a:ext>
+          </a:extLst>
+        </p:spPr>
+      </p:pic>
+      <p:sp>
+        <p:nvSpPr>
+          <p:cNvPr id="5" name="Title 5"/>
+          <p:cNvSpPr>
+            <a:spLocks noGrp="1"/>
+          </p:cNvSpPr>
+          <p:nvPr>
+            <p:ph type="title"/>
+          </p:nvPr>
+        </p:nvSpPr>
+        <p:spPr>
+          <a:xfrm>
+            <a:off x="457200" y="274637"/>
+            <a:ext cx="8229600" cy="1143000"/>
+          </a:xfrm>
+        </p:spPr>
+        <p:txBody>
+          <a:bodyPr>
+            <a:normAutofit/>
+          </a:bodyPr>
+          <a:lstStyle/>
+          <a:p>
+            <a:r>
+              <a:rPr lang="vi-VN" sz="5400" dirty="0" smtClean="0">
+                <a:solidFill>
+                  <a:schemeClr val="bg1"/>
+                </a:solidFill>
+                <a:latin typeface="Cambria"/>
+                <a:ea typeface="Cambria"/>
+                <a:cs typeface="Cambria"/>
+                <a:sym typeface="Cambria"/>
+              </a:rPr>
+              <a:t>Architecture</a:t>
+            </a:r>
+            <a:endParaRPr lang="en-US" sz="5400" dirty="0">
+              <a:solidFill>
+                <a:schemeClr val="bg1"/>
+              </a:solidFill>
+              <a:latin typeface="Cambria"/>
+              <a:ea typeface="Cambria"/>
+              <a:cs typeface="Cambria"/>
+              <a:sym typeface="Cambria"/>
+            </a:endParaRPr>
+          </a:p>
+        </p:txBody>
+      </p:sp>
+      <p:pic>
+        <p:nvPicPr>
+          <p:cNvPr id="2050" name="Picture 2" descr="http://www.otofun.net/data/avatars/l/377/377693.jpg?1439537488"/>
+          <p:cNvPicPr>
+            <a:picLocks noChangeAspect="1" noChangeArrowheads="1"/>
+          </p:cNvPicPr>
+          <p:nvPr/>
+        </p:nvPicPr>
+        <p:blipFill>
+          <a:blip r:embed="rId3">
+            <a:extLst>
+              <a:ext uri="{28A0092B-C50C-407E-A947-70E740481C1C}">
+                <a14:useLocalDpi xmlns:a14="http://schemas.microsoft.com/office/drawing/2010/main" val="0"/>
+              </a:ext>
+            </a:extLst>
+          </a:blip>
+          <a:srcRect/>
+          <a:stretch>
+            <a:fillRect/>
+          </a:stretch>
+        </p:blipFill>
+        <p:spPr bwMode="auto">
+          <a:xfrm>
+            <a:off x="6739255" y="1678124"/>
+            <a:ext cx="1524000" cy="1524001"/>
+          </a:xfrm>
+          <a:prstGeom prst="rect">
+            <a:avLst/>
+          </a:prstGeom>
+          <a:noFill/>
+          <a:extLst>
+            <a:ext uri="{909E8E84-426E-40DD-AFC4-6F175D3DCCD1}">
+              <a14:hiddenFill xmlns:a14="http://schemas.microsoft.com/office/drawing/2010/main">
+                <a:solidFill>
+                  <a:srgbClr val="FFFFFF"/>
+                </a:solidFill>
+              </a14:hiddenFill>
+            </a:ext>
+          </a:extLst>
+        </p:spPr>
+      </p:pic>
+      <p:pic>
+        <p:nvPicPr>
+          <p:cNvPr id="2" name="Picture 1"/>
+          <p:cNvPicPr>
+            <a:picLocks noChangeAspect="1"/>
+          </p:cNvPicPr>
+          <p:nvPr/>
+        </p:nvPicPr>
+        <p:blipFill>
+          <a:blip r:embed="rId4"/>
+          <a:stretch>
+            <a:fillRect/>
+          </a:stretch>
+        </p:blipFill>
+        <p:spPr>
+          <a:xfrm>
+            <a:off x="6557528" y="4332849"/>
+            <a:ext cx="1887454" cy="1482095"/>
+          </a:xfrm>
+          <a:prstGeom prst="rect">
+            <a:avLst/>
+          </a:prstGeom>
+        </p:spPr>
+      </p:pic>
+      <p:pic>
+        <p:nvPicPr>
+          <p:cNvPr id="3" name="Picture 2"/>
+          <p:cNvPicPr>
+            <a:picLocks noChangeAspect="1"/>
+          </p:cNvPicPr>
+          <p:nvPr/>
+        </p:nvPicPr>
+        <p:blipFill>
+          <a:blip r:embed="rId5"/>
+          <a:stretch>
+            <a:fillRect/>
+          </a:stretch>
+        </p:blipFill>
+        <p:spPr>
+          <a:xfrm>
+            <a:off x="3571650" y="4290514"/>
+            <a:ext cx="1608430" cy="1559024"/>
+          </a:xfrm>
+          <a:prstGeom prst="rect">
+            <a:avLst/>
+          </a:prstGeom>
+        </p:spPr>
+      </p:pic>
+      <p:cxnSp>
+        <p:nvCxnSpPr>
+          <p:cNvPr id="9" name="Straight Arrow Connector 8"/>
+          <p:cNvCxnSpPr/>
+          <p:nvPr/>
+        </p:nvCxnSpPr>
+        <p:spPr>
+          <a:xfrm flipV="1">
+            <a:off x="1427040" y="2419643"/>
+            <a:ext cx="2097234" cy="20483"/>
+          </a:xfrm>
+          <a:prstGeom prst="straightConnector1">
+            <a:avLst/>
+          </a:prstGeom>
+          <a:ln>
+            <a:tailEnd type="triangle"/>
+          </a:ln>
+        </p:spPr>
+        <p:style>
+          <a:lnRef idx="1">
+            <a:schemeClr val="accent1"/>
+          </a:lnRef>
+          <a:fillRef idx="0">
+            <a:schemeClr val="accent1"/>
+          </a:fillRef>
+          <a:effectRef idx="0">
+            <a:schemeClr val="accent1"/>
+          </a:effectRef>
+          <a:fontRef idx="minor">
+            <a:schemeClr val="tx1"/>
+          </a:fontRef>
+        </p:style>
+      </p:cxnSp>
+      <p:cxnSp>
+        <p:nvCxnSpPr>
+          <p:cNvPr id="10" name="Straight Arrow Connector 9"/>
+          <p:cNvCxnSpPr/>
+          <p:nvPr/>
+        </p:nvCxnSpPr>
+        <p:spPr>
+          <a:xfrm>
+            <a:off x="5180080" y="2440124"/>
+            <a:ext cx="1559175" cy="1"/>
+          </a:xfrm>
+          <a:prstGeom prst="straightConnector1">
+            <a:avLst/>
+          </a:prstGeom>
+          <a:ln>
+            <a:tailEnd type="triangle"/>
+          </a:ln>
+        </p:spPr>
+        <p:style>
+          <a:lnRef idx="1">
+            <a:schemeClr val="accent1"/>
+          </a:lnRef>
+          <a:fillRef idx="0">
+            <a:schemeClr val="accent1"/>
+          </a:fillRef>
+          <a:effectRef idx="0">
+            <a:schemeClr val="accent1"/>
+          </a:effectRef>
+          <a:fontRef idx="minor">
+            <a:schemeClr val="tx1"/>
+          </a:fontRef>
+        </p:style>
+      </p:cxnSp>
+      <p:cxnSp>
+        <p:nvCxnSpPr>
+          <p:cNvPr id="8" name="Straight Arrow Connector 7"/>
+          <p:cNvCxnSpPr>
+            <a:stCxn id="2050" idx="2"/>
+            <a:endCxn id="2" idx="0"/>
+          </p:cNvCxnSpPr>
+          <p:nvPr/>
+        </p:nvCxnSpPr>
+        <p:spPr>
+          <a:xfrm>
+            <a:off x="7501255" y="3202125"/>
+            <a:ext cx="0" cy="1130724"/>
+          </a:xfrm>
+          <a:prstGeom prst="straightConnector1">
+            <a:avLst/>
+          </a:prstGeom>
+          <a:ln>
+            <a:tailEnd type="triangle"/>
+          </a:ln>
+        </p:spPr>
+        <p:style>
+          <a:lnRef idx="1">
+            <a:schemeClr val="accent1"/>
+          </a:lnRef>
+          <a:fillRef idx="0">
+            <a:schemeClr val="accent1"/>
+          </a:fillRef>
+          <a:effectRef idx="0">
+            <a:schemeClr val="accent1"/>
+          </a:effectRef>
+          <a:fontRef idx="minor">
+            <a:schemeClr val="tx1"/>
+          </a:fontRef>
+        </p:style>
+      </p:cxnSp>
+      <p:cxnSp>
+        <p:nvCxnSpPr>
+          <p:cNvPr id="12" name="Straight Arrow Connector 11"/>
+          <p:cNvCxnSpPr>
+            <a:stCxn id="2" idx="1"/>
+            <a:endCxn id="3" idx="3"/>
+          </p:cNvCxnSpPr>
+          <p:nvPr/>
+        </p:nvCxnSpPr>
+        <p:spPr>
+          <a:xfrm flipH="1" flipV="1">
+            <a:off x="5180080" y="5070026"/>
+            <a:ext cx="1377448" cy="3871"/>
+          </a:xfrm>
+          <a:prstGeom prst="straightConnector1">
+            <a:avLst/>
+          </a:prstGeom>
+          <a:ln>
+            <a:tailEnd type="triangle"/>
+          </a:ln>
+        </p:spPr>
+        <p:style>
+          <a:lnRef idx="1">
+            <a:schemeClr val="accent1"/>
+          </a:lnRef>
+          <a:fillRef idx="0">
+            <a:schemeClr val="accent1"/>
+          </a:fillRef>
+          <a:effectRef idx="0">
+            <a:schemeClr val="accent1"/>
+          </a:effectRef>
+          <a:fontRef idx="minor">
+            <a:schemeClr val="tx1"/>
+          </a:fontRef>
+        </p:style>
+      </p:cxnSp>
+      <p:sp>
+        <p:nvSpPr>
+          <p:cNvPr id="15" name="TextBox 14"/>
+          <p:cNvSpPr txBox="1"/>
+          <p:nvPr/>
+        </p:nvSpPr>
+        <p:spPr>
+          <a:xfrm>
+            <a:off x="3577664" y="5932670"/>
+            <a:ext cx="1702710" cy="400110"/>
+          </a:xfrm>
+          <a:prstGeom prst="rect">
+            <a:avLst/>
+          </a:prstGeom>
+          <a:noFill/>
+        </p:spPr>
+        <p:txBody>
+          <a:bodyPr wrap="none" rtlCol="0">
+            <a:spAutoFit/>
+          </a:bodyPr>
+          <a:lstStyle/>
+          <a:p>
+            <a:r>
+              <a:rPr lang="en-US" sz="2000" dirty="0" smtClean="0"/>
+              <a:t>Cache(100mb)</a:t>
+            </a:r>
+            <a:endParaRPr lang="en-US" sz="2000" dirty="0"/>
+          </a:p>
+        </p:txBody>
+      </p:sp>
+      <p:sp>
+        <p:nvSpPr>
+          <p:cNvPr id="16" name="Rectangle 15"/>
+          <p:cNvSpPr/>
+          <p:nvPr/>
+        </p:nvSpPr>
+        <p:spPr>
+          <a:xfrm>
+            <a:off x="3524274" y="1612221"/>
+            <a:ext cx="1655806" cy="1655806"/>
+          </a:xfrm>
+          <a:prstGeom prst="rect">
+            <a:avLst/>
+          </a:prstGeom>
+          <a:noFill/>
+          <a:ln>
+            <a:solidFill>
+              <a:schemeClr val="tx1"/>
+            </a:solidFill>
+          </a:ln>
+        </p:spPr>
+        <p:style>
+          <a:lnRef idx="2">
+            <a:schemeClr val="accent1">
+              <a:shade val="50000"/>
+            </a:schemeClr>
+          </a:lnRef>
+          <a:fillRef idx="1">
+            <a:schemeClr val="accent1"/>
+          </a:fillRef>
+          <a:effectRef idx="0">
+            <a:schemeClr val="accent1"/>
+          </a:effectRef>
+          <a:fontRef idx="minor">
+            <a:schemeClr val="lt1"/>
+          </a:fontRef>
+        </p:style>
+        <p:txBody>
+          <a:bodyPr rtlCol="0" anchor="ctr"/>
+          <a:lstStyle/>
+          <a:p>
+            <a:pPr algn="ctr"/>
+            <a:r>
+              <a:rPr lang="en-US" sz="2000" dirty="0" smtClean="0">
+                <a:solidFill>
+                  <a:schemeClr val="tx1"/>
+                </a:solidFill>
+              </a:rPr>
+              <a:t>Create list of stings from list of step</a:t>
+            </a:r>
+            <a:endParaRPr lang="en-US" sz="2000" dirty="0">
+              <a:solidFill>
+                <a:schemeClr val="tx1"/>
+              </a:solidFill>
+            </a:endParaRPr>
+          </a:p>
+        </p:txBody>
+      </p:sp>
+      <p:sp>
+        <p:nvSpPr>
+          <p:cNvPr id="17" name="TextBox 16"/>
+          <p:cNvSpPr txBox="1"/>
+          <p:nvPr/>
+        </p:nvSpPr>
+        <p:spPr>
+          <a:xfrm>
+            <a:off x="1412956" y="2074364"/>
+            <a:ext cx="2008114" cy="400110"/>
+          </a:xfrm>
+          <a:prstGeom prst="rect">
+            <a:avLst/>
+          </a:prstGeom>
+          <a:noFill/>
+        </p:spPr>
+        <p:txBody>
+          <a:bodyPr wrap="none" rtlCol="0">
+            <a:spAutoFit/>
+          </a:bodyPr>
+          <a:lstStyle/>
+          <a:p>
+            <a:r>
+              <a:rPr lang="en-US" sz="2000" dirty="0" smtClean="0"/>
+              <a:t>Download button</a:t>
+            </a:r>
+            <a:endParaRPr lang="en-US" sz="2000" dirty="0"/>
+          </a:p>
+        </p:txBody>
+      </p:sp>
+      <p:sp>
+        <p:nvSpPr>
+          <p:cNvPr id="18" name="TextBox 17"/>
+          <p:cNvSpPr txBox="1"/>
+          <p:nvPr/>
+        </p:nvSpPr>
+        <p:spPr>
+          <a:xfrm>
+            <a:off x="5163129" y="2029774"/>
+            <a:ext cx="1555362" cy="400110"/>
+          </a:xfrm>
+          <a:prstGeom prst="rect">
+            <a:avLst/>
+          </a:prstGeom>
+          <a:noFill/>
+        </p:spPr>
+        <p:txBody>
+          <a:bodyPr wrap="none" rtlCol="0">
+            <a:spAutoFit/>
+          </a:bodyPr>
+          <a:lstStyle/>
+          <a:p>
+            <a:r>
+              <a:rPr lang="en-US" sz="2000" dirty="0" smtClean="0"/>
+              <a:t>Send request</a:t>
+            </a:r>
+            <a:endParaRPr lang="en-US" sz="2000" dirty="0"/>
+          </a:p>
+        </p:txBody>
+      </p:sp>
+      <p:sp>
+        <p:nvSpPr>
+          <p:cNvPr id="19" name="TextBox 18"/>
+          <p:cNvSpPr txBox="1"/>
+          <p:nvPr/>
+        </p:nvSpPr>
+        <p:spPr>
+          <a:xfrm>
+            <a:off x="6678912" y="5778782"/>
+            <a:ext cx="1644686" cy="707886"/>
+          </a:xfrm>
+          <a:prstGeom prst="rect">
+            <a:avLst/>
+          </a:prstGeom>
+          <a:noFill/>
+        </p:spPr>
+        <p:txBody>
+          <a:bodyPr wrap="square" rtlCol="0">
+            <a:spAutoFit/>
+          </a:bodyPr>
+          <a:lstStyle/>
+          <a:p>
+            <a:pPr algn="ctr"/>
+            <a:r>
+              <a:rPr lang="en-US" sz="2000" dirty="0" smtClean="0"/>
+              <a:t>List of audio files</a:t>
+            </a:r>
+            <a:endParaRPr lang="en-US" sz="2000" dirty="0"/>
+          </a:p>
+        </p:txBody>
+      </p:sp>
+      <p:sp>
+        <p:nvSpPr>
+          <p:cNvPr id="20" name="Rectangle 19"/>
+          <p:cNvSpPr/>
+          <p:nvPr/>
+        </p:nvSpPr>
+        <p:spPr>
+          <a:xfrm>
+            <a:off x="7501254" y="3563454"/>
+            <a:ext cx="892167" cy="400110"/>
+          </a:xfrm>
+          <a:prstGeom prst="rect">
+            <a:avLst/>
+          </a:prstGeom>
+        </p:spPr>
+        <p:txBody>
+          <a:bodyPr wrap="none">
+            <a:spAutoFit/>
+          </a:bodyPr>
+          <a:lstStyle/>
+          <a:p>
+            <a:r>
+              <a:rPr lang="en-US" sz="2000" dirty="0"/>
+              <a:t>Return</a:t>
+            </a:r>
+            <a:endParaRPr lang="en-US" dirty="0"/>
+          </a:p>
+        </p:txBody>
+      </p:sp>
+      <p:sp>
+        <p:nvSpPr>
+          <p:cNvPr id="21" name="Rectangle 20"/>
+          <p:cNvSpPr/>
+          <p:nvPr/>
+        </p:nvSpPr>
+        <p:spPr>
+          <a:xfrm>
+            <a:off x="1936979" y="4666535"/>
+            <a:ext cx="1587550" cy="400110"/>
+          </a:xfrm>
+          <a:prstGeom prst="rect">
+            <a:avLst/>
+          </a:prstGeom>
+        </p:spPr>
+        <p:txBody>
+          <a:bodyPr wrap="none">
+            <a:spAutoFit/>
+          </a:bodyPr>
+          <a:lstStyle/>
+          <a:p>
+            <a:r>
+              <a:rPr lang="en-US" sz="2000" dirty="0" smtClean="0"/>
+              <a:t>Get audio file</a:t>
+            </a:r>
+            <a:endParaRPr lang="en-US" dirty="0"/>
+          </a:p>
+        </p:txBody>
+      </p:sp>
+      <p:sp>
+        <p:nvSpPr>
+          <p:cNvPr id="7" name="TextBox 6"/>
+          <p:cNvSpPr txBox="1"/>
+          <p:nvPr/>
+        </p:nvSpPr>
+        <p:spPr>
+          <a:xfrm>
+            <a:off x="5254222" y="5092385"/>
+            <a:ext cx="1584793" cy="369332"/>
+          </a:xfrm>
+          <a:prstGeom prst="rect">
+            <a:avLst/>
+          </a:prstGeom>
+          <a:noFill/>
+        </p:spPr>
+        <p:txBody>
+          <a:bodyPr wrap="none" rtlCol="0">
+            <a:spAutoFit/>
+          </a:bodyPr>
+          <a:lstStyle/>
+          <a:p>
+            <a:r>
+              <a:rPr lang="en-US" dirty="0" smtClean="0"/>
+              <a:t>Audio -&gt; byte[]</a:t>
+            </a:r>
+            <a:endParaRPr lang="en-US" dirty="0"/>
+          </a:p>
+        </p:txBody>
+      </p:sp>
+      <p:pic>
+        <p:nvPicPr>
+          <p:cNvPr id="23" name="Picture 22"/>
+          <p:cNvPicPr>
+            <a:picLocks noChangeAspect="1"/>
+          </p:cNvPicPr>
+          <p:nvPr/>
+        </p:nvPicPr>
+        <p:blipFill>
+          <a:blip r:embed="rId6" cstate="print">
+            <a:extLst>
+              <a:ext uri="{28A0092B-C50C-407E-A947-70E740481C1C}">
+                <a14:useLocalDpi xmlns:a14="http://schemas.microsoft.com/office/drawing/2010/main" val="0"/>
+              </a:ext>
+            </a:extLst>
+          </a:blip>
+          <a:stretch>
+            <a:fillRect/>
+          </a:stretch>
+        </p:blipFill>
+        <p:spPr>
+          <a:xfrm>
+            <a:off x="582956" y="4415608"/>
+            <a:ext cx="1306902" cy="1306902"/>
+          </a:xfrm>
+          <a:prstGeom prst="rect">
+            <a:avLst/>
+          </a:prstGeom>
+        </p:spPr>
+      </p:pic>
+      <p:sp>
+        <p:nvSpPr>
+          <p:cNvPr id="24" name="TextBox 23"/>
+          <p:cNvSpPr txBox="1"/>
+          <p:nvPr/>
+        </p:nvSpPr>
+        <p:spPr>
+          <a:xfrm>
+            <a:off x="571571" y="5594116"/>
+            <a:ext cx="1437958" cy="369332"/>
+          </a:xfrm>
+          <a:prstGeom prst="rect">
+            <a:avLst/>
+          </a:prstGeom>
+          <a:noFill/>
+        </p:spPr>
+        <p:txBody>
+          <a:bodyPr wrap="none" rtlCol="0">
+            <a:spAutoFit/>
+          </a:bodyPr>
+          <a:lstStyle/>
+          <a:p>
+            <a:r>
+              <a:rPr lang="en-US" dirty="0" smtClean="0"/>
+              <a:t>Street Router</a:t>
+            </a:r>
+            <a:endParaRPr lang="en-US" dirty="0"/>
+          </a:p>
+        </p:txBody>
+      </p:sp>
+      <p:cxnSp>
+        <p:nvCxnSpPr>
+          <p:cNvPr id="25" name="Straight Arrow Connector 24"/>
+          <p:cNvCxnSpPr>
+            <a:stCxn id="23" idx="3"/>
+            <a:endCxn id="3" idx="1"/>
+          </p:cNvCxnSpPr>
+          <p:nvPr/>
+        </p:nvCxnSpPr>
+        <p:spPr>
+          <a:xfrm>
+            <a:off x="1889858" y="5069059"/>
+            <a:ext cx="1681792" cy="967"/>
+          </a:xfrm>
+          <a:prstGeom prst="straightConnector1">
+            <a:avLst/>
+          </a:prstGeom>
+          <a:ln>
+            <a:tailEnd type="triangle"/>
+          </a:ln>
+        </p:spPr>
+        <p:style>
+          <a:lnRef idx="1">
+            <a:schemeClr val="accent1"/>
+          </a:lnRef>
+          <a:fillRef idx="0">
+            <a:schemeClr val="accent1"/>
+          </a:fillRef>
+          <a:effectRef idx="0">
+            <a:schemeClr val="accent1"/>
+          </a:effectRef>
+          <a:fontRef idx="minor">
+            <a:schemeClr val="tx1"/>
+          </a:fontRef>
+        </p:style>
+      </p:cxnSp>
+      <p:sp>
+        <p:nvSpPr>
+          <p:cNvPr id="27" name="Rectangle 26"/>
+          <p:cNvSpPr/>
+          <p:nvPr/>
+        </p:nvSpPr>
+        <p:spPr>
+          <a:xfrm>
+            <a:off x="5714796" y="4666535"/>
+            <a:ext cx="663643" cy="400110"/>
+          </a:xfrm>
+          <a:prstGeom prst="rect">
+            <a:avLst/>
+          </a:prstGeom>
+        </p:spPr>
+        <p:txBody>
+          <a:bodyPr wrap="none">
+            <a:spAutoFit/>
+          </a:bodyPr>
+          <a:lstStyle/>
+          <a:p>
+            <a:r>
+              <a:rPr lang="en-US" sz="2000" dirty="0" smtClean="0"/>
+              <a:t>Save</a:t>
+            </a:r>
+            <a:endParaRPr lang="en-US" dirty="0"/>
+          </a:p>
+        </p:txBody>
+      </p:sp>
+    </p:spTree>
+    <p:extLst>
+      <p:ext uri="{BB962C8B-B14F-4D97-AF65-F5344CB8AC3E}">
+        <p14:creationId xmlns:p14="http://schemas.microsoft.com/office/powerpoint/2010/main" val="690407613"/>
+      </p:ext>
+    </p:extLst>
+  </p:cSld>
+  <p:clrMapOvr>
+    <a:masterClrMapping/>
+  </p:clrMapOvr>
+</p:sld>
+</file>
+
+<file path=ppt/slides/slide13.xml><?xml version="1.0" encoding="utf-8"?>
+<p:sld xmlns:a="http://schemas.openxmlformats.org/drawingml/2006/main" xmlns:r="http://schemas.openxmlformats.org/officeDocument/2006/relationships" xmlns:p="http://schemas.openxmlformats.org/presentationml/2006/main">
+  <p:cSld>
+    <p:spTree>
+      <p:nvGrpSpPr>
+        <p:cNvPr id="1" name=""/>
+        <p:cNvGrpSpPr/>
+        <p:nvPr/>
+      </p:nvGrpSpPr>
+      <p:grpSpPr>
+        <a:xfrm>
+          <a:off x="0" y="0"/>
+          <a:ext cx="0" cy="0"/>
+          <a:chOff x="0" y="0"/>
+          <a:chExt cx="0" cy="0"/>
+        </a:xfrm>
+      </p:grpSpPr>
+      <p:sp>
+        <p:nvSpPr>
+          <p:cNvPr id="6" name="Title 5"/>
+          <p:cNvSpPr>
+            <a:spLocks noGrp="1"/>
+          </p:cNvSpPr>
+          <p:nvPr>
+            <p:ph type="title"/>
+          </p:nvPr>
+        </p:nvSpPr>
+        <p:spPr/>
+        <p:txBody>
+          <a:bodyPr>
+            <a:normAutofit/>
+          </a:bodyPr>
+          <a:lstStyle/>
+          <a:p>
+            <a:r>
+              <a:rPr lang="vi-VN" sz="5400" dirty="0" smtClean="0">
+                <a:solidFill>
+                  <a:schemeClr val="bg1"/>
+                </a:solidFill>
+                <a:latin typeface="Cambria"/>
+                <a:ea typeface="Cambria"/>
+                <a:cs typeface="Cambria"/>
+                <a:sym typeface="Cambria"/>
+              </a:rPr>
+              <a:t>DEMO</a:t>
+            </a:r>
+            <a:endParaRPr lang="en-US" sz="5400" dirty="0">
+              <a:solidFill>
+                <a:schemeClr val="bg1"/>
+              </a:solidFill>
+              <a:latin typeface="Cambria"/>
+              <a:ea typeface="Cambria"/>
+              <a:cs typeface="Cambria"/>
+              <a:sym typeface="Cambria"/>
+            </a:endParaRPr>
+          </a:p>
+        </p:txBody>
+      </p:sp>
       <p:sp>
         <p:nvSpPr>
           <p:cNvPr id="5" name="Slide Number Placeholder 4"/>
@@ -4707,7 +6178,7 @@
             <a:fld id="{00000000-1234-1234-1234-123412341234}" type="slidenum">
               <a:rPr lang="en" smtClean="0"/>
               <a:pPr/>
-              <a:t>2</a:t>
+              <a:t>13</a:t>
             </a:fld>
             <a:endParaRPr lang="en"/>
           </a:p>
@@ -4715,7 +6186,7 @@
       </p:sp>
       <p:sp>
         <p:nvSpPr>
-          <p:cNvPr id="7" name="Content Placeholder 2"/>
+          <p:cNvPr id="15" name="Content Placeholder 2"/>
           <p:cNvSpPr txBox="1">
             <a:spLocks/>
           </p:cNvSpPr>
@@ -4899,76 +6370,52 @@
             </a:lvl9pPr>
           </a:lstStyle>
           <a:p>
-            <a:r>
-              <a:rPr lang="en-US" smtClean="0"/>
-              <a:t>Provide notify by sound function. </a:t>
+            <a:pPr marL="514350" indent="-514350">
+              <a:buFont typeface="Arial" panose="020B0604020202020204" pitchFamily="34" charset="0"/>
+              <a:buAutoNum type="arabicPeriod"/>
+            </a:pPr>
+            <a:r>
+              <a:rPr lang="en-US" dirty="0" smtClean="0"/>
+              <a:t>Download audio files to mobile device</a:t>
+            </a:r>
+          </a:p>
+          <a:p>
+            <a:pPr marL="514350" indent="-514350">
+              <a:buFont typeface="Arial" panose="020B0604020202020204" pitchFamily="34" charset="0"/>
+              <a:buAutoNum type="arabicPeriod"/>
+            </a:pPr>
+            <a:r>
+              <a:rPr lang="en-US" dirty="0" smtClean="0"/>
+              <a:t>Start tracking and notify</a:t>
+            </a:r>
+          </a:p>
+          <a:p>
+            <a:pPr marL="514350" indent="-514350">
+              <a:buFont typeface="Arial" panose="020B0604020202020204" pitchFamily="34" charset="0"/>
+              <a:buAutoNum type="arabicPeriod"/>
+            </a:pPr>
+            <a:r>
+              <a:rPr lang="en-US" dirty="0" smtClean="0"/>
+              <a:t>At each turn will have sound notify</a:t>
             </a:r>
             <a:endParaRPr lang="en-US" dirty="0"/>
           </a:p>
         </p:txBody>
       </p:sp>
-      <p:pic>
-        <p:nvPicPr>
-          <p:cNvPr id="8" name="Picture 7" descr="http://ipadhelp.com/wp-content/uploads/2014/03/sound.jpg"/>
-          <p:cNvPicPr>
-            <a:picLocks noChangeAspect="1" noChangeArrowheads="1"/>
-          </p:cNvPicPr>
-          <p:nvPr/>
-        </p:nvPicPr>
-        <p:blipFill>
-          <a:blip r:embed="rId3" cstate="print">
-            <a:extLst>
-              <a:ext uri="{28A0092B-C50C-407E-A947-70E740481C1C}">
-                <a14:useLocalDpi xmlns:a14="http://schemas.microsoft.com/office/drawing/2010/main" val="0"/>
-              </a:ext>
-            </a:extLst>
-          </a:blip>
-          <a:srcRect/>
-          <a:stretch>
-            <a:fillRect/>
-          </a:stretch>
-        </p:blipFill>
-        <p:spPr bwMode="auto">
-          <a:xfrm>
-            <a:off x="2137462" y="3078313"/>
-            <a:ext cx="3818495" cy="2863871"/>
-          </a:xfrm>
-          <a:prstGeom prst="rect">
-            <a:avLst/>
-          </a:prstGeom>
-          <a:noFill/>
-          <a:extLst>
-            <a:ext uri="{909E8E84-426E-40DD-AFC4-6F175D3DCCD1}">
-              <a14:hiddenFill xmlns:a14="http://schemas.microsoft.com/office/drawing/2010/main">
-                <a:solidFill>
-                  <a:srgbClr val="FFFFFF"/>
-                </a:solidFill>
-              </a14:hiddenFill>
-            </a:ext>
-          </a:extLst>
-        </p:spPr>
-      </p:pic>
     </p:spTree>
     <p:extLst>
       <p:ext uri="{BB962C8B-B14F-4D97-AF65-F5344CB8AC3E}">
-        <p14:creationId xmlns:p14="http://schemas.microsoft.com/office/powerpoint/2010/main" val="1628417014"/>
+        <p14:creationId xmlns:p14="http://schemas.microsoft.com/office/powerpoint/2010/main" val="702281884"/>
       </p:ext>
     </p:extLst>
   </p:cSld>
   <p:clrMapOvr>
     <a:masterClrMapping/>
   </p:clrMapOvr>
-  <p:timing>
-    <p:tnLst>
-      <p:par>
-        <p:cTn id="1" dur="indefinite" restart="never" nodeType="tmRoot"/>
-      </p:par>
-    </p:tnLst>
-  </p:timing>
 </p:sld>
 </file>
 
-<file path=ppt/slides/slide3.xml><?xml version="1.0" encoding="utf-8"?>
+<file path=ppt/slides/slide2.xml><?xml version="1.0" encoding="utf-8"?>
 <p:sld xmlns:a="http://schemas.openxmlformats.org/drawingml/2006/main" xmlns:r="http://schemas.openxmlformats.org/officeDocument/2006/relationships" xmlns:p="http://schemas.openxmlformats.org/presentationml/2006/main">
   <p:cSld>
     <p:spTree>
@@ -5012,7 +6459,7 @@
                 <a:cs typeface="Cambria"/>
                 <a:sym typeface="Cambria"/>
               </a:rPr>
-              <a:t>Architecture</a:t>
+              <a:t>Solution</a:t>
             </a:r>
             <a:endParaRPr lang="en-US" sz="5400" dirty="0">
               <a:solidFill>
@@ -5044,7 +6491,7 @@
             <a:fld id="{00000000-1234-1234-1234-123412341234}" type="slidenum">
               <a:rPr lang="en" smtClean="0"/>
               <a:pPr/>
-              <a:t>3</a:t>
+              <a:t>2</a:t>
             </a:fld>
             <a:endParaRPr lang="en"/>
           </a:p>
@@ -5052,1755 +6499,7 @@
       </p:sp>
       <p:sp>
         <p:nvSpPr>
-          <p:cNvPr id="9" name="Rectangle 8"/>
-          <p:cNvSpPr/>
-          <p:nvPr/>
-        </p:nvSpPr>
-        <p:spPr>
-          <a:xfrm>
-            <a:off x="387178" y="2038864"/>
-            <a:ext cx="1655806" cy="1655806"/>
-          </a:xfrm>
-          <a:prstGeom prst="rect">
-            <a:avLst/>
-          </a:prstGeom>
-          <a:noFill/>
-          <a:ln>
-            <a:solidFill>
-              <a:schemeClr val="tx1"/>
-            </a:solidFill>
-          </a:ln>
-        </p:spPr>
-        <p:style>
-          <a:lnRef idx="2">
-            <a:schemeClr val="accent1">
-              <a:shade val="50000"/>
-            </a:schemeClr>
-          </a:lnRef>
-          <a:fillRef idx="1">
-            <a:schemeClr val="accent1"/>
-          </a:fillRef>
-          <a:effectRef idx="0">
-            <a:schemeClr val="accent1"/>
-          </a:effectRef>
-          <a:fontRef idx="minor">
-            <a:schemeClr val="lt1"/>
-          </a:fontRef>
-        </p:style>
-        <p:txBody>
-          <a:bodyPr rtlCol="0" anchor="ctr"/>
-          <a:lstStyle/>
-          <a:p>
-            <a:pPr algn="ctr"/>
-            <a:r>
-              <a:rPr lang="en-US" dirty="0" smtClean="0">
-                <a:solidFill>
-                  <a:schemeClr val="tx1"/>
-                </a:solidFill>
-              </a:rPr>
-              <a:t>List notify string</a:t>
-            </a:r>
-            <a:endParaRPr lang="en-US" dirty="0">
-              <a:solidFill>
-                <a:schemeClr val="tx1"/>
-              </a:solidFill>
-            </a:endParaRPr>
-          </a:p>
-        </p:txBody>
-      </p:sp>
-    </p:spTree>
-    <p:extLst>
-      <p:ext uri="{BB962C8B-B14F-4D97-AF65-F5344CB8AC3E}">
-        <p14:creationId xmlns:p14="http://schemas.microsoft.com/office/powerpoint/2010/main" val="1718547162"/>
-      </p:ext>
-    </p:extLst>
-  </p:cSld>
-  <p:clrMapOvr>
-    <a:masterClrMapping/>
-  </p:clrMapOvr>
-  <p:timing>
-    <p:tnLst>
-      <p:par>
-        <p:cTn id="1" dur="indefinite" restart="never" nodeType="tmRoot"/>
-      </p:par>
-    </p:tnLst>
-  </p:timing>
-</p:sld>
-</file>
-
-<file path=ppt/slides/slide4.xml><?xml version="1.0" encoding="utf-8"?>
-<p:sld xmlns:a="http://schemas.openxmlformats.org/drawingml/2006/main" xmlns:r="http://schemas.openxmlformats.org/officeDocument/2006/relationships" xmlns:p="http://schemas.openxmlformats.org/presentationml/2006/main">
-  <p:cSld>
-    <p:spTree>
-      <p:nvGrpSpPr>
-        <p:cNvPr id="1" name=""/>
-        <p:cNvGrpSpPr/>
-        <p:nvPr/>
-      </p:nvGrpSpPr>
-      <p:grpSpPr>
-        <a:xfrm>
-          <a:off x="0" y="0"/>
-          <a:ext cx="0" cy="0"/>
-          <a:chOff x="0" y="0"/>
-          <a:chExt cx="0" cy="0"/>
-        </a:xfrm>
-      </p:grpSpPr>
-      <p:sp>
-        <p:nvSpPr>
-          <p:cNvPr id="6" name="Title 5"/>
-          <p:cNvSpPr>
-            <a:spLocks noGrp="1"/>
-          </p:cNvSpPr>
-          <p:nvPr>
-            <p:ph type="title"/>
-          </p:nvPr>
-        </p:nvSpPr>
-        <p:spPr/>
-        <p:txBody>
-          <a:bodyPr>
-            <a:normAutofit/>
-          </a:bodyPr>
-          <a:lstStyle/>
-          <a:p>
-            <a:r>
-              <a:rPr lang="vi-VN" sz="5400" dirty="0" smtClean="0">
-                <a:solidFill>
-                  <a:schemeClr val="bg1"/>
-                </a:solidFill>
-                <a:latin typeface="Cambria"/>
-                <a:ea typeface="Cambria"/>
-                <a:cs typeface="Cambria"/>
-                <a:sym typeface="Cambria"/>
-              </a:rPr>
-              <a:t>Architecture</a:t>
-            </a:r>
-            <a:endParaRPr lang="en-US" sz="5400" dirty="0">
-              <a:solidFill>
-                <a:schemeClr val="bg1"/>
-              </a:solidFill>
-              <a:latin typeface="Cambria"/>
-              <a:ea typeface="Cambria"/>
-              <a:cs typeface="Cambria"/>
-              <a:sym typeface="Cambria"/>
-            </a:endParaRPr>
-          </a:p>
-        </p:txBody>
-      </p:sp>
-      <p:sp>
-        <p:nvSpPr>
-          <p:cNvPr id="5" name="Slide Number Placeholder 4"/>
-          <p:cNvSpPr>
-            <a:spLocks noGrp="1"/>
-          </p:cNvSpPr>
-          <p:nvPr>
-            <p:ph type="sldNum" idx="12"/>
-          </p:nvPr>
-        </p:nvSpPr>
-        <p:spPr/>
-        <p:txBody>
-          <a:bodyPr/>
-          <a:lstStyle/>
-          <a:p>
-            <a:fld id="{00000000-1234-1234-1234-123412341234}" type="slidenum">
-              <a:rPr lang="en" smtClean="0"/>
-              <a:pPr/>
-              <a:t>4</a:t>
-            </a:fld>
-            <a:endParaRPr lang="en"/>
-          </a:p>
-        </p:txBody>
-      </p:sp>
-      <p:sp>
-        <p:nvSpPr>
-          <p:cNvPr id="7" name="Rectangle 6"/>
-          <p:cNvSpPr/>
-          <p:nvPr/>
-        </p:nvSpPr>
-        <p:spPr>
-          <a:xfrm>
-            <a:off x="3027405" y="2038864"/>
-            <a:ext cx="1655806" cy="1655806"/>
-          </a:xfrm>
-          <a:prstGeom prst="rect">
-            <a:avLst/>
-          </a:prstGeom>
-          <a:noFill/>
-          <a:ln>
-            <a:solidFill>
-              <a:schemeClr val="tx1"/>
-            </a:solidFill>
-          </a:ln>
-        </p:spPr>
-        <p:style>
-          <a:lnRef idx="2">
-            <a:schemeClr val="accent1">
-              <a:shade val="50000"/>
-            </a:schemeClr>
-          </a:lnRef>
-          <a:fillRef idx="1">
-            <a:schemeClr val="accent1"/>
-          </a:fillRef>
-          <a:effectRef idx="0">
-            <a:schemeClr val="accent1"/>
-          </a:effectRef>
-          <a:fontRef idx="minor">
-            <a:schemeClr val="lt1"/>
-          </a:fontRef>
-        </p:style>
-        <p:txBody>
-          <a:bodyPr rtlCol="0" anchor="ctr"/>
-          <a:lstStyle/>
-          <a:p>
-            <a:pPr algn="ctr"/>
-            <a:r>
-              <a:rPr lang="en-US" dirty="0" smtClean="0">
-                <a:solidFill>
-                  <a:schemeClr val="tx1"/>
-                </a:solidFill>
-              </a:rPr>
-              <a:t>Select Download button</a:t>
-            </a:r>
-            <a:endParaRPr lang="en-US" dirty="0">
-              <a:solidFill>
-                <a:schemeClr val="tx1"/>
-              </a:solidFill>
-            </a:endParaRPr>
-          </a:p>
-        </p:txBody>
-      </p:sp>
-      <p:sp>
-        <p:nvSpPr>
-          <p:cNvPr id="8" name="Rectangle 7"/>
-          <p:cNvSpPr/>
-          <p:nvPr/>
-        </p:nvSpPr>
-        <p:spPr>
-          <a:xfrm>
-            <a:off x="387178" y="2038864"/>
-            <a:ext cx="1655806" cy="1655806"/>
-          </a:xfrm>
-          <a:prstGeom prst="rect">
-            <a:avLst/>
-          </a:prstGeom>
-          <a:noFill/>
-          <a:ln>
-            <a:solidFill>
-              <a:schemeClr val="tx1"/>
-            </a:solidFill>
-          </a:ln>
-        </p:spPr>
-        <p:style>
-          <a:lnRef idx="2">
-            <a:schemeClr val="accent1">
-              <a:shade val="50000"/>
-            </a:schemeClr>
-          </a:lnRef>
-          <a:fillRef idx="1">
-            <a:schemeClr val="accent1"/>
-          </a:fillRef>
-          <a:effectRef idx="0">
-            <a:schemeClr val="accent1"/>
-          </a:effectRef>
-          <a:fontRef idx="minor">
-            <a:schemeClr val="lt1"/>
-          </a:fontRef>
-        </p:style>
-        <p:txBody>
-          <a:bodyPr rtlCol="0" anchor="ctr"/>
-          <a:lstStyle/>
-          <a:p>
-            <a:pPr algn="ctr"/>
-            <a:r>
-              <a:rPr lang="en-US" dirty="0" smtClean="0">
-                <a:solidFill>
-                  <a:schemeClr val="tx1"/>
-                </a:solidFill>
-              </a:rPr>
-              <a:t>List notify string</a:t>
-            </a:r>
-            <a:endParaRPr lang="en-US" dirty="0">
-              <a:solidFill>
-                <a:schemeClr val="tx1"/>
-              </a:solidFill>
-            </a:endParaRPr>
-          </a:p>
-        </p:txBody>
-      </p:sp>
-      <p:cxnSp>
-        <p:nvCxnSpPr>
-          <p:cNvPr id="10" name="Straight Arrow Connector 9"/>
-          <p:cNvCxnSpPr/>
-          <p:nvPr/>
-        </p:nvCxnSpPr>
-        <p:spPr>
-          <a:xfrm>
-            <a:off x="2042984" y="2866767"/>
-            <a:ext cx="984421" cy="0"/>
-          </a:xfrm>
-          <a:prstGeom prst="straightConnector1">
-            <a:avLst/>
-          </a:prstGeom>
-          <a:ln w="28575">
-            <a:solidFill>
-              <a:schemeClr val="tx1"/>
-            </a:solidFill>
-            <a:tailEnd type="triangle"/>
-          </a:ln>
-        </p:spPr>
-        <p:style>
-          <a:lnRef idx="1">
-            <a:schemeClr val="accent1"/>
-          </a:lnRef>
-          <a:fillRef idx="0">
-            <a:schemeClr val="accent1"/>
-          </a:fillRef>
-          <a:effectRef idx="0">
-            <a:schemeClr val="accent1"/>
-          </a:effectRef>
-          <a:fontRef idx="minor">
-            <a:schemeClr val="tx1"/>
-          </a:fontRef>
-        </p:style>
-      </p:cxnSp>
-    </p:spTree>
-    <p:extLst>
-      <p:ext uri="{BB962C8B-B14F-4D97-AF65-F5344CB8AC3E}">
-        <p14:creationId xmlns:p14="http://schemas.microsoft.com/office/powerpoint/2010/main" val="890954493"/>
-      </p:ext>
-    </p:extLst>
-  </p:cSld>
-  <p:clrMapOvr>
-    <a:masterClrMapping/>
-  </p:clrMapOvr>
-  <p:timing>
-    <p:tnLst>
-      <p:par>
-        <p:cTn id="1" dur="indefinite" restart="never" nodeType="tmRoot"/>
-      </p:par>
-    </p:tnLst>
-  </p:timing>
-</p:sld>
-</file>
-
-<file path=ppt/slides/slide5.xml><?xml version="1.0" encoding="utf-8"?>
-<p:sld xmlns:a="http://schemas.openxmlformats.org/drawingml/2006/main" xmlns:r="http://schemas.openxmlformats.org/officeDocument/2006/relationships" xmlns:p="http://schemas.openxmlformats.org/presentationml/2006/main">
-  <p:cSld>
-    <p:spTree>
-      <p:nvGrpSpPr>
-        <p:cNvPr id="1" name=""/>
-        <p:cNvGrpSpPr/>
-        <p:nvPr/>
-      </p:nvGrpSpPr>
-      <p:grpSpPr>
-        <a:xfrm>
-          <a:off x="0" y="0"/>
-          <a:ext cx="0" cy="0"/>
-          <a:chOff x="0" y="0"/>
-          <a:chExt cx="0" cy="0"/>
-        </a:xfrm>
-      </p:grpSpPr>
-      <p:sp>
-        <p:nvSpPr>
-          <p:cNvPr id="6" name="Title 5"/>
-          <p:cNvSpPr>
-            <a:spLocks noGrp="1"/>
-          </p:cNvSpPr>
-          <p:nvPr>
-            <p:ph type="title"/>
-          </p:nvPr>
-        </p:nvSpPr>
-        <p:spPr/>
-        <p:txBody>
-          <a:bodyPr>
-            <a:normAutofit/>
-          </a:bodyPr>
-          <a:lstStyle/>
-          <a:p>
-            <a:r>
-              <a:rPr lang="vi-VN" sz="5400" dirty="0" smtClean="0">
-                <a:solidFill>
-                  <a:schemeClr val="bg1"/>
-                </a:solidFill>
-                <a:latin typeface="Cambria"/>
-                <a:ea typeface="Cambria"/>
-                <a:cs typeface="Cambria"/>
-                <a:sym typeface="Cambria"/>
-              </a:rPr>
-              <a:t>Architecture</a:t>
-            </a:r>
-            <a:endParaRPr lang="en-US" sz="5400" dirty="0">
-              <a:solidFill>
-                <a:schemeClr val="bg1"/>
-              </a:solidFill>
-              <a:latin typeface="Cambria"/>
-              <a:ea typeface="Cambria"/>
-              <a:cs typeface="Cambria"/>
-              <a:sym typeface="Cambria"/>
-            </a:endParaRPr>
-          </a:p>
-        </p:txBody>
-      </p:sp>
-      <p:sp>
-        <p:nvSpPr>
-          <p:cNvPr id="5" name="Slide Number Placeholder 4"/>
-          <p:cNvSpPr>
-            <a:spLocks noGrp="1"/>
-          </p:cNvSpPr>
-          <p:nvPr>
-            <p:ph type="sldNum" idx="12"/>
-          </p:nvPr>
-        </p:nvSpPr>
-        <p:spPr/>
-        <p:txBody>
-          <a:bodyPr/>
-          <a:lstStyle/>
-          <a:p>
-            <a:fld id="{00000000-1234-1234-1234-123412341234}" type="slidenum">
-              <a:rPr lang="en" smtClean="0"/>
-              <a:pPr/>
-              <a:t>5</a:t>
-            </a:fld>
-            <a:endParaRPr lang="en"/>
-          </a:p>
-        </p:txBody>
-      </p:sp>
-      <p:sp>
-        <p:nvSpPr>
-          <p:cNvPr id="9" name="Rectangle 8"/>
-          <p:cNvSpPr/>
-          <p:nvPr/>
-        </p:nvSpPr>
-        <p:spPr>
-          <a:xfrm>
-            <a:off x="3027405" y="2038864"/>
-            <a:ext cx="1655806" cy="1655806"/>
-          </a:xfrm>
-          <a:prstGeom prst="rect">
-            <a:avLst/>
-          </a:prstGeom>
-          <a:noFill/>
-          <a:ln>
-            <a:solidFill>
-              <a:schemeClr val="tx1"/>
-            </a:solidFill>
-          </a:ln>
-        </p:spPr>
-        <p:style>
-          <a:lnRef idx="2">
-            <a:schemeClr val="accent1">
-              <a:shade val="50000"/>
-            </a:schemeClr>
-          </a:lnRef>
-          <a:fillRef idx="1">
-            <a:schemeClr val="accent1"/>
-          </a:fillRef>
-          <a:effectRef idx="0">
-            <a:schemeClr val="accent1"/>
-          </a:effectRef>
-          <a:fontRef idx="minor">
-            <a:schemeClr val="lt1"/>
-          </a:fontRef>
-        </p:style>
-        <p:txBody>
-          <a:bodyPr rtlCol="0" anchor="ctr"/>
-          <a:lstStyle/>
-          <a:p>
-            <a:pPr algn="ctr"/>
-            <a:r>
-              <a:rPr lang="en-US" dirty="0" smtClean="0">
-                <a:solidFill>
-                  <a:schemeClr val="tx1"/>
-                </a:solidFill>
-              </a:rPr>
-              <a:t>Select Download button</a:t>
-            </a:r>
-            <a:endParaRPr lang="en-US" dirty="0">
-              <a:solidFill>
-                <a:schemeClr val="tx1"/>
-              </a:solidFill>
-            </a:endParaRPr>
-          </a:p>
-        </p:txBody>
-      </p:sp>
-      <p:sp>
-        <p:nvSpPr>
-          <p:cNvPr id="11" name="Rectangle 10"/>
-          <p:cNvSpPr/>
-          <p:nvPr/>
-        </p:nvSpPr>
-        <p:spPr>
-          <a:xfrm>
-            <a:off x="387178" y="2038864"/>
-            <a:ext cx="1655806" cy="1655806"/>
-          </a:xfrm>
-          <a:prstGeom prst="rect">
-            <a:avLst/>
-          </a:prstGeom>
-          <a:noFill/>
-          <a:ln>
-            <a:solidFill>
-              <a:schemeClr val="tx1"/>
-            </a:solidFill>
-          </a:ln>
-        </p:spPr>
-        <p:style>
-          <a:lnRef idx="2">
-            <a:schemeClr val="accent1">
-              <a:shade val="50000"/>
-            </a:schemeClr>
-          </a:lnRef>
-          <a:fillRef idx="1">
-            <a:schemeClr val="accent1"/>
-          </a:fillRef>
-          <a:effectRef idx="0">
-            <a:schemeClr val="accent1"/>
-          </a:effectRef>
-          <a:fontRef idx="minor">
-            <a:schemeClr val="lt1"/>
-          </a:fontRef>
-        </p:style>
-        <p:txBody>
-          <a:bodyPr rtlCol="0" anchor="ctr"/>
-          <a:lstStyle/>
-          <a:p>
-            <a:pPr algn="ctr"/>
-            <a:r>
-              <a:rPr lang="en-US" dirty="0" smtClean="0">
-                <a:solidFill>
-                  <a:schemeClr val="tx1"/>
-                </a:solidFill>
-              </a:rPr>
-              <a:t>List notify string</a:t>
-            </a:r>
-            <a:endParaRPr lang="en-US" dirty="0">
-              <a:solidFill>
-                <a:schemeClr val="tx1"/>
-              </a:solidFill>
-            </a:endParaRPr>
-          </a:p>
-        </p:txBody>
-      </p:sp>
-      <p:cxnSp>
-        <p:nvCxnSpPr>
-          <p:cNvPr id="12" name="Straight Arrow Connector 11"/>
-          <p:cNvCxnSpPr>
-            <a:stCxn id="14" idx="3"/>
-          </p:cNvCxnSpPr>
-          <p:nvPr/>
-        </p:nvCxnSpPr>
-        <p:spPr>
-          <a:xfrm>
-            <a:off x="2042984" y="2866767"/>
-            <a:ext cx="984421" cy="0"/>
-          </a:xfrm>
-          <a:prstGeom prst="straightConnector1">
-            <a:avLst/>
-          </a:prstGeom>
-          <a:ln w="28575">
-            <a:solidFill>
-              <a:schemeClr val="tx1"/>
-            </a:solidFill>
-            <a:tailEnd type="triangle"/>
-          </a:ln>
-        </p:spPr>
-        <p:style>
-          <a:lnRef idx="1">
-            <a:schemeClr val="accent1"/>
-          </a:lnRef>
-          <a:fillRef idx="0">
-            <a:schemeClr val="accent1"/>
-          </a:fillRef>
-          <a:effectRef idx="0">
-            <a:schemeClr val="accent1"/>
-          </a:effectRef>
-          <a:fontRef idx="minor">
-            <a:schemeClr val="tx1"/>
-          </a:fontRef>
-        </p:style>
-      </p:cxnSp>
-      <p:sp>
-        <p:nvSpPr>
-          <p:cNvPr id="13" name="Rectangle 12"/>
-          <p:cNvSpPr/>
-          <p:nvPr/>
-        </p:nvSpPr>
-        <p:spPr>
-          <a:xfrm>
-            <a:off x="5667632" y="2038864"/>
-            <a:ext cx="1655806" cy="1655806"/>
-          </a:xfrm>
-          <a:prstGeom prst="rect">
-            <a:avLst/>
-          </a:prstGeom>
-          <a:noFill/>
-          <a:ln>
-            <a:solidFill>
-              <a:schemeClr val="tx1"/>
-            </a:solidFill>
-          </a:ln>
-        </p:spPr>
-        <p:style>
-          <a:lnRef idx="2">
-            <a:schemeClr val="accent1">
-              <a:shade val="50000"/>
-            </a:schemeClr>
-          </a:lnRef>
-          <a:fillRef idx="1">
-            <a:schemeClr val="accent1"/>
-          </a:fillRef>
-          <a:effectRef idx="0">
-            <a:schemeClr val="accent1"/>
-          </a:effectRef>
-          <a:fontRef idx="minor">
-            <a:schemeClr val="lt1"/>
-          </a:fontRef>
-        </p:style>
-        <p:txBody>
-          <a:bodyPr rtlCol="0" anchor="ctr"/>
-          <a:lstStyle/>
-          <a:p>
-            <a:pPr algn="ctr"/>
-            <a:r>
-              <a:rPr lang="en-US" dirty="0" smtClean="0">
-                <a:solidFill>
-                  <a:schemeClr val="tx1"/>
-                </a:solidFill>
-              </a:rPr>
-              <a:t>FPT Service</a:t>
-            </a:r>
-            <a:endParaRPr lang="en-US" dirty="0">
-              <a:solidFill>
-                <a:schemeClr val="tx1"/>
-              </a:solidFill>
-            </a:endParaRPr>
-          </a:p>
-        </p:txBody>
-      </p:sp>
-      <p:cxnSp>
-        <p:nvCxnSpPr>
-          <p:cNvPr id="14" name="Straight Arrow Connector 13"/>
-          <p:cNvCxnSpPr/>
-          <p:nvPr/>
-        </p:nvCxnSpPr>
-        <p:spPr>
-          <a:xfrm>
-            <a:off x="4683211" y="2858529"/>
-            <a:ext cx="984421" cy="0"/>
-          </a:xfrm>
-          <a:prstGeom prst="straightConnector1">
-            <a:avLst/>
-          </a:prstGeom>
-          <a:ln w="28575">
-            <a:solidFill>
-              <a:schemeClr val="tx1"/>
-            </a:solidFill>
-            <a:tailEnd type="triangle"/>
-          </a:ln>
-        </p:spPr>
-        <p:style>
-          <a:lnRef idx="1">
-            <a:schemeClr val="accent1"/>
-          </a:lnRef>
-          <a:fillRef idx="0">
-            <a:schemeClr val="accent1"/>
-          </a:fillRef>
-          <a:effectRef idx="0">
-            <a:schemeClr val="accent1"/>
-          </a:effectRef>
-          <a:fontRef idx="minor">
-            <a:schemeClr val="tx1"/>
-          </a:fontRef>
-        </p:style>
-      </p:cxnSp>
-    </p:spTree>
-    <p:extLst>
-      <p:ext uri="{BB962C8B-B14F-4D97-AF65-F5344CB8AC3E}">
-        <p14:creationId xmlns:p14="http://schemas.microsoft.com/office/powerpoint/2010/main" val="927076895"/>
-      </p:ext>
-    </p:extLst>
-  </p:cSld>
-  <p:clrMapOvr>
-    <a:masterClrMapping/>
-  </p:clrMapOvr>
-  <p:timing>
-    <p:tnLst>
-      <p:par>
-        <p:cTn id="1" dur="indefinite" restart="never" nodeType="tmRoot"/>
-      </p:par>
-    </p:tnLst>
-  </p:timing>
-</p:sld>
-</file>
-
-<file path=ppt/slides/slide6.xml><?xml version="1.0" encoding="utf-8"?>
-<p:sld xmlns:a="http://schemas.openxmlformats.org/drawingml/2006/main" xmlns:r="http://schemas.openxmlformats.org/officeDocument/2006/relationships" xmlns:p="http://schemas.openxmlformats.org/presentationml/2006/main">
-  <p:cSld>
-    <p:spTree>
-      <p:nvGrpSpPr>
-        <p:cNvPr id="1" name=""/>
-        <p:cNvGrpSpPr/>
-        <p:nvPr/>
-      </p:nvGrpSpPr>
-      <p:grpSpPr>
-        <a:xfrm>
-          <a:off x="0" y="0"/>
-          <a:ext cx="0" cy="0"/>
-          <a:chOff x="0" y="0"/>
-          <a:chExt cx="0" cy="0"/>
-        </a:xfrm>
-      </p:grpSpPr>
-      <p:sp>
-        <p:nvSpPr>
-          <p:cNvPr id="6" name="Title 5"/>
-          <p:cNvSpPr>
-            <a:spLocks noGrp="1"/>
-          </p:cNvSpPr>
-          <p:nvPr>
-            <p:ph type="title"/>
-          </p:nvPr>
-        </p:nvSpPr>
-        <p:spPr/>
-        <p:txBody>
-          <a:bodyPr>
-            <a:normAutofit/>
-          </a:bodyPr>
-          <a:lstStyle/>
-          <a:p>
-            <a:r>
-              <a:rPr lang="vi-VN" sz="5400" dirty="0" smtClean="0">
-                <a:solidFill>
-                  <a:schemeClr val="bg1"/>
-                </a:solidFill>
-                <a:latin typeface="Cambria"/>
-                <a:ea typeface="Cambria"/>
-                <a:cs typeface="Cambria"/>
-                <a:sym typeface="Cambria"/>
-              </a:rPr>
-              <a:t>Architecture</a:t>
-            </a:r>
-            <a:endParaRPr lang="en-US" sz="5400" dirty="0">
-              <a:solidFill>
-                <a:schemeClr val="bg1"/>
-              </a:solidFill>
-              <a:latin typeface="Cambria"/>
-              <a:ea typeface="Cambria"/>
-              <a:cs typeface="Cambria"/>
-              <a:sym typeface="Cambria"/>
-            </a:endParaRPr>
-          </a:p>
-        </p:txBody>
-      </p:sp>
-      <p:sp>
-        <p:nvSpPr>
-          <p:cNvPr id="5" name="Slide Number Placeholder 4"/>
-          <p:cNvSpPr>
-            <a:spLocks noGrp="1"/>
-          </p:cNvSpPr>
-          <p:nvPr>
-            <p:ph type="sldNum" idx="12"/>
-          </p:nvPr>
-        </p:nvSpPr>
-        <p:spPr/>
-        <p:txBody>
-          <a:bodyPr/>
-          <a:lstStyle/>
-          <a:p>
-            <a:fld id="{00000000-1234-1234-1234-123412341234}" type="slidenum">
-              <a:rPr lang="en" smtClean="0"/>
-              <a:pPr/>
-              <a:t>6</a:t>
-            </a:fld>
-            <a:endParaRPr lang="en"/>
-          </a:p>
-        </p:txBody>
-      </p:sp>
-      <p:sp>
-        <p:nvSpPr>
-          <p:cNvPr id="10" name="Rectangle 9"/>
-          <p:cNvSpPr/>
-          <p:nvPr/>
-        </p:nvSpPr>
-        <p:spPr>
-          <a:xfrm>
-            <a:off x="3027405" y="2038864"/>
-            <a:ext cx="1655806" cy="1655806"/>
-          </a:xfrm>
-          <a:prstGeom prst="rect">
-            <a:avLst/>
-          </a:prstGeom>
-          <a:noFill/>
-          <a:ln>
-            <a:solidFill>
-              <a:schemeClr val="tx1"/>
-            </a:solidFill>
-          </a:ln>
-        </p:spPr>
-        <p:style>
-          <a:lnRef idx="2">
-            <a:schemeClr val="accent1">
-              <a:shade val="50000"/>
-            </a:schemeClr>
-          </a:lnRef>
-          <a:fillRef idx="1">
-            <a:schemeClr val="accent1"/>
-          </a:fillRef>
-          <a:effectRef idx="0">
-            <a:schemeClr val="accent1"/>
-          </a:effectRef>
-          <a:fontRef idx="minor">
-            <a:schemeClr val="lt1"/>
-          </a:fontRef>
-        </p:style>
-        <p:txBody>
-          <a:bodyPr rtlCol="0" anchor="ctr"/>
-          <a:lstStyle/>
-          <a:p>
-            <a:pPr algn="ctr"/>
-            <a:r>
-              <a:rPr lang="en-US" dirty="0" smtClean="0">
-                <a:solidFill>
-                  <a:schemeClr val="tx1"/>
-                </a:solidFill>
-              </a:rPr>
-              <a:t>Select Download button</a:t>
-            </a:r>
-            <a:endParaRPr lang="en-US" dirty="0">
-              <a:solidFill>
-                <a:schemeClr val="tx1"/>
-              </a:solidFill>
-            </a:endParaRPr>
-          </a:p>
-        </p:txBody>
-      </p:sp>
-      <p:sp>
-        <p:nvSpPr>
-          <p:cNvPr id="15" name="Rectangle 14"/>
-          <p:cNvSpPr/>
-          <p:nvPr/>
-        </p:nvSpPr>
-        <p:spPr>
-          <a:xfrm>
-            <a:off x="387178" y="2038864"/>
-            <a:ext cx="1655806" cy="1655806"/>
-          </a:xfrm>
-          <a:prstGeom prst="rect">
-            <a:avLst/>
-          </a:prstGeom>
-          <a:noFill/>
-          <a:ln>
-            <a:solidFill>
-              <a:schemeClr val="tx1"/>
-            </a:solidFill>
-          </a:ln>
-        </p:spPr>
-        <p:style>
-          <a:lnRef idx="2">
-            <a:schemeClr val="accent1">
-              <a:shade val="50000"/>
-            </a:schemeClr>
-          </a:lnRef>
-          <a:fillRef idx="1">
-            <a:schemeClr val="accent1"/>
-          </a:fillRef>
-          <a:effectRef idx="0">
-            <a:schemeClr val="accent1"/>
-          </a:effectRef>
-          <a:fontRef idx="minor">
-            <a:schemeClr val="lt1"/>
-          </a:fontRef>
-        </p:style>
-        <p:txBody>
-          <a:bodyPr rtlCol="0" anchor="ctr"/>
-          <a:lstStyle/>
-          <a:p>
-            <a:pPr algn="ctr"/>
-            <a:r>
-              <a:rPr lang="en-US" dirty="0" smtClean="0">
-                <a:solidFill>
-                  <a:schemeClr val="tx1"/>
-                </a:solidFill>
-              </a:rPr>
-              <a:t>List notify string</a:t>
-            </a:r>
-            <a:endParaRPr lang="en-US" dirty="0">
-              <a:solidFill>
-                <a:schemeClr val="tx1"/>
-              </a:solidFill>
-            </a:endParaRPr>
-          </a:p>
-        </p:txBody>
-      </p:sp>
-      <p:cxnSp>
-        <p:nvCxnSpPr>
-          <p:cNvPr id="16" name="Straight Arrow Connector 15"/>
-          <p:cNvCxnSpPr>
-            <a:stCxn id="18" idx="3"/>
-          </p:cNvCxnSpPr>
-          <p:nvPr/>
-        </p:nvCxnSpPr>
-        <p:spPr>
-          <a:xfrm>
-            <a:off x="2042984" y="2866767"/>
-            <a:ext cx="984421" cy="0"/>
-          </a:xfrm>
-          <a:prstGeom prst="straightConnector1">
-            <a:avLst/>
-          </a:prstGeom>
-          <a:ln w="28575">
-            <a:solidFill>
-              <a:schemeClr val="tx1"/>
-            </a:solidFill>
-            <a:tailEnd type="triangle"/>
-          </a:ln>
-        </p:spPr>
-        <p:style>
-          <a:lnRef idx="1">
-            <a:schemeClr val="accent1"/>
-          </a:lnRef>
-          <a:fillRef idx="0">
-            <a:schemeClr val="accent1"/>
-          </a:fillRef>
-          <a:effectRef idx="0">
-            <a:schemeClr val="accent1"/>
-          </a:effectRef>
-          <a:fontRef idx="minor">
-            <a:schemeClr val="tx1"/>
-          </a:fontRef>
-        </p:style>
-      </p:cxnSp>
-      <p:sp>
-        <p:nvSpPr>
-          <p:cNvPr id="17" name="Rectangle 16"/>
-          <p:cNvSpPr/>
-          <p:nvPr/>
-        </p:nvSpPr>
-        <p:spPr>
-          <a:xfrm>
-            <a:off x="5667632" y="2038864"/>
-            <a:ext cx="1655806" cy="1655806"/>
-          </a:xfrm>
-          <a:prstGeom prst="rect">
-            <a:avLst/>
-          </a:prstGeom>
-          <a:noFill/>
-          <a:ln>
-            <a:solidFill>
-              <a:schemeClr val="tx1"/>
-            </a:solidFill>
-          </a:ln>
-        </p:spPr>
-        <p:style>
-          <a:lnRef idx="2">
-            <a:schemeClr val="accent1">
-              <a:shade val="50000"/>
-            </a:schemeClr>
-          </a:lnRef>
-          <a:fillRef idx="1">
-            <a:schemeClr val="accent1"/>
-          </a:fillRef>
-          <a:effectRef idx="0">
-            <a:schemeClr val="accent1"/>
-          </a:effectRef>
-          <a:fontRef idx="minor">
-            <a:schemeClr val="lt1"/>
-          </a:fontRef>
-        </p:style>
-        <p:txBody>
-          <a:bodyPr rtlCol="0" anchor="ctr"/>
-          <a:lstStyle/>
-          <a:p>
-            <a:pPr algn="ctr"/>
-            <a:r>
-              <a:rPr lang="en-US" dirty="0" smtClean="0">
-                <a:solidFill>
-                  <a:schemeClr val="tx1"/>
-                </a:solidFill>
-              </a:rPr>
-              <a:t>FPT Service</a:t>
-            </a:r>
-            <a:endParaRPr lang="en-US" dirty="0">
-              <a:solidFill>
-                <a:schemeClr val="tx1"/>
-              </a:solidFill>
-            </a:endParaRPr>
-          </a:p>
-        </p:txBody>
-      </p:sp>
-      <p:sp>
-        <p:nvSpPr>
-          <p:cNvPr id="18" name="Rectangle 17"/>
-          <p:cNvSpPr/>
-          <p:nvPr/>
-        </p:nvSpPr>
-        <p:spPr>
-          <a:xfrm>
-            <a:off x="5667632" y="4378409"/>
-            <a:ext cx="1655806" cy="1655806"/>
-          </a:xfrm>
-          <a:prstGeom prst="rect">
-            <a:avLst/>
-          </a:prstGeom>
-          <a:noFill/>
-          <a:ln>
-            <a:solidFill>
-              <a:schemeClr val="tx1"/>
-            </a:solidFill>
-          </a:ln>
-        </p:spPr>
-        <p:style>
-          <a:lnRef idx="2">
-            <a:schemeClr val="accent1">
-              <a:shade val="50000"/>
-            </a:schemeClr>
-          </a:lnRef>
-          <a:fillRef idx="1">
-            <a:schemeClr val="accent1"/>
-          </a:fillRef>
-          <a:effectRef idx="0">
-            <a:schemeClr val="accent1"/>
-          </a:effectRef>
-          <a:fontRef idx="minor">
-            <a:schemeClr val="lt1"/>
-          </a:fontRef>
-        </p:style>
-        <p:txBody>
-          <a:bodyPr rtlCol="0" anchor="ctr"/>
-          <a:lstStyle/>
-          <a:p>
-            <a:pPr algn="ctr"/>
-            <a:r>
-              <a:rPr lang="en-US" dirty="0" smtClean="0">
-                <a:solidFill>
-                  <a:schemeClr val="tx1"/>
-                </a:solidFill>
-              </a:rPr>
-              <a:t>Return sound file to mobile</a:t>
-            </a:r>
-            <a:endParaRPr lang="en-US" dirty="0">
-              <a:solidFill>
-                <a:schemeClr val="tx1"/>
-              </a:solidFill>
-            </a:endParaRPr>
-          </a:p>
-        </p:txBody>
-      </p:sp>
-      <p:cxnSp>
-        <p:nvCxnSpPr>
-          <p:cNvPr id="19" name="Straight Arrow Connector 18"/>
-          <p:cNvCxnSpPr/>
-          <p:nvPr/>
-        </p:nvCxnSpPr>
-        <p:spPr>
-          <a:xfrm>
-            <a:off x="4683211" y="2858529"/>
-            <a:ext cx="984421" cy="0"/>
-          </a:xfrm>
-          <a:prstGeom prst="straightConnector1">
-            <a:avLst/>
-          </a:prstGeom>
-          <a:ln w="28575">
-            <a:solidFill>
-              <a:schemeClr val="tx1"/>
-            </a:solidFill>
-            <a:tailEnd type="triangle"/>
-          </a:ln>
-        </p:spPr>
-        <p:style>
-          <a:lnRef idx="1">
-            <a:schemeClr val="accent1"/>
-          </a:lnRef>
-          <a:fillRef idx="0">
-            <a:schemeClr val="accent1"/>
-          </a:fillRef>
-          <a:effectRef idx="0">
-            <a:schemeClr val="accent1"/>
-          </a:effectRef>
-          <a:fontRef idx="minor">
-            <a:schemeClr val="tx1"/>
-          </a:fontRef>
-        </p:style>
-      </p:cxnSp>
-      <p:cxnSp>
-        <p:nvCxnSpPr>
-          <p:cNvPr id="20" name="Straight Arrow Connector 19"/>
-          <p:cNvCxnSpPr/>
-          <p:nvPr/>
-        </p:nvCxnSpPr>
-        <p:spPr>
-          <a:xfrm>
-            <a:off x="6495535" y="3694670"/>
-            <a:ext cx="0" cy="683739"/>
-          </a:xfrm>
-          <a:prstGeom prst="straightConnector1">
-            <a:avLst/>
-          </a:prstGeom>
-          <a:ln w="28575">
-            <a:solidFill>
-              <a:schemeClr val="tx1"/>
-            </a:solidFill>
-            <a:tailEnd type="triangle"/>
-          </a:ln>
-        </p:spPr>
-        <p:style>
-          <a:lnRef idx="1">
-            <a:schemeClr val="accent1"/>
-          </a:lnRef>
-          <a:fillRef idx="0">
-            <a:schemeClr val="accent1"/>
-          </a:fillRef>
-          <a:effectRef idx="0">
-            <a:schemeClr val="accent1"/>
-          </a:effectRef>
-          <a:fontRef idx="minor">
-            <a:schemeClr val="tx1"/>
-          </a:fontRef>
-        </p:style>
-      </p:cxnSp>
-    </p:spTree>
-    <p:extLst>
-      <p:ext uri="{BB962C8B-B14F-4D97-AF65-F5344CB8AC3E}">
-        <p14:creationId xmlns:p14="http://schemas.microsoft.com/office/powerpoint/2010/main" val="921107376"/>
-      </p:ext>
-    </p:extLst>
-  </p:cSld>
-  <p:clrMapOvr>
-    <a:masterClrMapping/>
-  </p:clrMapOvr>
-  <p:timing>
-    <p:tnLst>
-      <p:par>
-        <p:cTn id="1" dur="indefinite" restart="never" nodeType="tmRoot"/>
-      </p:par>
-    </p:tnLst>
-  </p:timing>
-</p:sld>
-</file>
-
-<file path=ppt/slides/slide7.xml><?xml version="1.0" encoding="utf-8"?>
-<p:sld xmlns:a="http://schemas.openxmlformats.org/drawingml/2006/main" xmlns:r="http://schemas.openxmlformats.org/officeDocument/2006/relationships" xmlns:p="http://schemas.openxmlformats.org/presentationml/2006/main">
-  <p:cSld>
-    <p:spTree>
-      <p:nvGrpSpPr>
-        <p:cNvPr id="1" name=""/>
-        <p:cNvGrpSpPr/>
-        <p:nvPr/>
-      </p:nvGrpSpPr>
-      <p:grpSpPr>
-        <a:xfrm>
-          <a:off x="0" y="0"/>
-          <a:ext cx="0" cy="0"/>
-          <a:chOff x="0" y="0"/>
-          <a:chExt cx="0" cy="0"/>
-        </a:xfrm>
-      </p:grpSpPr>
-      <p:sp>
-        <p:nvSpPr>
-          <p:cNvPr id="6" name="Title 5"/>
-          <p:cNvSpPr>
-            <a:spLocks noGrp="1"/>
-          </p:cNvSpPr>
-          <p:nvPr>
-            <p:ph type="title"/>
-          </p:nvPr>
-        </p:nvSpPr>
-        <p:spPr/>
-        <p:txBody>
-          <a:bodyPr>
-            <a:normAutofit/>
-          </a:bodyPr>
-          <a:lstStyle/>
-          <a:p>
-            <a:r>
-              <a:rPr lang="vi-VN" sz="5400" dirty="0" smtClean="0">
-                <a:solidFill>
-                  <a:schemeClr val="bg1"/>
-                </a:solidFill>
-                <a:latin typeface="Cambria"/>
-                <a:ea typeface="Cambria"/>
-                <a:cs typeface="Cambria"/>
-                <a:sym typeface="Cambria"/>
-              </a:rPr>
-              <a:t>Architecture</a:t>
-            </a:r>
-            <a:endParaRPr lang="en-US" sz="5400" dirty="0">
-              <a:solidFill>
-                <a:schemeClr val="bg1"/>
-              </a:solidFill>
-              <a:latin typeface="Cambria"/>
-              <a:ea typeface="Cambria"/>
-              <a:cs typeface="Cambria"/>
-              <a:sym typeface="Cambria"/>
-            </a:endParaRPr>
-          </a:p>
-        </p:txBody>
-      </p:sp>
-      <p:sp>
-        <p:nvSpPr>
-          <p:cNvPr id="5" name="Slide Number Placeholder 4"/>
-          <p:cNvSpPr>
-            <a:spLocks noGrp="1"/>
-          </p:cNvSpPr>
-          <p:nvPr>
-            <p:ph type="sldNum" idx="12"/>
-          </p:nvPr>
-        </p:nvSpPr>
-        <p:spPr/>
-        <p:txBody>
-          <a:bodyPr/>
-          <a:lstStyle/>
-          <a:p>
-            <a:fld id="{00000000-1234-1234-1234-123412341234}" type="slidenum">
-              <a:rPr lang="en" smtClean="0"/>
-              <a:pPr/>
-              <a:t>7</a:t>
-            </a:fld>
-            <a:endParaRPr lang="en"/>
-          </a:p>
-        </p:txBody>
-      </p:sp>
-      <p:sp>
-        <p:nvSpPr>
-          <p:cNvPr id="12" name="Rectangle 11"/>
-          <p:cNvSpPr/>
-          <p:nvPr/>
-        </p:nvSpPr>
-        <p:spPr>
-          <a:xfrm>
-            <a:off x="3027405" y="2038864"/>
-            <a:ext cx="1655806" cy="1655806"/>
-          </a:xfrm>
-          <a:prstGeom prst="rect">
-            <a:avLst/>
-          </a:prstGeom>
-          <a:noFill/>
-          <a:ln>
-            <a:solidFill>
-              <a:schemeClr val="tx1"/>
-            </a:solidFill>
-          </a:ln>
-        </p:spPr>
-        <p:style>
-          <a:lnRef idx="2">
-            <a:schemeClr val="accent1">
-              <a:shade val="50000"/>
-            </a:schemeClr>
-          </a:lnRef>
-          <a:fillRef idx="1">
-            <a:schemeClr val="accent1"/>
-          </a:fillRef>
-          <a:effectRef idx="0">
-            <a:schemeClr val="accent1"/>
-          </a:effectRef>
-          <a:fontRef idx="minor">
-            <a:schemeClr val="lt1"/>
-          </a:fontRef>
-        </p:style>
-        <p:txBody>
-          <a:bodyPr rtlCol="0" anchor="ctr"/>
-          <a:lstStyle/>
-          <a:p>
-            <a:pPr algn="ctr"/>
-            <a:r>
-              <a:rPr lang="en-US" dirty="0" smtClean="0">
-                <a:solidFill>
-                  <a:schemeClr val="tx1"/>
-                </a:solidFill>
-              </a:rPr>
-              <a:t>Select Download button</a:t>
-            </a:r>
-            <a:endParaRPr lang="en-US" dirty="0">
-              <a:solidFill>
-                <a:schemeClr val="tx1"/>
-              </a:solidFill>
-            </a:endParaRPr>
-          </a:p>
-        </p:txBody>
-      </p:sp>
-      <p:sp>
-        <p:nvSpPr>
-          <p:cNvPr id="13" name="Rectangle 12"/>
-          <p:cNvSpPr/>
-          <p:nvPr/>
-        </p:nvSpPr>
-        <p:spPr>
-          <a:xfrm>
-            <a:off x="387178" y="2038864"/>
-            <a:ext cx="1655806" cy="1655806"/>
-          </a:xfrm>
-          <a:prstGeom prst="rect">
-            <a:avLst/>
-          </a:prstGeom>
-          <a:noFill/>
-          <a:ln>
-            <a:solidFill>
-              <a:schemeClr val="tx1"/>
-            </a:solidFill>
-          </a:ln>
-        </p:spPr>
-        <p:style>
-          <a:lnRef idx="2">
-            <a:schemeClr val="accent1">
-              <a:shade val="50000"/>
-            </a:schemeClr>
-          </a:lnRef>
-          <a:fillRef idx="1">
-            <a:schemeClr val="accent1"/>
-          </a:fillRef>
-          <a:effectRef idx="0">
-            <a:schemeClr val="accent1"/>
-          </a:effectRef>
-          <a:fontRef idx="minor">
-            <a:schemeClr val="lt1"/>
-          </a:fontRef>
-        </p:style>
-        <p:txBody>
-          <a:bodyPr rtlCol="0" anchor="ctr"/>
-          <a:lstStyle/>
-          <a:p>
-            <a:pPr algn="ctr"/>
-            <a:r>
-              <a:rPr lang="en-US" dirty="0" smtClean="0">
-                <a:solidFill>
-                  <a:schemeClr val="tx1"/>
-                </a:solidFill>
-              </a:rPr>
-              <a:t>List notify string</a:t>
-            </a:r>
-            <a:endParaRPr lang="en-US" dirty="0">
-              <a:solidFill>
-                <a:schemeClr val="tx1"/>
-              </a:solidFill>
-            </a:endParaRPr>
-          </a:p>
-        </p:txBody>
-      </p:sp>
-      <p:cxnSp>
-        <p:nvCxnSpPr>
-          <p:cNvPr id="14" name="Straight Arrow Connector 13"/>
-          <p:cNvCxnSpPr>
-            <a:stCxn id="22" idx="3"/>
-          </p:cNvCxnSpPr>
-          <p:nvPr/>
-        </p:nvCxnSpPr>
-        <p:spPr>
-          <a:xfrm>
-            <a:off x="2042984" y="2866767"/>
-            <a:ext cx="984421" cy="0"/>
-          </a:xfrm>
-          <a:prstGeom prst="straightConnector1">
-            <a:avLst/>
-          </a:prstGeom>
-          <a:ln w="28575">
-            <a:solidFill>
-              <a:schemeClr val="tx1"/>
-            </a:solidFill>
-            <a:tailEnd type="triangle"/>
-          </a:ln>
-        </p:spPr>
-        <p:style>
-          <a:lnRef idx="1">
-            <a:schemeClr val="accent1"/>
-          </a:lnRef>
-          <a:fillRef idx="0">
-            <a:schemeClr val="accent1"/>
-          </a:fillRef>
-          <a:effectRef idx="0">
-            <a:schemeClr val="accent1"/>
-          </a:effectRef>
-          <a:fontRef idx="minor">
-            <a:schemeClr val="tx1"/>
-          </a:fontRef>
-        </p:style>
-      </p:cxnSp>
-      <p:sp>
-        <p:nvSpPr>
-          <p:cNvPr id="21" name="Rectangle 20"/>
-          <p:cNvSpPr/>
-          <p:nvPr/>
-        </p:nvSpPr>
-        <p:spPr>
-          <a:xfrm>
-            <a:off x="5667632" y="2038864"/>
-            <a:ext cx="1655806" cy="1655806"/>
-          </a:xfrm>
-          <a:prstGeom prst="rect">
-            <a:avLst/>
-          </a:prstGeom>
-          <a:noFill/>
-          <a:ln>
-            <a:solidFill>
-              <a:schemeClr val="tx1"/>
-            </a:solidFill>
-          </a:ln>
-        </p:spPr>
-        <p:style>
-          <a:lnRef idx="2">
-            <a:schemeClr val="accent1">
-              <a:shade val="50000"/>
-            </a:schemeClr>
-          </a:lnRef>
-          <a:fillRef idx="1">
-            <a:schemeClr val="accent1"/>
-          </a:fillRef>
-          <a:effectRef idx="0">
-            <a:schemeClr val="accent1"/>
-          </a:effectRef>
-          <a:fontRef idx="minor">
-            <a:schemeClr val="lt1"/>
-          </a:fontRef>
-        </p:style>
-        <p:txBody>
-          <a:bodyPr rtlCol="0" anchor="ctr"/>
-          <a:lstStyle/>
-          <a:p>
-            <a:pPr algn="ctr"/>
-            <a:r>
-              <a:rPr lang="en-US" dirty="0" smtClean="0">
-                <a:solidFill>
-                  <a:schemeClr val="tx1"/>
-                </a:solidFill>
-              </a:rPr>
-              <a:t>FPT Service</a:t>
-            </a:r>
-            <a:endParaRPr lang="en-US" dirty="0">
-              <a:solidFill>
-                <a:schemeClr val="tx1"/>
-              </a:solidFill>
-            </a:endParaRPr>
-          </a:p>
-        </p:txBody>
-      </p:sp>
-      <p:sp>
-        <p:nvSpPr>
-          <p:cNvPr id="22" name="Rectangle 21"/>
-          <p:cNvSpPr/>
-          <p:nvPr/>
-        </p:nvSpPr>
-        <p:spPr>
-          <a:xfrm>
-            <a:off x="5667632" y="4378409"/>
-            <a:ext cx="1655806" cy="1655806"/>
-          </a:xfrm>
-          <a:prstGeom prst="rect">
-            <a:avLst/>
-          </a:prstGeom>
-          <a:noFill/>
-          <a:ln>
-            <a:solidFill>
-              <a:schemeClr val="tx1"/>
-            </a:solidFill>
-          </a:ln>
-        </p:spPr>
-        <p:style>
-          <a:lnRef idx="2">
-            <a:schemeClr val="accent1">
-              <a:shade val="50000"/>
-            </a:schemeClr>
-          </a:lnRef>
-          <a:fillRef idx="1">
-            <a:schemeClr val="accent1"/>
-          </a:fillRef>
-          <a:effectRef idx="0">
-            <a:schemeClr val="accent1"/>
-          </a:effectRef>
-          <a:fontRef idx="minor">
-            <a:schemeClr val="lt1"/>
-          </a:fontRef>
-        </p:style>
-        <p:txBody>
-          <a:bodyPr rtlCol="0" anchor="ctr"/>
-          <a:lstStyle/>
-          <a:p>
-            <a:pPr algn="ctr"/>
-            <a:r>
-              <a:rPr lang="en-US" dirty="0" smtClean="0">
-                <a:solidFill>
-                  <a:schemeClr val="tx1"/>
-                </a:solidFill>
-              </a:rPr>
-              <a:t>Return sound file to mobile</a:t>
-            </a:r>
-            <a:endParaRPr lang="en-US" dirty="0">
-              <a:solidFill>
-                <a:schemeClr val="tx1"/>
-              </a:solidFill>
-            </a:endParaRPr>
-          </a:p>
-        </p:txBody>
-      </p:sp>
-      <p:sp>
-        <p:nvSpPr>
-          <p:cNvPr id="23" name="Rectangle 22"/>
-          <p:cNvSpPr/>
-          <p:nvPr/>
-        </p:nvSpPr>
-        <p:spPr>
-          <a:xfrm>
-            <a:off x="3027405" y="4378409"/>
-            <a:ext cx="1655806" cy="1655806"/>
-          </a:xfrm>
-          <a:prstGeom prst="rect">
-            <a:avLst/>
-          </a:prstGeom>
-          <a:noFill/>
-          <a:ln>
-            <a:solidFill>
-              <a:schemeClr val="tx1"/>
-            </a:solidFill>
-          </a:ln>
-        </p:spPr>
-        <p:style>
-          <a:lnRef idx="2">
-            <a:schemeClr val="accent1">
-              <a:shade val="50000"/>
-            </a:schemeClr>
-          </a:lnRef>
-          <a:fillRef idx="1">
-            <a:schemeClr val="accent1"/>
-          </a:fillRef>
-          <a:effectRef idx="0">
-            <a:schemeClr val="accent1"/>
-          </a:effectRef>
-          <a:fontRef idx="minor">
-            <a:schemeClr val="lt1"/>
-          </a:fontRef>
-        </p:style>
-        <p:txBody>
-          <a:bodyPr rtlCol="0" anchor="ctr"/>
-          <a:lstStyle/>
-          <a:p>
-            <a:pPr algn="ctr"/>
-            <a:r>
-              <a:rPr lang="en-US" dirty="0" smtClean="0">
-                <a:solidFill>
-                  <a:schemeClr val="tx1"/>
-                </a:solidFill>
-              </a:rPr>
-              <a:t>Save to storage</a:t>
-            </a:r>
-            <a:endParaRPr lang="en-US" dirty="0">
-              <a:solidFill>
-                <a:schemeClr val="tx1"/>
-              </a:solidFill>
-            </a:endParaRPr>
-          </a:p>
-        </p:txBody>
-      </p:sp>
-      <p:cxnSp>
-        <p:nvCxnSpPr>
-          <p:cNvPr id="24" name="Straight Arrow Connector 23"/>
-          <p:cNvCxnSpPr/>
-          <p:nvPr/>
-        </p:nvCxnSpPr>
-        <p:spPr>
-          <a:xfrm>
-            <a:off x="4683211" y="2858529"/>
-            <a:ext cx="984421" cy="0"/>
-          </a:xfrm>
-          <a:prstGeom prst="straightConnector1">
-            <a:avLst/>
-          </a:prstGeom>
-          <a:ln w="28575">
-            <a:solidFill>
-              <a:schemeClr val="tx1"/>
-            </a:solidFill>
-            <a:tailEnd type="triangle"/>
-          </a:ln>
-        </p:spPr>
-        <p:style>
-          <a:lnRef idx="1">
-            <a:schemeClr val="accent1"/>
-          </a:lnRef>
-          <a:fillRef idx="0">
-            <a:schemeClr val="accent1"/>
-          </a:fillRef>
-          <a:effectRef idx="0">
-            <a:schemeClr val="accent1"/>
-          </a:effectRef>
-          <a:fontRef idx="minor">
-            <a:schemeClr val="tx1"/>
-          </a:fontRef>
-        </p:style>
-      </p:cxnSp>
-      <p:cxnSp>
-        <p:nvCxnSpPr>
-          <p:cNvPr id="25" name="Straight Arrow Connector 24"/>
-          <p:cNvCxnSpPr>
-            <a:stCxn id="25" idx="2"/>
-          </p:cNvCxnSpPr>
-          <p:nvPr/>
-        </p:nvCxnSpPr>
-        <p:spPr>
-          <a:xfrm>
-            <a:off x="6495535" y="3694670"/>
-            <a:ext cx="0" cy="683739"/>
-          </a:xfrm>
-          <a:prstGeom prst="straightConnector1">
-            <a:avLst/>
-          </a:prstGeom>
-          <a:ln w="28575">
-            <a:solidFill>
-              <a:schemeClr val="tx1"/>
-            </a:solidFill>
-            <a:tailEnd type="triangle"/>
-          </a:ln>
-        </p:spPr>
-        <p:style>
-          <a:lnRef idx="1">
-            <a:schemeClr val="accent1"/>
-          </a:lnRef>
-          <a:fillRef idx="0">
-            <a:schemeClr val="accent1"/>
-          </a:fillRef>
-          <a:effectRef idx="0">
-            <a:schemeClr val="accent1"/>
-          </a:effectRef>
-          <a:fontRef idx="minor">
-            <a:schemeClr val="tx1"/>
-          </a:fontRef>
-        </p:style>
-      </p:cxnSp>
-      <p:cxnSp>
-        <p:nvCxnSpPr>
-          <p:cNvPr id="26" name="Straight Arrow Connector 25"/>
-          <p:cNvCxnSpPr/>
-          <p:nvPr/>
-        </p:nvCxnSpPr>
-        <p:spPr>
-          <a:xfrm flipH="1">
-            <a:off x="4683211" y="5206312"/>
-            <a:ext cx="984421" cy="0"/>
-          </a:xfrm>
-          <a:prstGeom prst="straightConnector1">
-            <a:avLst/>
-          </a:prstGeom>
-          <a:ln w="28575">
-            <a:solidFill>
-              <a:schemeClr val="tx1"/>
-            </a:solidFill>
-            <a:tailEnd type="triangle"/>
-          </a:ln>
-        </p:spPr>
-        <p:style>
-          <a:lnRef idx="1">
-            <a:schemeClr val="accent1"/>
-          </a:lnRef>
-          <a:fillRef idx="0">
-            <a:schemeClr val="accent1"/>
-          </a:fillRef>
-          <a:effectRef idx="0">
-            <a:schemeClr val="accent1"/>
-          </a:effectRef>
-          <a:fontRef idx="minor">
-            <a:schemeClr val="tx1"/>
-          </a:fontRef>
-        </p:style>
-      </p:cxnSp>
-    </p:spTree>
-    <p:extLst>
-      <p:ext uri="{BB962C8B-B14F-4D97-AF65-F5344CB8AC3E}">
-        <p14:creationId xmlns:p14="http://schemas.microsoft.com/office/powerpoint/2010/main" val="321358643"/>
-      </p:ext>
-    </p:extLst>
-  </p:cSld>
-  <p:clrMapOvr>
-    <a:masterClrMapping/>
-  </p:clrMapOvr>
-  <p:timing>
-    <p:tnLst>
-      <p:par>
-        <p:cTn id="1" dur="indefinite" restart="never" nodeType="tmRoot"/>
-      </p:par>
-    </p:tnLst>
-  </p:timing>
-</p:sld>
-</file>
-
-<file path=ppt/slides/slide8.xml><?xml version="1.0" encoding="utf-8"?>
-<p:sld xmlns:a="http://schemas.openxmlformats.org/drawingml/2006/main" xmlns:r="http://schemas.openxmlformats.org/officeDocument/2006/relationships" xmlns:p="http://schemas.openxmlformats.org/presentationml/2006/main">
-  <p:cSld>
-    <p:spTree>
-      <p:nvGrpSpPr>
-        <p:cNvPr id="1" name=""/>
-        <p:cNvGrpSpPr/>
-        <p:nvPr/>
-      </p:nvGrpSpPr>
-      <p:grpSpPr>
-        <a:xfrm>
-          <a:off x="0" y="0"/>
-          <a:ext cx="0" cy="0"/>
-          <a:chOff x="0" y="0"/>
-          <a:chExt cx="0" cy="0"/>
-        </a:xfrm>
-      </p:grpSpPr>
-      <p:sp>
-        <p:nvSpPr>
-          <p:cNvPr id="6" name="Title 5"/>
-          <p:cNvSpPr>
-            <a:spLocks noGrp="1"/>
-          </p:cNvSpPr>
-          <p:nvPr>
-            <p:ph type="title"/>
-          </p:nvPr>
-        </p:nvSpPr>
-        <p:spPr/>
-        <p:txBody>
-          <a:bodyPr>
-            <a:normAutofit/>
-          </a:bodyPr>
-          <a:lstStyle/>
-          <a:p>
-            <a:r>
-              <a:rPr lang="vi-VN" sz="5400" dirty="0" smtClean="0">
-                <a:solidFill>
-                  <a:schemeClr val="bg1"/>
-                </a:solidFill>
-                <a:latin typeface="Cambria"/>
-                <a:ea typeface="Cambria"/>
-                <a:cs typeface="Cambria"/>
-                <a:sym typeface="Cambria"/>
-              </a:rPr>
-              <a:t>DEMO</a:t>
-            </a:r>
-            <a:endParaRPr lang="en-US" sz="5400" dirty="0">
-              <a:solidFill>
-                <a:schemeClr val="bg1"/>
-              </a:solidFill>
-              <a:latin typeface="Cambria"/>
-              <a:ea typeface="Cambria"/>
-              <a:cs typeface="Cambria"/>
-              <a:sym typeface="Cambria"/>
-            </a:endParaRPr>
-          </a:p>
-        </p:txBody>
-      </p:sp>
-      <p:sp>
-        <p:nvSpPr>
-          <p:cNvPr id="5" name="Slide Number Placeholder 4"/>
-          <p:cNvSpPr>
-            <a:spLocks noGrp="1"/>
-          </p:cNvSpPr>
-          <p:nvPr>
-            <p:ph type="sldNum" idx="12"/>
-          </p:nvPr>
-        </p:nvSpPr>
-        <p:spPr/>
-        <p:txBody>
-          <a:bodyPr/>
-          <a:lstStyle/>
-          <a:p>
-            <a:fld id="{00000000-1234-1234-1234-123412341234}" type="slidenum">
-              <a:rPr lang="en" smtClean="0"/>
-              <a:pPr/>
-              <a:t>8</a:t>
-            </a:fld>
-            <a:endParaRPr lang="en"/>
-          </a:p>
-        </p:txBody>
-      </p:sp>
-      <p:sp>
-        <p:nvSpPr>
-          <p:cNvPr id="15" name="Content Placeholder 2"/>
+          <p:cNvPr id="7" name="Content Placeholder 2"/>
           <p:cNvSpPr txBox="1">
             <a:spLocks/>
           </p:cNvSpPr>
@@ -6984,55 +6683,2089 @@
             </a:lvl9pPr>
           </a:lstStyle>
           <a:p>
-            <a:pPr marL="514350" indent="-514350">
-              <a:buFont typeface="Arial" panose="020B0604020202020204" pitchFamily="34" charset="0"/>
-              <a:buAutoNum type="arabicPeriod"/>
-            </a:pPr>
             <a:r>
               <a:rPr lang="en-US" dirty="0" smtClean="0"/>
-              <a:t>Download audio files to mobile device</a:t>
-            </a:r>
-          </a:p>
-          <a:p>
-            <a:pPr marL="514350" indent="-514350">
-              <a:buFont typeface="Arial" panose="020B0604020202020204" pitchFamily="34" charset="0"/>
-              <a:buAutoNum type="arabicPeriod"/>
-            </a:pPr>
+              <a:t>Provide notify by sound function. </a:t>
+            </a:r>
+            <a:endParaRPr lang="en-US" dirty="0"/>
+          </a:p>
+        </p:txBody>
+      </p:sp>
+      <p:pic>
+        <p:nvPicPr>
+          <p:cNvPr id="9" name="Picture 8"/>
+          <p:cNvPicPr>
+            <a:picLocks noChangeAspect="1"/>
+          </p:cNvPicPr>
+          <p:nvPr/>
+        </p:nvPicPr>
+        <p:blipFill>
+          <a:blip r:embed="rId3" cstate="print">
+            <a:extLst>
+              <a:ext uri="{28A0092B-C50C-407E-A947-70E740481C1C}">
+                <a14:useLocalDpi xmlns:a14="http://schemas.microsoft.com/office/drawing/2010/main" val="0"/>
+              </a:ext>
+            </a:extLst>
+          </a:blip>
+          <a:stretch>
+            <a:fillRect/>
+          </a:stretch>
+        </p:blipFill>
+        <p:spPr>
+          <a:xfrm>
+            <a:off x="1607255" y="3129602"/>
+            <a:ext cx="1306902" cy="1306902"/>
+          </a:xfrm>
+          <a:prstGeom prst="rect">
+            <a:avLst/>
+          </a:prstGeom>
+        </p:spPr>
+      </p:pic>
+      <p:sp>
+        <p:nvSpPr>
+          <p:cNvPr id="10" name="TextBox 9"/>
+          <p:cNvSpPr txBox="1"/>
+          <p:nvPr/>
+        </p:nvSpPr>
+        <p:spPr>
+          <a:xfrm>
+            <a:off x="1581802" y="4251838"/>
+            <a:ext cx="1437958" cy="369332"/>
+          </a:xfrm>
+          <a:prstGeom prst="rect">
+            <a:avLst/>
+          </a:prstGeom>
+          <a:noFill/>
+        </p:spPr>
+        <p:txBody>
+          <a:bodyPr wrap="none" rtlCol="0">
+            <a:spAutoFit/>
+          </a:bodyPr>
+          <a:lstStyle/>
+          <a:p>
             <a:r>
               <a:rPr lang="en-US" dirty="0" smtClean="0"/>
-              <a:t>Start tracking and notify</a:t>
-            </a:r>
-          </a:p>
-          <a:p>
-            <a:pPr marL="514350" indent="-514350">
-              <a:buFont typeface="Arial" panose="020B0604020202020204" pitchFamily="34" charset="0"/>
-              <a:buAutoNum type="arabicPeriod"/>
-            </a:pPr>
-            <a:r>
-              <a:rPr lang="en-US" dirty="0" smtClean="0"/>
-              <a:t>At each turn will have sound notify</a:t>
+              <a:t>Street Router</a:t>
             </a:r>
             <a:endParaRPr lang="en-US" dirty="0"/>
           </a:p>
         </p:txBody>
       </p:sp>
+      <p:cxnSp>
+        <p:nvCxnSpPr>
+          <p:cNvPr id="3" name="Straight Arrow Connector 2"/>
+          <p:cNvCxnSpPr>
+            <a:stCxn id="9" idx="3"/>
+          </p:cNvCxnSpPr>
+          <p:nvPr/>
+        </p:nvCxnSpPr>
+        <p:spPr>
+          <a:xfrm>
+            <a:off x="2914157" y="3783053"/>
+            <a:ext cx="3403068" cy="0"/>
+          </a:xfrm>
+          <a:prstGeom prst="straightConnector1">
+            <a:avLst/>
+          </a:prstGeom>
+          <a:ln w="28575">
+            <a:solidFill>
+              <a:schemeClr val="tx1"/>
+            </a:solidFill>
+            <a:tailEnd type="triangle"/>
+          </a:ln>
+        </p:spPr>
+        <p:style>
+          <a:lnRef idx="1">
+            <a:schemeClr val="accent1"/>
+          </a:lnRef>
+          <a:fillRef idx="0">
+            <a:schemeClr val="accent1"/>
+          </a:fillRef>
+          <a:effectRef idx="0">
+            <a:schemeClr val="accent1"/>
+          </a:effectRef>
+          <a:fontRef idx="minor">
+            <a:schemeClr val="tx1"/>
+          </a:fontRef>
+        </p:style>
+      </p:cxnSp>
+      <p:pic>
+        <p:nvPicPr>
+          <p:cNvPr id="11" name="Picture 10"/>
+          <p:cNvPicPr>
+            <a:picLocks noChangeAspect="1"/>
+          </p:cNvPicPr>
+          <p:nvPr/>
+        </p:nvPicPr>
+        <p:blipFill>
+          <a:blip r:embed="rId4" cstate="print">
+            <a:extLst>
+              <a:ext uri="{28A0092B-C50C-407E-A947-70E740481C1C}">
+                <a14:useLocalDpi xmlns:a14="http://schemas.microsoft.com/office/drawing/2010/main" val="0"/>
+              </a:ext>
+            </a:extLst>
+          </a:blip>
+          <a:stretch>
+            <a:fillRect/>
+          </a:stretch>
+        </p:blipFill>
+        <p:spPr>
+          <a:xfrm>
+            <a:off x="6787219" y="3236248"/>
+            <a:ext cx="1093610" cy="1093610"/>
+          </a:xfrm>
+          <a:prstGeom prst="rect">
+            <a:avLst/>
+          </a:prstGeom>
+        </p:spPr>
+      </p:pic>
     </p:spTree>
     <p:extLst>
       <p:ext uri="{BB962C8B-B14F-4D97-AF65-F5344CB8AC3E}">
-        <p14:creationId xmlns:p14="http://schemas.microsoft.com/office/powerpoint/2010/main" val="702281884"/>
+        <p14:creationId xmlns:p14="http://schemas.microsoft.com/office/powerpoint/2010/main" val="1628417014"/>
       </p:ext>
     </p:extLst>
   </p:cSld>
   <p:clrMapOvr>
     <a:masterClrMapping/>
   </p:clrMapOvr>
-  <p:timing>
-    <p:tnLst>
-      <p:par>
-        <p:cTn id="1" dur="indefinite" restart="never" nodeType="tmRoot"/>
-      </p:par>
-    </p:tnLst>
-  </p:timing>
+</p:sld>
+</file>
+
+<file path=ppt/slides/slide3.xml><?xml version="1.0" encoding="utf-8"?>
+<p:sld xmlns:a="http://schemas.openxmlformats.org/drawingml/2006/main" xmlns:r="http://schemas.openxmlformats.org/officeDocument/2006/relationships" xmlns:p="http://schemas.openxmlformats.org/presentationml/2006/main">
+  <p:cSld>
+    <p:spTree>
+      <p:nvGrpSpPr>
+        <p:cNvPr id="1" name=""/>
+        <p:cNvGrpSpPr/>
+        <p:nvPr/>
+      </p:nvGrpSpPr>
+      <p:grpSpPr>
+        <a:xfrm>
+          <a:off x="0" y="0"/>
+          <a:ext cx="0" cy="0"/>
+          <a:chOff x="0" y="0"/>
+          <a:chExt cx="0" cy="0"/>
+        </a:xfrm>
+      </p:grpSpPr>
+      <p:sp>
+        <p:nvSpPr>
+          <p:cNvPr id="6" name="Title 5"/>
+          <p:cNvSpPr>
+            <a:spLocks noGrp="1"/>
+          </p:cNvSpPr>
+          <p:nvPr>
+            <p:ph type="title"/>
+          </p:nvPr>
+        </p:nvSpPr>
+        <p:spPr/>
+        <p:txBody>
+          <a:bodyPr>
+            <a:normAutofit/>
+          </a:bodyPr>
+          <a:lstStyle/>
+          <a:p>
+            <a:r>
+              <a:rPr lang="vi-VN" sz="5400" dirty="0" smtClean="0">
+                <a:solidFill>
+                  <a:schemeClr val="bg1"/>
+                </a:solidFill>
+                <a:latin typeface="Cambria"/>
+                <a:ea typeface="Cambria"/>
+                <a:cs typeface="Cambria"/>
+                <a:sym typeface="Cambria"/>
+              </a:rPr>
+              <a:t>Architecture</a:t>
+            </a:r>
+            <a:endParaRPr lang="en-US" sz="5400" dirty="0">
+              <a:solidFill>
+                <a:schemeClr val="bg1"/>
+              </a:solidFill>
+              <a:latin typeface="Cambria"/>
+              <a:ea typeface="Cambria"/>
+              <a:cs typeface="Cambria"/>
+              <a:sym typeface="Cambria"/>
+            </a:endParaRPr>
+          </a:p>
+        </p:txBody>
+      </p:sp>
+      <p:sp>
+        <p:nvSpPr>
+          <p:cNvPr id="5" name="Slide Number Placeholder 4"/>
+          <p:cNvSpPr>
+            <a:spLocks noGrp="1"/>
+          </p:cNvSpPr>
+          <p:nvPr>
+            <p:ph type="sldNum" idx="12"/>
+          </p:nvPr>
+        </p:nvSpPr>
+        <p:spPr/>
+        <p:txBody>
+          <a:bodyPr/>
+          <a:lstStyle/>
+          <a:p>
+            <a:fld id="{00000000-1234-1234-1234-123412341234}" type="slidenum">
+              <a:rPr lang="en" smtClean="0"/>
+              <a:pPr/>
+              <a:t>3</a:t>
+            </a:fld>
+            <a:endParaRPr lang="en"/>
+          </a:p>
+        </p:txBody>
+      </p:sp>
+      <p:pic>
+        <p:nvPicPr>
+          <p:cNvPr id="1026" name="Picture 2" descr="http://www.planet3films.com/wp-content/uploads/2012/01/download-button.png"/>
+          <p:cNvPicPr>
+            <a:picLocks noChangeAspect="1" noChangeArrowheads="1"/>
+          </p:cNvPicPr>
+          <p:nvPr/>
+        </p:nvPicPr>
+        <p:blipFill>
+          <a:blip r:embed="rId3" cstate="print">
+            <a:extLst>
+              <a:ext uri="{28A0092B-C50C-407E-A947-70E740481C1C}">
+                <a14:useLocalDpi xmlns:a14="http://schemas.microsoft.com/office/drawing/2010/main" val="0"/>
+              </a:ext>
+            </a:extLst>
+          </a:blip>
+          <a:srcRect/>
+          <a:stretch>
+            <a:fillRect/>
+          </a:stretch>
+        </p:blipFill>
+        <p:spPr bwMode="auto">
+          <a:xfrm>
+            <a:off x="457200" y="1976542"/>
+            <a:ext cx="969840" cy="927167"/>
+          </a:xfrm>
+          <a:prstGeom prst="rect">
+            <a:avLst/>
+          </a:prstGeom>
+          <a:noFill/>
+          <a:extLst>
+            <a:ext uri="{909E8E84-426E-40DD-AFC4-6F175D3DCCD1}">
+              <a14:hiddenFill xmlns:a14="http://schemas.microsoft.com/office/drawing/2010/main">
+                <a:solidFill>
+                  <a:srgbClr val="FFFFFF"/>
+                </a:solidFill>
+              </a14:hiddenFill>
+            </a:ext>
+          </a:extLst>
+        </p:spPr>
+      </p:pic>
+    </p:spTree>
+    <p:extLst>
+      <p:ext uri="{BB962C8B-B14F-4D97-AF65-F5344CB8AC3E}">
+        <p14:creationId xmlns:p14="http://schemas.microsoft.com/office/powerpoint/2010/main" val="1718547162"/>
+      </p:ext>
+    </p:extLst>
+  </p:cSld>
+  <p:clrMapOvr>
+    <a:masterClrMapping/>
+  </p:clrMapOvr>
+</p:sld>
+</file>
+
+<file path=ppt/slides/slide4.xml><?xml version="1.0" encoding="utf-8"?>
+<p:sld xmlns:a="http://schemas.openxmlformats.org/drawingml/2006/main" xmlns:r="http://schemas.openxmlformats.org/officeDocument/2006/relationships" xmlns:p="http://schemas.openxmlformats.org/presentationml/2006/main">
+  <p:cSld>
+    <p:spTree>
+      <p:nvGrpSpPr>
+        <p:cNvPr id="1" name=""/>
+        <p:cNvGrpSpPr/>
+        <p:nvPr/>
+      </p:nvGrpSpPr>
+      <p:grpSpPr>
+        <a:xfrm>
+          <a:off x="0" y="0"/>
+          <a:ext cx="0" cy="0"/>
+          <a:chOff x="0" y="0"/>
+          <a:chExt cx="0" cy="0"/>
+        </a:xfrm>
+      </p:grpSpPr>
+      <p:pic>
+        <p:nvPicPr>
+          <p:cNvPr id="4" name="Picture 2" descr="http://www.planet3films.com/wp-content/uploads/2012/01/download-button.png"/>
+          <p:cNvPicPr>
+            <a:picLocks noChangeAspect="1" noChangeArrowheads="1"/>
+          </p:cNvPicPr>
+          <p:nvPr/>
+        </p:nvPicPr>
+        <p:blipFill>
+          <a:blip r:embed="rId2" cstate="print">
+            <a:extLst>
+              <a:ext uri="{28A0092B-C50C-407E-A947-70E740481C1C}">
+                <a14:useLocalDpi xmlns:a14="http://schemas.microsoft.com/office/drawing/2010/main" val="0"/>
+              </a:ext>
+            </a:extLst>
+          </a:blip>
+          <a:srcRect/>
+          <a:stretch>
+            <a:fillRect/>
+          </a:stretch>
+        </p:blipFill>
+        <p:spPr bwMode="auto">
+          <a:xfrm>
+            <a:off x="457200" y="1976542"/>
+            <a:ext cx="969840" cy="927167"/>
+          </a:xfrm>
+          <a:prstGeom prst="rect">
+            <a:avLst/>
+          </a:prstGeom>
+          <a:noFill/>
+          <a:extLst>
+            <a:ext uri="{909E8E84-426E-40DD-AFC4-6F175D3DCCD1}">
+              <a14:hiddenFill xmlns:a14="http://schemas.microsoft.com/office/drawing/2010/main">
+                <a:solidFill>
+                  <a:srgbClr val="FFFFFF"/>
+                </a:solidFill>
+              </a14:hiddenFill>
+            </a:ext>
+          </a:extLst>
+        </p:spPr>
+      </p:pic>
+      <p:sp>
+        <p:nvSpPr>
+          <p:cNvPr id="5" name="Title 5"/>
+          <p:cNvSpPr>
+            <a:spLocks noGrp="1"/>
+          </p:cNvSpPr>
+          <p:nvPr>
+            <p:ph type="title"/>
+          </p:nvPr>
+        </p:nvSpPr>
+        <p:spPr>
+          <a:xfrm>
+            <a:off x="457200" y="274637"/>
+            <a:ext cx="8229600" cy="1143000"/>
+          </a:xfrm>
+        </p:spPr>
+        <p:txBody>
+          <a:bodyPr>
+            <a:normAutofit/>
+          </a:bodyPr>
+          <a:lstStyle/>
+          <a:p>
+            <a:r>
+              <a:rPr lang="vi-VN" sz="5400" dirty="0" smtClean="0">
+                <a:solidFill>
+                  <a:schemeClr val="bg1"/>
+                </a:solidFill>
+                <a:latin typeface="Cambria"/>
+                <a:ea typeface="Cambria"/>
+                <a:cs typeface="Cambria"/>
+                <a:sym typeface="Cambria"/>
+              </a:rPr>
+              <a:t>Architecture</a:t>
+            </a:r>
+            <a:endParaRPr lang="en-US" sz="5400" dirty="0">
+              <a:solidFill>
+                <a:schemeClr val="bg1"/>
+              </a:solidFill>
+              <a:latin typeface="Cambria"/>
+              <a:ea typeface="Cambria"/>
+              <a:cs typeface="Cambria"/>
+              <a:sym typeface="Cambria"/>
+            </a:endParaRPr>
+          </a:p>
+        </p:txBody>
+      </p:sp>
+      <p:sp>
+        <p:nvSpPr>
+          <p:cNvPr id="7" name="Rectangle 6"/>
+          <p:cNvSpPr/>
+          <p:nvPr/>
+        </p:nvSpPr>
+        <p:spPr>
+          <a:xfrm>
+            <a:off x="3524274" y="1612221"/>
+            <a:ext cx="1655806" cy="1655806"/>
+          </a:xfrm>
+          <a:prstGeom prst="rect">
+            <a:avLst/>
+          </a:prstGeom>
+          <a:noFill/>
+          <a:ln>
+            <a:solidFill>
+              <a:schemeClr val="tx1"/>
+            </a:solidFill>
+          </a:ln>
+        </p:spPr>
+        <p:style>
+          <a:lnRef idx="2">
+            <a:schemeClr val="accent1">
+              <a:shade val="50000"/>
+            </a:schemeClr>
+          </a:lnRef>
+          <a:fillRef idx="1">
+            <a:schemeClr val="accent1"/>
+          </a:fillRef>
+          <a:effectRef idx="0">
+            <a:schemeClr val="accent1"/>
+          </a:effectRef>
+          <a:fontRef idx="minor">
+            <a:schemeClr val="lt1"/>
+          </a:fontRef>
+        </p:style>
+        <p:txBody>
+          <a:bodyPr rtlCol="0" anchor="ctr"/>
+          <a:lstStyle/>
+          <a:p>
+            <a:pPr algn="ctr"/>
+            <a:r>
+              <a:rPr lang="en-US" sz="2000" dirty="0" smtClean="0">
+                <a:solidFill>
+                  <a:schemeClr val="tx1"/>
+                </a:solidFill>
+              </a:rPr>
+              <a:t>Create list of stings from list of step</a:t>
+            </a:r>
+            <a:endParaRPr lang="en-US" sz="2000" dirty="0">
+              <a:solidFill>
+                <a:schemeClr val="tx1"/>
+              </a:solidFill>
+            </a:endParaRPr>
+          </a:p>
+        </p:txBody>
+      </p:sp>
+      <p:cxnSp>
+        <p:nvCxnSpPr>
+          <p:cNvPr id="9" name="Straight Arrow Connector 8"/>
+          <p:cNvCxnSpPr>
+            <a:stCxn id="4" idx="3"/>
+          </p:cNvCxnSpPr>
+          <p:nvPr/>
+        </p:nvCxnSpPr>
+        <p:spPr>
+          <a:xfrm flipV="1">
+            <a:off x="1427040" y="2419643"/>
+            <a:ext cx="2097234" cy="20483"/>
+          </a:xfrm>
+          <a:prstGeom prst="straightConnector1">
+            <a:avLst/>
+          </a:prstGeom>
+          <a:ln>
+            <a:tailEnd type="triangle"/>
+          </a:ln>
+        </p:spPr>
+        <p:style>
+          <a:lnRef idx="1">
+            <a:schemeClr val="accent1"/>
+          </a:lnRef>
+          <a:fillRef idx="0">
+            <a:schemeClr val="accent1"/>
+          </a:fillRef>
+          <a:effectRef idx="0">
+            <a:schemeClr val="accent1"/>
+          </a:effectRef>
+          <a:fontRef idx="minor">
+            <a:schemeClr val="tx1"/>
+          </a:fontRef>
+        </p:style>
+      </p:cxnSp>
+      <p:sp>
+        <p:nvSpPr>
+          <p:cNvPr id="2" name="TextBox 1"/>
+          <p:cNvSpPr txBox="1"/>
+          <p:nvPr/>
+        </p:nvSpPr>
+        <p:spPr>
+          <a:xfrm>
+            <a:off x="1412956" y="2074364"/>
+            <a:ext cx="1985672" cy="707886"/>
+          </a:xfrm>
+          <a:prstGeom prst="rect">
+            <a:avLst/>
+          </a:prstGeom>
+          <a:noFill/>
+        </p:spPr>
+        <p:txBody>
+          <a:bodyPr wrap="none" rtlCol="0">
+            <a:spAutoFit/>
+          </a:bodyPr>
+          <a:lstStyle/>
+          <a:p>
+            <a:r>
+              <a:rPr lang="en-US" sz="2000" dirty="0" smtClean="0"/>
+              <a:t>          Press</a:t>
+            </a:r>
+          </a:p>
+          <a:p>
+            <a:r>
+              <a:rPr lang="en-US" sz="2000" dirty="0" smtClean="0"/>
+              <a:t>download </a:t>
+            </a:r>
+            <a:r>
+              <a:rPr lang="en-US" sz="2000" dirty="0" smtClean="0"/>
+              <a:t>button</a:t>
+            </a:r>
+            <a:endParaRPr lang="en-US" sz="2000" dirty="0"/>
+          </a:p>
+        </p:txBody>
+      </p:sp>
+    </p:spTree>
+    <p:extLst>
+      <p:ext uri="{BB962C8B-B14F-4D97-AF65-F5344CB8AC3E}">
+        <p14:creationId xmlns:p14="http://schemas.microsoft.com/office/powerpoint/2010/main" val="530885973"/>
+      </p:ext>
+    </p:extLst>
+  </p:cSld>
+  <p:clrMapOvr>
+    <a:masterClrMapping/>
+  </p:clrMapOvr>
+</p:sld>
+</file>
+
+<file path=ppt/slides/slide5.xml><?xml version="1.0" encoding="utf-8"?>
+<p:sld xmlns:a="http://schemas.openxmlformats.org/drawingml/2006/main" xmlns:r="http://schemas.openxmlformats.org/officeDocument/2006/relationships" xmlns:p="http://schemas.openxmlformats.org/presentationml/2006/main">
+  <p:cSld>
+    <p:spTree>
+      <p:nvGrpSpPr>
+        <p:cNvPr id="1" name=""/>
+        <p:cNvGrpSpPr/>
+        <p:nvPr/>
+      </p:nvGrpSpPr>
+      <p:grpSpPr>
+        <a:xfrm>
+          <a:off x="0" y="0"/>
+          <a:ext cx="0" cy="0"/>
+          <a:chOff x="0" y="0"/>
+          <a:chExt cx="0" cy="0"/>
+        </a:xfrm>
+      </p:grpSpPr>
+      <p:pic>
+        <p:nvPicPr>
+          <p:cNvPr id="4" name="Picture 3"/>
+          <p:cNvPicPr>
+            <a:picLocks noChangeAspect="1"/>
+          </p:cNvPicPr>
+          <p:nvPr/>
+        </p:nvPicPr>
+        <p:blipFill>
+          <a:blip r:embed="rId2"/>
+          <a:stretch>
+            <a:fillRect/>
+          </a:stretch>
+        </p:blipFill>
+        <p:spPr>
+          <a:xfrm>
+            <a:off x="566136" y="2148483"/>
+            <a:ext cx="4466667" cy="2504762"/>
+          </a:xfrm>
+          <a:prstGeom prst="rect">
+            <a:avLst/>
+          </a:prstGeom>
+          <a:ln>
+            <a:solidFill>
+              <a:schemeClr val="tx1"/>
+            </a:solidFill>
+          </a:ln>
+        </p:spPr>
+      </p:pic>
+      <p:sp>
+        <p:nvSpPr>
+          <p:cNvPr id="5" name="Rectangle 4"/>
+          <p:cNvSpPr/>
+          <p:nvPr/>
+        </p:nvSpPr>
+        <p:spPr>
+          <a:xfrm>
+            <a:off x="928468" y="4389120"/>
+            <a:ext cx="1350498" cy="365760"/>
+          </a:xfrm>
+          <a:prstGeom prst="rect">
+            <a:avLst/>
+          </a:prstGeom>
+          <a:noFill/>
+          <a:ln>
+            <a:solidFill>
+              <a:srgbClr val="FF0000"/>
+            </a:solidFill>
+          </a:ln>
+        </p:spPr>
+        <p:style>
+          <a:lnRef idx="2">
+            <a:schemeClr val="accent1">
+              <a:shade val="50000"/>
+            </a:schemeClr>
+          </a:lnRef>
+          <a:fillRef idx="1">
+            <a:schemeClr val="accent1"/>
+          </a:fillRef>
+          <a:effectRef idx="0">
+            <a:schemeClr val="accent1"/>
+          </a:effectRef>
+          <a:fontRef idx="minor">
+            <a:schemeClr val="lt1"/>
+          </a:fontRef>
+        </p:style>
+        <p:txBody>
+          <a:bodyPr rtlCol="0" anchor="ctr"/>
+          <a:lstStyle/>
+          <a:p>
+            <a:pPr algn="ctr"/>
+            <a:endParaRPr lang="en-US"/>
+          </a:p>
+        </p:txBody>
+      </p:sp>
+      <p:cxnSp>
+        <p:nvCxnSpPr>
+          <p:cNvPr id="7" name="Straight Arrow Connector 6"/>
+          <p:cNvCxnSpPr>
+            <a:endCxn id="5" idx="3"/>
+          </p:cNvCxnSpPr>
+          <p:nvPr/>
+        </p:nvCxnSpPr>
+        <p:spPr>
+          <a:xfrm flipH="1">
+            <a:off x="2278966" y="2148483"/>
+            <a:ext cx="4234376" cy="2423517"/>
+          </a:xfrm>
+          <a:prstGeom prst="straightConnector1">
+            <a:avLst/>
+          </a:prstGeom>
+          <a:ln>
+            <a:solidFill>
+              <a:srgbClr val="FF0000"/>
+            </a:solidFill>
+            <a:headEnd type="triangle" w="med" len="med"/>
+            <a:tailEnd type="none" w="med" len="med"/>
+          </a:ln>
+        </p:spPr>
+        <p:style>
+          <a:lnRef idx="1">
+            <a:schemeClr val="accent1"/>
+          </a:lnRef>
+          <a:fillRef idx="0">
+            <a:schemeClr val="accent1"/>
+          </a:fillRef>
+          <a:effectRef idx="0">
+            <a:schemeClr val="accent1"/>
+          </a:effectRef>
+          <a:fontRef idx="minor">
+            <a:schemeClr val="tx1"/>
+          </a:fontRef>
+        </p:style>
+      </p:cxnSp>
+      <p:sp>
+        <p:nvSpPr>
+          <p:cNvPr id="8" name="TextBox 7"/>
+          <p:cNvSpPr txBox="1"/>
+          <p:nvPr/>
+        </p:nvSpPr>
+        <p:spPr>
+          <a:xfrm>
+            <a:off x="6578680" y="1963817"/>
+            <a:ext cx="1285160" cy="369332"/>
+          </a:xfrm>
+          <a:prstGeom prst="rect">
+            <a:avLst/>
+          </a:prstGeom>
+          <a:noFill/>
+        </p:spPr>
+        <p:txBody>
+          <a:bodyPr wrap="none" rtlCol="0">
+            <a:spAutoFit/>
+          </a:bodyPr>
+          <a:lstStyle/>
+          <a:p>
+            <a:r>
+              <a:rPr lang="en-US" dirty="0" smtClean="0"/>
+              <a:t>List of steps</a:t>
+            </a:r>
+            <a:endParaRPr lang="en-US" dirty="0"/>
+          </a:p>
+        </p:txBody>
+      </p:sp>
+      <p:sp>
+        <p:nvSpPr>
+          <p:cNvPr id="6" name="Title 5"/>
+          <p:cNvSpPr>
+            <a:spLocks noGrp="1"/>
+          </p:cNvSpPr>
+          <p:nvPr>
+            <p:ph type="title"/>
+          </p:nvPr>
+        </p:nvSpPr>
+        <p:spPr>
+          <a:xfrm>
+            <a:off x="457200" y="274637"/>
+            <a:ext cx="8229600" cy="1143000"/>
+          </a:xfrm>
+        </p:spPr>
+        <p:txBody>
+          <a:bodyPr>
+            <a:normAutofit/>
+          </a:bodyPr>
+          <a:lstStyle/>
+          <a:p>
+            <a:r>
+              <a:rPr lang="vi-VN" sz="5400" dirty="0" smtClean="0">
+                <a:solidFill>
+                  <a:schemeClr val="bg1"/>
+                </a:solidFill>
+                <a:latin typeface="Cambria"/>
+                <a:ea typeface="Cambria"/>
+                <a:cs typeface="Cambria"/>
+                <a:sym typeface="Cambria"/>
+              </a:rPr>
+              <a:t>Architecture</a:t>
+            </a:r>
+            <a:endParaRPr lang="en-US" sz="5400" dirty="0">
+              <a:solidFill>
+                <a:schemeClr val="bg1"/>
+              </a:solidFill>
+              <a:latin typeface="Cambria"/>
+              <a:ea typeface="Cambria"/>
+              <a:cs typeface="Cambria"/>
+              <a:sym typeface="Cambria"/>
+            </a:endParaRPr>
+          </a:p>
+        </p:txBody>
+      </p:sp>
+    </p:spTree>
+    <p:extLst>
+      <p:ext uri="{BB962C8B-B14F-4D97-AF65-F5344CB8AC3E}">
+        <p14:creationId xmlns:p14="http://schemas.microsoft.com/office/powerpoint/2010/main" val="1074625566"/>
+      </p:ext>
+    </p:extLst>
+  </p:cSld>
+  <p:clrMapOvr>
+    <a:masterClrMapping/>
+  </p:clrMapOvr>
+</p:sld>
+</file>
+
+<file path=ppt/slides/slide6.xml><?xml version="1.0" encoding="utf-8"?>
+<p:sld xmlns:a="http://schemas.openxmlformats.org/drawingml/2006/main" xmlns:r="http://schemas.openxmlformats.org/officeDocument/2006/relationships" xmlns:p="http://schemas.openxmlformats.org/presentationml/2006/main">
+  <p:cSld>
+    <p:spTree>
+      <p:nvGrpSpPr>
+        <p:cNvPr id="1" name=""/>
+        <p:cNvGrpSpPr/>
+        <p:nvPr/>
+      </p:nvGrpSpPr>
+      <p:grpSpPr>
+        <a:xfrm>
+          <a:off x="0" y="0"/>
+          <a:ext cx="0" cy="0"/>
+          <a:chOff x="0" y="0"/>
+          <a:chExt cx="0" cy="0"/>
+        </a:xfrm>
+      </p:grpSpPr>
+      <p:pic>
+        <p:nvPicPr>
+          <p:cNvPr id="4" name="Picture 3"/>
+          <p:cNvPicPr>
+            <a:picLocks noChangeAspect="1"/>
+          </p:cNvPicPr>
+          <p:nvPr/>
+        </p:nvPicPr>
+        <p:blipFill>
+          <a:blip r:embed="rId2"/>
+          <a:stretch>
+            <a:fillRect/>
+          </a:stretch>
+        </p:blipFill>
+        <p:spPr>
+          <a:xfrm>
+            <a:off x="513651" y="1834721"/>
+            <a:ext cx="3504762" cy="2609524"/>
+          </a:xfrm>
+          <a:prstGeom prst="rect">
+            <a:avLst/>
+          </a:prstGeom>
+          <a:ln>
+            <a:solidFill>
+              <a:schemeClr val="tx1"/>
+            </a:solidFill>
+          </a:ln>
+        </p:spPr>
+      </p:pic>
+      <p:sp>
+        <p:nvSpPr>
+          <p:cNvPr id="5" name="Rectangle 4"/>
+          <p:cNvSpPr/>
+          <p:nvPr/>
+        </p:nvSpPr>
+        <p:spPr>
+          <a:xfrm>
+            <a:off x="2096087" y="2947291"/>
+            <a:ext cx="2082018" cy="1195754"/>
+          </a:xfrm>
+          <a:prstGeom prst="rect">
+            <a:avLst/>
+          </a:prstGeom>
+          <a:noFill/>
+          <a:ln>
+            <a:solidFill>
+              <a:srgbClr val="FF0000"/>
+            </a:solidFill>
+          </a:ln>
+        </p:spPr>
+        <p:style>
+          <a:lnRef idx="2">
+            <a:schemeClr val="accent1">
+              <a:shade val="50000"/>
+            </a:schemeClr>
+          </a:lnRef>
+          <a:fillRef idx="1">
+            <a:schemeClr val="accent1"/>
+          </a:fillRef>
+          <a:effectRef idx="0">
+            <a:schemeClr val="accent1"/>
+          </a:effectRef>
+          <a:fontRef idx="minor">
+            <a:schemeClr val="lt1"/>
+          </a:fontRef>
+        </p:style>
+        <p:txBody>
+          <a:bodyPr rtlCol="0" anchor="ctr"/>
+          <a:lstStyle/>
+          <a:p>
+            <a:pPr algn="ctr"/>
+            <a:endParaRPr lang="en-US"/>
+          </a:p>
+        </p:txBody>
+      </p:sp>
+      <p:sp>
+        <p:nvSpPr>
+          <p:cNvPr id="8" name="TextBox 7"/>
+          <p:cNvSpPr txBox="1"/>
+          <p:nvPr/>
+        </p:nvSpPr>
+        <p:spPr>
+          <a:xfrm>
+            <a:off x="5677268" y="1834721"/>
+            <a:ext cx="3241649" cy="2308324"/>
+          </a:xfrm>
+          <a:prstGeom prst="rect">
+            <a:avLst/>
+          </a:prstGeom>
+          <a:noFill/>
+        </p:spPr>
+        <p:txBody>
+          <a:bodyPr wrap="square" rtlCol="0">
+            <a:spAutoFit/>
+          </a:bodyPr>
+          <a:lstStyle/>
+          <a:p>
+            <a:r>
+              <a:rPr lang="vi-VN" dirty="0"/>
+              <a:t>Rẽ &lt;b&gt;phải&lt;/b&gt; tại Codienlanhbhl vào &lt;b&gt;Quang Trung&lt;/b&gt;&lt;div style=\"font-size:0.9em\"&gt;Băng qua Ngân Hàng Tmcp Sài Gòn Thương Tín (Sacombank) - Pgd Hạnh Thông Tây (ở phía bên phải)&lt;/div&gt;</a:t>
+            </a:r>
+            <a:endParaRPr lang="en-US" dirty="0"/>
+          </a:p>
+        </p:txBody>
+      </p:sp>
+      <p:cxnSp>
+        <p:nvCxnSpPr>
+          <p:cNvPr id="15" name="Straight Arrow Connector 14"/>
+          <p:cNvCxnSpPr/>
+          <p:nvPr/>
+        </p:nvCxnSpPr>
+        <p:spPr>
+          <a:xfrm flipH="1">
+            <a:off x="4178105" y="2988883"/>
+            <a:ext cx="1499163" cy="556285"/>
+          </a:xfrm>
+          <a:prstGeom prst="straightConnector1">
+            <a:avLst/>
+          </a:prstGeom>
+          <a:ln>
+            <a:solidFill>
+              <a:srgbClr val="FF0000"/>
+            </a:solidFill>
+            <a:headEnd type="triangle" w="med" len="med"/>
+            <a:tailEnd type="none" w="med" len="med"/>
+          </a:ln>
+        </p:spPr>
+        <p:style>
+          <a:lnRef idx="1">
+            <a:schemeClr val="accent1"/>
+          </a:lnRef>
+          <a:fillRef idx="0">
+            <a:schemeClr val="accent1"/>
+          </a:fillRef>
+          <a:effectRef idx="0">
+            <a:schemeClr val="accent1"/>
+          </a:effectRef>
+          <a:fontRef idx="minor">
+            <a:schemeClr val="tx1"/>
+          </a:fontRef>
+        </p:style>
+      </p:cxnSp>
+      <p:sp>
+        <p:nvSpPr>
+          <p:cNvPr id="6" name="Title 5"/>
+          <p:cNvSpPr>
+            <a:spLocks noGrp="1"/>
+          </p:cNvSpPr>
+          <p:nvPr>
+            <p:ph type="title"/>
+          </p:nvPr>
+        </p:nvSpPr>
+        <p:spPr>
+          <a:xfrm>
+            <a:off x="457200" y="274637"/>
+            <a:ext cx="8229600" cy="1143000"/>
+          </a:xfrm>
+        </p:spPr>
+        <p:txBody>
+          <a:bodyPr>
+            <a:normAutofit/>
+          </a:bodyPr>
+          <a:lstStyle/>
+          <a:p>
+            <a:r>
+              <a:rPr lang="vi-VN" sz="5400" dirty="0" smtClean="0">
+                <a:solidFill>
+                  <a:schemeClr val="bg1"/>
+                </a:solidFill>
+                <a:latin typeface="Cambria"/>
+                <a:ea typeface="Cambria"/>
+                <a:cs typeface="Cambria"/>
+                <a:sym typeface="Cambria"/>
+              </a:rPr>
+              <a:t>Architecture</a:t>
+            </a:r>
+            <a:endParaRPr lang="en-US" sz="5400" dirty="0">
+              <a:solidFill>
+                <a:schemeClr val="bg1"/>
+              </a:solidFill>
+              <a:latin typeface="Cambria"/>
+              <a:ea typeface="Cambria"/>
+              <a:cs typeface="Cambria"/>
+              <a:sym typeface="Cambria"/>
+            </a:endParaRPr>
+          </a:p>
+        </p:txBody>
+      </p:sp>
+    </p:spTree>
+    <p:extLst>
+      <p:ext uri="{BB962C8B-B14F-4D97-AF65-F5344CB8AC3E}">
+        <p14:creationId xmlns:p14="http://schemas.microsoft.com/office/powerpoint/2010/main" val="4181484825"/>
+      </p:ext>
+    </p:extLst>
+  </p:cSld>
+  <p:clrMapOvr>
+    <a:masterClrMapping/>
+  </p:clrMapOvr>
+</p:sld>
+</file>
+
+<file path=ppt/slides/slide7.xml><?xml version="1.0" encoding="utf-8"?>
+<p:sld xmlns:a="http://schemas.openxmlformats.org/drawingml/2006/main" xmlns:r="http://schemas.openxmlformats.org/officeDocument/2006/relationships" xmlns:p="http://schemas.openxmlformats.org/presentationml/2006/main">
+  <p:cSld>
+    <p:spTree>
+      <p:nvGrpSpPr>
+        <p:cNvPr id="1" name=""/>
+        <p:cNvGrpSpPr/>
+        <p:nvPr/>
+      </p:nvGrpSpPr>
+      <p:grpSpPr>
+        <a:xfrm>
+          <a:off x="0" y="0"/>
+          <a:ext cx="0" cy="0"/>
+          <a:chOff x="0" y="0"/>
+          <a:chExt cx="0" cy="0"/>
+        </a:xfrm>
+      </p:grpSpPr>
+      <p:pic>
+        <p:nvPicPr>
+          <p:cNvPr id="4" name="Picture 3"/>
+          <p:cNvPicPr>
+            <a:picLocks noChangeAspect="1"/>
+          </p:cNvPicPr>
+          <p:nvPr/>
+        </p:nvPicPr>
+        <p:blipFill>
+          <a:blip r:embed="rId2"/>
+          <a:stretch>
+            <a:fillRect/>
+          </a:stretch>
+        </p:blipFill>
+        <p:spPr>
+          <a:xfrm>
+            <a:off x="513651" y="1834721"/>
+            <a:ext cx="3504762" cy="2609524"/>
+          </a:xfrm>
+          <a:prstGeom prst="rect">
+            <a:avLst/>
+          </a:prstGeom>
+          <a:ln>
+            <a:solidFill>
+              <a:schemeClr val="tx1"/>
+            </a:solidFill>
+          </a:ln>
+        </p:spPr>
+      </p:pic>
+      <p:sp>
+        <p:nvSpPr>
+          <p:cNvPr id="5" name="Rectangle 4"/>
+          <p:cNvSpPr/>
+          <p:nvPr/>
+        </p:nvSpPr>
+        <p:spPr>
+          <a:xfrm>
+            <a:off x="2096087" y="2947291"/>
+            <a:ext cx="2082018" cy="1195754"/>
+          </a:xfrm>
+          <a:prstGeom prst="rect">
+            <a:avLst/>
+          </a:prstGeom>
+          <a:noFill/>
+          <a:ln>
+            <a:solidFill>
+              <a:srgbClr val="FF0000"/>
+            </a:solidFill>
+          </a:ln>
+        </p:spPr>
+        <p:style>
+          <a:lnRef idx="2">
+            <a:schemeClr val="accent1">
+              <a:shade val="50000"/>
+            </a:schemeClr>
+          </a:lnRef>
+          <a:fillRef idx="1">
+            <a:schemeClr val="accent1"/>
+          </a:fillRef>
+          <a:effectRef idx="0">
+            <a:schemeClr val="accent1"/>
+          </a:effectRef>
+          <a:fontRef idx="minor">
+            <a:schemeClr val="lt1"/>
+          </a:fontRef>
+        </p:style>
+        <p:txBody>
+          <a:bodyPr rtlCol="0" anchor="ctr"/>
+          <a:lstStyle/>
+          <a:p>
+            <a:pPr algn="ctr"/>
+            <a:endParaRPr lang="en-US"/>
+          </a:p>
+        </p:txBody>
+      </p:sp>
+      <p:cxnSp>
+        <p:nvCxnSpPr>
+          <p:cNvPr id="7" name="Straight Arrow Connector 6"/>
+          <p:cNvCxnSpPr>
+            <a:stCxn id="8" idx="1"/>
+            <a:endCxn id="5" idx="3"/>
+          </p:cNvCxnSpPr>
+          <p:nvPr/>
+        </p:nvCxnSpPr>
+        <p:spPr>
+          <a:xfrm flipH="1">
+            <a:off x="4178105" y="2988883"/>
+            <a:ext cx="1499163" cy="556285"/>
+          </a:xfrm>
+          <a:prstGeom prst="straightConnector1">
+            <a:avLst/>
+          </a:prstGeom>
+          <a:ln>
+            <a:solidFill>
+              <a:srgbClr val="FF0000"/>
+            </a:solidFill>
+            <a:headEnd type="triangle" w="med" len="med"/>
+            <a:tailEnd type="none" w="med" len="med"/>
+          </a:ln>
+        </p:spPr>
+        <p:style>
+          <a:lnRef idx="1">
+            <a:schemeClr val="accent1"/>
+          </a:lnRef>
+          <a:fillRef idx="0">
+            <a:schemeClr val="accent1"/>
+          </a:fillRef>
+          <a:effectRef idx="0">
+            <a:schemeClr val="accent1"/>
+          </a:effectRef>
+          <a:fontRef idx="minor">
+            <a:schemeClr val="tx1"/>
+          </a:fontRef>
+        </p:style>
+      </p:cxnSp>
+      <p:sp>
+        <p:nvSpPr>
+          <p:cNvPr id="8" name="TextBox 7"/>
+          <p:cNvSpPr txBox="1"/>
+          <p:nvPr/>
+        </p:nvSpPr>
+        <p:spPr>
+          <a:xfrm>
+            <a:off x="5677268" y="1834721"/>
+            <a:ext cx="3241649" cy="2308324"/>
+          </a:xfrm>
+          <a:prstGeom prst="rect">
+            <a:avLst/>
+          </a:prstGeom>
+          <a:noFill/>
+        </p:spPr>
+        <p:txBody>
+          <a:bodyPr wrap="square" rtlCol="0">
+            <a:spAutoFit/>
+          </a:bodyPr>
+          <a:lstStyle/>
+          <a:p>
+            <a:r>
+              <a:rPr lang="vi-VN" dirty="0">
+                <a:solidFill>
+                  <a:srgbClr val="FF0000"/>
+                </a:solidFill>
+              </a:rPr>
+              <a:t>Rẽ</a:t>
+            </a:r>
+            <a:r>
+              <a:rPr lang="vi-VN" dirty="0"/>
+              <a:t> &lt;b&gt;</a:t>
+            </a:r>
+            <a:r>
+              <a:rPr lang="vi-VN" dirty="0">
+                <a:solidFill>
+                  <a:srgbClr val="FF0000"/>
+                </a:solidFill>
+              </a:rPr>
+              <a:t>phải</a:t>
+            </a:r>
+            <a:r>
+              <a:rPr lang="vi-VN" dirty="0"/>
+              <a:t>&lt;/b&gt; </a:t>
+            </a:r>
+            <a:r>
+              <a:rPr lang="vi-VN" dirty="0">
+                <a:solidFill>
+                  <a:srgbClr val="FF0000"/>
+                </a:solidFill>
+              </a:rPr>
+              <a:t>tại Codienlanhbhl vào</a:t>
+            </a:r>
+            <a:r>
+              <a:rPr lang="vi-VN" dirty="0"/>
+              <a:t> &lt;</a:t>
+            </a:r>
+            <a:r>
+              <a:rPr lang="vi-VN" dirty="0">
+                <a:solidFill>
+                  <a:srgbClr val="FF0000"/>
+                </a:solidFill>
+              </a:rPr>
+              <a:t>b&gt;Quang Trung</a:t>
+            </a:r>
+            <a:r>
+              <a:rPr lang="vi-VN" dirty="0"/>
+              <a:t>&lt;/b&gt;&lt;div style=\"font-size:0.9em\"&gt;</a:t>
+            </a:r>
+            <a:r>
+              <a:rPr lang="vi-VN" dirty="0">
+                <a:solidFill>
+                  <a:srgbClr val="FF0000"/>
+                </a:solidFill>
+              </a:rPr>
+              <a:t>Băng qua Ngân Hàng Tmcp Sài Gòn Thương Tín (Sacombank) - Pgd Hạnh Thông Tây (ở phía bên phải)</a:t>
+            </a:r>
+            <a:r>
+              <a:rPr lang="vi-VN" dirty="0"/>
+              <a:t>&lt;/div&gt;</a:t>
+            </a:r>
+            <a:endParaRPr lang="en-US" dirty="0"/>
+          </a:p>
+        </p:txBody>
+      </p:sp>
+      <p:sp>
+        <p:nvSpPr>
+          <p:cNvPr id="14" name="TextBox 13"/>
+          <p:cNvSpPr txBox="1"/>
+          <p:nvPr/>
+        </p:nvSpPr>
+        <p:spPr>
+          <a:xfrm>
+            <a:off x="1155337" y="5556815"/>
+            <a:ext cx="6045535" cy="923330"/>
+          </a:xfrm>
+          <a:prstGeom prst="rect">
+            <a:avLst/>
+          </a:prstGeom>
+          <a:noFill/>
+        </p:spPr>
+        <p:txBody>
+          <a:bodyPr wrap="square" rtlCol="0">
+            <a:spAutoFit/>
+          </a:bodyPr>
+          <a:lstStyle/>
+          <a:p>
+            <a:r>
+              <a:rPr lang="vi-VN" dirty="0"/>
+              <a:t>Rẽ </a:t>
+            </a:r>
+            <a:r>
+              <a:rPr lang="vi-VN" dirty="0" smtClean="0"/>
+              <a:t>phải </a:t>
+            </a:r>
+            <a:r>
+              <a:rPr lang="vi-VN" dirty="0"/>
+              <a:t>tại Codienlanhbhl vào </a:t>
+            </a:r>
+            <a:r>
+              <a:rPr lang="vi-VN" dirty="0" smtClean="0"/>
+              <a:t>Quang Trung</a:t>
+            </a:r>
+            <a:r>
+              <a:rPr lang="en-US" dirty="0" smtClean="0"/>
+              <a:t> </a:t>
+            </a:r>
+            <a:r>
+              <a:rPr lang="vi-VN" dirty="0" smtClean="0"/>
+              <a:t>Băng </a:t>
+            </a:r>
+            <a:r>
+              <a:rPr lang="vi-VN" dirty="0"/>
+              <a:t>qua Ngân Hàng Tmcp Sài Gòn Thương Tín (Sacombank) - Pgd Hạnh Thông Tây (ở phía bên phải</a:t>
+            </a:r>
+            <a:r>
+              <a:rPr lang="vi-VN" dirty="0" smtClean="0"/>
+              <a:t>)</a:t>
+            </a:r>
+            <a:endParaRPr lang="en-US" dirty="0"/>
+          </a:p>
+        </p:txBody>
+      </p:sp>
+      <p:cxnSp>
+        <p:nvCxnSpPr>
+          <p:cNvPr id="3" name="Straight Arrow Connector 2"/>
+          <p:cNvCxnSpPr>
+            <a:stCxn id="8" idx="2"/>
+            <a:endCxn id="14" idx="0"/>
+          </p:cNvCxnSpPr>
+          <p:nvPr/>
+        </p:nvCxnSpPr>
+        <p:spPr>
+          <a:xfrm flipH="1">
+            <a:off x="4178105" y="4143045"/>
+            <a:ext cx="3119988" cy="1413770"/>
+          </a:xfrm>
+          <a:prstGeom prst="straightConnector1">
+            <a:avLst/>
+          </a:prstGeom>
+          <a:ln>
+            <a:tailEnd type="triangle"/>
+          </a:ln>
+        </p:spPr>
+        <p:style>
+          <a:lnRef idx="1">
+            <a:schemeClr val="accent1"/>
+          </a:lnRef>
+          <a:fillRef idx="0">
+            <a:schemeClr val="accent1"/>
+          </a:fillRef>
+          <a:effectRef idx="0">
+            <a:schemeClr val="accent1"/>
+          </a:effectRef>
+          <a:fontRef idx="minor">
+            <a:schemeClr val="tx1"/>
+          </a:fontRef>
+        </p:style>
+      </p:cxnSp>
+      <p:sp>
+        <p:nvSpPr>
+          <p:cNvPr id="9" name="Title 5"/>
+          <p:cNvSpPr>
+            <a:spLocks noGrp="1"/>
+          </p:cNvSpPr>
+          <p:nvPr>
+            <p:ph type="title"/>
+          </p:nvPr>
+        </p:nvSpPr>
+        <p:spPr>
+          <a:xfrm>
+            <a:off x="457200" y="274637"/>
+            <a:ext cx="8229600" cy="1143000"/>
+          </a:xfrm>
+        </p:spPr>
+        <p:txBody>
+          <a:bodyPr>
+            <a:normAutofit/>
+          </a:bodyPr>
+          <a:lstStyle/>
+          <a:p>
+            <a:r>
+              <a:rPr lang="vi-VN" sz="5400" dirty="0" smtClean="0">
+                <a:solidFill>
+                  <a:schemeClr val="bg1"/>
+                </a:solidFill>
+                <a:latin typeface="Cambria"/>
+                <a:ea typeface="Cambria"/>
+                <a:cs typeface="Cambria"/>
+                <a:sym typeface="Cambria"/>
+              </a:rPr>
+              <a:t>Architecture</a:t>
+            </a:r>
+            <a:endParaRPr lang="en-US" sz="5400" dirty="0">
+              <a:solidFill>
+                <a:schemeClr val="bg1"/>
+              </a:solidFill>
+              <a:latin typeface="Cambria"/>
+              <a:ea typeface="Cambria"/>
+              <a:cs typeface="Cambria"/>
+              <a:sym typeface="Cambria"/>
+            </a:endParaRPr>
+          </a:p>
+        </p:txBody>
+      </p:sp>
+      <p:sp>
+        <p:nvSpPr>
+          <p:cNvPr id="10" name="Title 5"/>
+          <p:cNvSpPr txBox="1">
+            <a:spLocks/>
+          </p:cNvSpPr>
+          <p:nvPr/>
+        </p:nvSpPr>
+        <p:spPr>
+          <a:xfrm>
+            <a:off x="609600" y="427037"/>
+            <a:ext cx="8229600" cy="1143000"/>
+          </a:xfrm>
+          <a:prstGeom prst="rect">
+            <a:avLst/>
+          </a:prstGeom>
+        </p:spPr>
+        <p:txBody>
+          <a:bodyPr vert="horz" lIns="91425" tIns="91425" rIns="91425" bIns="91425" rtlCol="0" anchor="b" anchorCtr="0">
+            <a:normAutofit/>
+          </a:bodyPr>
+          <a:lstStyle>
+            <a:lvl1pPr algn="l" defTabSz="914377" rtl="0" eaLnBrk="1" latinLnBrk="0" hangingPunct="1">
+              <a:lnSpc>
+                <a:spcPct val="90000"/>
+              </a:lnSpc>
+              <a:spcBef>
+                <a:spcPts val="0"/>
+              </a:spcBef>
+              <a:buNone/>
+              <a:defRPr sz="4400" kern="1200">
+                <a:solidFill>
+                  <a:schemeClr val="tx1"/>
+                </a:solidFill>
+                <a:latin typeface="+mj-lt"/>
+                <a:ea typeface="+mj-ea"/>
+                <a:cs typeface="+mj-cs"/>
+              </a:defRPr>
+            </a:lvl1pPr>
+            <a:lvl2pPr>
+              <a:spcBef>
+                <a:spcPts val="0"/>
+              </a:spcBef>
+              <a:defRPr/>
+            </a:lvl2pPr>
+            <a:lvl3pPr>
+              <a:spcBef>
+                <a:spcPts val="0"/>
+              </a:spcBef>
+              <a:defRPr/>
+            </a:lvl3pPr>
+            <a:lvl4pPr>
+              <a:spcBef>
+                <a:spcPts val="0"/>
+              </a:spcBef>
+              <a:defRPr/>
+            </a:lvl4pPr>
+            <a:lvl5pPr>
+              <a:spcBef>
+                <a:spcPts val="0"/>
+              </a:spcBef>
+              <a:defRPr/>
+            </a:lvl5pPr>
+            <a:lvl6pPr>
+              <a:spcBef>
+                <a:spcPts val="0"/>
+              </a:spcBef>
+              <a:defRPr/>
+            </a:lvl6pPr>
+            <a:lvl7pPr>
+              <a:spcBef>
+                <a:spcPts val="0"/>
+              </a:spcBef>
+              <a:defRPr/>
+            </a:lvl7pPr>
+            <a:lvl8pPr>
+              <a:spcBef>
+                <a:spcPts val="0"/>
+              </a:spcBef>
+              <a:defRPr/>
+            </a:lvl8pPr>
+            <a:lvl9pPr>
+              <a:spcBef>
+                <a:spcPts val="0"/>
+              </a:spcBef>
+              <a:defRPr/>
+            </a:lvl9pPr>
+          </a:lstStyle>
+          <a:p>
+            <a:r>
+              <a:rPr lang="vi-VN" sz="5400" smtClean="0">
+                <a:solidFill>
+                  <a:schemeClr val="bg1"/>
+                </a:solidFill>
+                <a:latin typeface="Cambria"/>
+                <a:ea typeface="Cambria"/>
+                <a:cs typeface="Cambria"/>
+                <a:sym typeface="Cambria"/>
+              </a:rPr>
+              <a:t>Architecture</a:t>
+            </a:r>
+            <a:endParaRPr lang="en-US" sz="5400" dirty="0">
+              <a:solidFill>
+                <a:schemeClr val="bg1"/>
+              </a:solidFill>
+              <a:latin typeface="Cambria"/>
+              <a:ea typeface="Cambria"/>
+              <a:cs typeface="Cambria"/>
+              <a:sym typeface="Cambria"/>
+            </a:endParaRPr>
+          </a:p>
+        </p:txBody>
+      </p:sp>
+    </p:spTree>
+    <p:extLst>
+      <p:ext uri="{BB962C8B-B14F-4D97-AF65-F5344CB8AC3E}">
+        <p14:creationId xmlns:p14="http://schemas.microsoft.com/office/powerpoint/2010/main" val="592414318"/>
+      </p:ext>
+    </p:extLst>
+  </p:cSld>
+  <p:clrMapOvr>
+    <a:masterClrMapping/>
+  </p:clrMapOvr>
+</p:sld>
+</file>
+
+<file path=ppt/slides/slide8.xml><?xml version="1.0" encoding="utf-8"?>
+<p:sld xmlns:a="http://schemas.openxmlformats.org/drawingml/2006/main" xmlns:r="http://schemas.openxmlformats.org/officeDocument/2006/relationships" xmlns:p="http://schemas.openxmlformats.org/presentationml/2006/main">
+  <p:cSld>
+    <p:spTree>
+      <p:nvGrpSpPr>
+        <p:cNvPr id="1" name=""/>
+        <p:cNvGrpSpPr/>
+        <p:nvPr/>
+      </p:nvGrpSpPr>
+      <p:grpSpPr>
+        <a:xfrm>
+          <a:off x="0" y="0"/>
+          <a:ext cx="0" cy="0"/>
+          <a:chOff x="0" y="0"/>
+          <a:chExt cx="0" cy="0"/>
+        </a:xfrm>
+      </p:grpSpPr>
+      <p:pic>
+        <p:nvPicPr>
+          <p:cNvPr id="4" name="Picture 3"/>
+          <p:cNvPicPr>
+            <a:picLocks noChangeAspect="1"/>
+          </p:cNvPicPr>
+          <p:nvPr/>
+        </p:nvPicPr>
+        <p:blipFill>
+          <a:blip r:embed="rId2"/>
+          <a:stretch>
+            <a:fillRect/>
+          </a:stretch>
+        </p:blipFill>
+        <p:spPr>
+          <a:xfrm>
+            <a:off x="566136" y="2148483"/>
+            <a:ext cx="4466667" cy="2504762"/>
+          </a:xfrm>
+          <a:prstGeom prst="rect">
+            <a:avLst/>
+          </a:prstGeom>
+          <a:ln>
+            <a:solidFill>
+              <a:schemeClr val="tx1"/>
+            </a:solidFill>
+          </a:ln>
+        </p:spPr>
+      </p:pic>
+      <p:sp>
+        <p:nvSpPr>
+          <p:cNvPr id="5" name="Rectangle 4"/>
+          <p:cNvSpPr/>
+          <p:nvPr/>
+        </p:nvSpPr>
+        <p:spPr>
+          <a:xfrm>
+            <a:off x="928468" y="4389120"/>
+            <a:ext cx="1350498" cy="365760"/>
+          </a:xfrm>
+          <a:prstGeom prst="rect">
+            <a:avLst/>
+          </a:prstGeom>
+          <a:noFill/>
+          <a:ln>
+            <a:solidFill>
+              <a:srgbClr val="FF0000"/>
+            </a:solidFill>
+          </a:ln>
+        </p:spPr>
+        <p:style>
+          <a:lnRef idx="2">
+            <a:schemeClr val="accent1">
+              <a:shade val="50000"/>
+            </a:schemeClr>
+          </a:lnRef>
+          <a:fillRef idx="1">
+            <a:schemeClr val="accent1"/>
+          </a:fillRef>
+          <a:effectRef idx="0">
+            <a:schemeClr val="accent1"/>
+          </a:effectRef>
+          <a:fontRef idx="minor">
+            <a:schemeClr val="lt1"/>
+          </a:fontRef>
+        </p:style>
+        <p:txBody>
+          <a:bodyPr rtlCol="0" anchor="ctr"/>
+          <a:lstStyle/>
+          <a:p>
+            <a:pPr algn="ctr"/>
+            <a:endParaRPr lang="en-US"/>
+          </a:p>
+        </p:txBody>
+      </p:sp>
+      <p:cxnSp>
+        <p:nvCxnSpPr>
+          <p:cNvPr id="7" name="Straight Arrow Connector 6"/>
+          <p:cNvCxnSpPr>
+            <a:endCxn id="5" idx="3"/>
+          </p:cNvCxnSpPr>
+          <p:nvPr/>
+        </p:nvCxnSpPr>
+        <p:spPr>
+          <a:xfrm flipH="1">
+            <a:off x="2278966" y="2148483"/>
+            <a:ext cx="4234376" cy="2423517"/>
+          </a:xfrm>
+          <a:prstGeom prst="straightConnector1">
+            <a:avLst/>
+          </a:prstGeom>
+          <a:ln>
+            <a:solidFill>
+              <a:srgbClr val="FF0000"/>
+            </a:solidFill>
+            <a:headEnd type="triangle" w="med" len="med"/>
+            <a:tailEnd type="none" w="med" len="med"/>
+          </a:ln>
+        </p:spPr>
+        <p:style>
+          <a:lnRef idx="1">
+            <a:schemeClr val="accent1"/>
+          </a:lnRef>
+          <a:fillRef idx="0">
+            <a:schemeClr val="accent1"/>
+          </a:fillRef>
+          <a:effectRef idx="0">
+            <a:schemeClr val="accent1"/>
+          </a:effectRef>
+          <a:fontRef idx="minor">
+            <a:schemeClr val="tx1"/>
+          </a:fontRef>
+        </p:style>
+      </p:cxnSp>
+      <p:sp>
+        <p:nvSpPr>
+          <p:cNvPr id="8" name="TextBox 7"/>
+          <p:cNvSpPr txBox="1"/>
+          <p:nvPr/>
+        </p:nvSpPr>
+        <p:spPr>
+          <a:xfrm>
+            <a:off x="6578680" y="1963817"/>
+            <a:ext cx="1285160" cy="369332"/>
+          </a:xfrm>
+          <a:prstGeom prst="rect">
+            <a:avLst/>
+          </a:prstGeom>
+          <a:noFill/>
+        </p:spPr>
+        <p:txBody>
+          <a:bodyPr wrap="none" rtlCol="0">
+            <a:spAutoFit/>
+          </a:bodyPr>
+          <a:lstStyle/>
+          <a:p>
+            <a:r>
+              <a:rPr lang="en-US" dirty="0" smtClean="0"/>
+              <a:t>List of steps</a:t>
+            </a:r>
+            <a:endParaRPr lang="en-US" dirty="0"/>
+          </a:p>
+        </p:txBody>
+      </p:sp>
+      <p:sp>
+        <p:nvSpPr>
+          <p:cNvPr id="2" name="TextBox 1"/>
+          <p:cNvSpPr txBox="1"/>
+          <p:nvPr/>
+        </p:nvSpPr>
+        <p:spPr>
+          <a:xfrm>
+            <a:off x="6513342" y="4058625"/>
+            <a:ext cx="1415452" cy="369332"/>
+          </a:xfrm>
+          <a:prstGeom prst="rect">
+            <a:avLst/>
+          </a:prstGeom>
+          <a:noFill/>
+        </p:spPr>
+        <p:txBody>
+          <a:bodyPr wrap="none" rtlCol="0">
+            <a:spAutoFit/>
+          </a:bodyPr>
+          <a:lstStyle/>
+          <a:p>
+            <a:r>
+              <a:rPr lang="en-US" dirty="0" smtClean="0"/>
+              <a:t>List of strings</a:t>
+            </a:r>
+            <a:endParaRPr lang="en-US" dirty="0"/>
+          </a:p>
+        </p:txBody>
+      </p:sp>
+      <p:cxnSp>
+        <p:nvCxnSpPr>
+          <p:cNvPr id="6" name="Straight Arrow Connector 5"/>
+          <p:cNvCxnSpPr>
+            <a:stCxn id="8" idx="2"/>
+            <a:endCxn id="2" idx="0"/>
+          </p:cNvCxnSpPr>
+          <p:nvPr/>
+        </p:nvCxnSpPr>
+        <p:spPr>
+          <a:xfrm flipH="1">
+            <a:off x="7221068" y="2333149"/>
+            <a:ext cx="192" cy="1725476"/>
+          </a:xfrm>
+          <a:prstGeom prst="straightConnector1">
+            <a:avLst/>
+          </a:prstGeom>
+          <a:ln>
+            <a:tailEnd type="triangle"/>
+          </a:ln>
+        </p:spPr>
+        <p:style>
+          <a:lnRef idx="1">
+            <a:schemeClr val="accent1"/>
+          </a:lnRef>
+          <a:fillRef idx="0">
+            <a:schemeClr val="accent1"/>
+          </a:fillRef>
+          <a:effectRef idx="0">
+            <a:schemeClr val="accent1"/>
+          </a:effectRef>
+          <a:fontRef idx="minor">
+            <a:schemeClr val="tx1"/>
+          </a:fontRef>
+        </p:style>
+      </p:cxnSp>
+    </p:spTree>
+    <p:extLst>
+      <p:ext uri="{BB962C8B-B14F-4D97-AF65-F5344CB8AC3E}">
+        <p14:creationId xmlns:p14="http://schemas.microsoft.com/office/powerpoint/2010/main" val="202767212"/>
+      </p:ext>
+    </p:extLst>
+  </p:cSld>
+  <p:clrMapOvr>
+    <a:masterClrMapping/>
+  </p:clrMapOvr>
+</p:sld>
+</file>
+
+<file path=ppt/slides/slide9.xml><?xml version="1.0" encoding="utf-8"?>
+<p:sld xmlns:a="http://schemas.openxmlformats.org/drawingml/2006/main" xmlns:r="http://schemas.openxmlformats.org/officeDocument/2006/relationships" xmlns:p="http://schemas.openxmlformats.org/presentationml/2006/main">
+  <p:cSld>
+    <p:spTree>
+      <p:nvGrpSpPr>
+        <p:cNvPr id="1" name=""/>
+        <p:cNvGrpSpPr/>
+        <p:nvPr/>
+      </p:nvGrpSpPr>
+      <p:grpSpPr>
+        <a:xfrm>
+          <a:off x="0" y="0"/>
+          <a:ext cx="0" cy="0"/>
+          <a:chOff x="0" y="0"/>
+          <a:chExt cx="0" cy="0"/>
+        </a:xfrm>
+      </p:grpSpPr>
+      <p:pic>
+        <p:nvPicPr>
+          <p:cNvPr id="4" name="Picture 2" descr="http://www.planet3films.com/wp-content/uploads/2012/01/download-button.png"/>
+          <p:cNvPicPr>
+            <a:picLocks noChangeAspect="1" noChangeArrowheads="1"/>
+          </p:cNvPicPr>
+          <p:nvPr/>
+        </p:nvPicPr>
+        <p:blipFill>
+          <a:blip r:embed="rId2" cstate="print">
+            <a:extLst>
+              <a:ext uri="{28A0092B-C50C-407E-A947-70E740481C1C}">
+                <a14:useLocalDpi xmlns:a14="http://schemas.microsoft.com/office/drawing/2010/main" val="0"/>
+              </a:ext>
+            </a:extLst>
+          </a:blip>
+          <a:srcRect/>
+          <a:stretch>
+            <a:fillRect/>
+          </a:stretch>
+        </p:blipFill>
+        <p:spPr bwMode="auto">
+          <a:xfrm>
+            <a:off x="457200" y="1976542"/>
+            <a:ext cx="969840" cy="927167"/>
+          </a:xfrm>
+          <a:prstGeom prst="rect">
+            <a:avLst/>
+          </a:prstGeom>
+          <a:noFill/>
+          <a:extLst>
+            <a:ext uri="{909E8E84-426E-40DD-AFC4-6F175D3DCCD1}">
+              <a14:hiddenFill xmlns:a14="http://schemas.microsoft.com/office/drawing/2010/main">
+                <a:solidFill>
+                  <a:srgbClr val="FFFFFF"/>
+                </a:solidFill>
+              </a14:hiddenFill>
+            </a:ext>
+          </a:extLst>
+        </p:spPr>
+      </p:pic>
+      <p:sp>
+        <p:nvSpPr>
+          <p:cNvPr id="5" name="Title 5"/>
+          <p:cNvSpPr>
+            <a:spLocks noGrp="1"/>
+          </p:cNvSpPr>
+          <p:nvPr>
+            <p:ph type="title"/>
+          </p:nvPr>
+        </p:nvSpPr>
+        <p:spPr>
+          <a:xfrm>
+            <a:off x="457200" y="274637"/>
+            <a:ext cx="8229600" cy="1143000"/>
+          </a:xfrm>
+        </p:spPr>
+        <p:txBody>
+          <a:bodyPr>
+            <a:normAutofit/>
+          </a:bodyPr>
+          <a:lstStyle/>
+          <a:p>
+            <a:r>
+              <a:rPr lang="vi-VN" sz="5400" dirty="0" smtClean="0">
+                <a:solidFill>
+                  <a:schemeClr val="bg1"/>
+                </a:solidFill>
+                <a:latin typeface="Cambria"/>
+                <a:ea typeface="Cambria"/>
+                <a:cs typeface="Cambria"/>
+                <a:sym typeface="Cambria"/>
+              </a:rPr>
+              <a:t>Architecture</a:t>
+            </a:r>
+            <a:endParaRPr lang="en-US" sz="5400" dirty="0">
+              <a:solidFill>
+                <a:schemeClr val="bg1"/>
+              </a:solidFill>
+              <a:latin typeface="Cambria"/>
+              <a:ea typeface="Cambria"/>
+              <a:cs typeface="Cambria"/>
+              <a:sym typeface="Cambria"/>
+            </a:endParaRPr>
+          </a:p>
+        </p:txBody>
+      </p:sp>
+      <p:pic>
+        <p:nvPicPr>
+          <p:cNvPr id="2050" name="Picture 2" descr="http://www.otofun.net/data/avatars/l/377/377693.jpg?1439537488"/>
+          <p:cNvPicPr>
+            <a:picLocks noChangeAspect="1" noChangeArrowheads="1"/>
+          </p:cNvPicPr>
+          <p:nvPr/>
+        </p:nvPicPr>
+        <p:blipFill>
+          <a:blip r:embed="rId3">
+            <a:extLst>
+              <a:ext uri="{28A0092B-C50C-407E-A947-70E740481C1C}">
+                <a14:useLocalDpi xmlns:a14="http://schemas.microsoft.com/office/drawing/2010/main" val="0"/>
+              </a:ext>
+            </a:extLst>
+          </a:blip>
+          <a:srcRect/>
+          <a:stretch>
+            <a:fillRect/>
+          </a:stretch>
+        </p:blipFill>
+        <p:spPr bwMode="auto">
+          <a:xfrm>
+            <a:off x="6739255" y="1678124"/>
+            <a:ext cx="1524000" cy="1524001"/>
+          </a:xfrm>
+          <a:prstGeom prst="rect">
+            <a:avLst/>
+          </a:prstGeom>
+          <a:noFill/>
+          <a:extLst>
+            <a:ext uri="{909E8E84-426E-40DD-AFC4-6F175D3DCCD1}">
+              <a14:hiddenFill xmlns:a14="http://schemas.microsoft.com/office/drawing/2010/main">
+                <a:solidFill>
+                  <a:srgbClr val="FFFFFF"/>
+                </a:solidFill>
+              </a14:hiddenFill>
+            </a:ext>
+          </a:extLst>
+        </p:spPr>
+      </p:pic>
+      <p:cxnSp>
+        <p:nvCxnSpPr>
+          <p:cNvPr id="8" name="Straight Arrow Connector 7"/>
+          <p:cNvCxnSpPr/>
+          <p:nvPr/>
+        </p:nvCxnSpPr>
+        <p:spPr>
+          <a:xfrm flipV="1">
+            <a:off x="1427040" y="2419643"/>
+            <a:ext cx="2097234" cy="20483"/>
+          </a:xfrm>
+          <a:prstGeom prst="straightConnector1">
+            <a:avLst/>
+          </a:prstGeom>
+          <a:ln>
+            <a:tailEnd type="triangle"/>
+          </a:ln>
+        </p:spPr>
+        <p:style>
+          <a:lnRef idx="1">
+            <a:schemeClr val="accent1"/>
+          </a:lnRef>
+          <a:fillRef idx="0">
+            <a:schemeClr val="accent1"/>
+          </a:fillRef>
+          <a:effectRef idx="0">
+            <a:schemeClr val="accent1"/>
+          </a:effectRef>
+          <a:fontRef idx="minor">
+            <a:schemeClr val="tx1"/>
+          </a:fontRef>
+        </p:style>
+      </p:cxnSp>
+      <p:cxnSp>
+        <p:nvCxnSpPr>
+          <p:cNvPr id="9" name="Straight Arrow Connector 8"/>
+          <p:cNvCxnSpPr>
+            <a:endCxn id="2050" idx="1"/>
+          </p:cNvCxnSpPr>
+          <p:nvPr/>
+        </p:nvCxnSpPr>
+        <p:spPr>
+          <a:xfrm>
+            <a:off x="5180080" y="2440124"/>
+            <a:ext cx="1559175" cy="1"/>
+          </a:xfrm>
+          <a:prstGeom prst="straightConnector1">
+            <a:avLst/>
+          </a:prstGeom>
+          <a:ln>
+            <a:tailEnd type="triangle"/>
+          </a:ln>
+        </p:spPr>
+        <p:style>
+          <a:lnRef idx="1">
+            <a:schemeClr val="accent1"/>
+          </a:lnRef>
+          <a:fillRef idx="0">
+            <a:schemeClr val="accent1"/>
+          </a:fillRef>
+          <a:effectRef idx="0">
+            <a:schemeClr val="accent1"/>
+          </a:effectRef>
+          <a:fontRef idx="minor">
+            <a:schemeClr val="tx1"/>
+          </a:fontRef>
+        </p:style>
+      </p:cxnSp>
+      <p:sp>
+        <p:nvSpPr>
+          <p:cNvPr id="10" name="Rectangle 9"/>
+          <p:cNvSpPr/>
+          <p:nvPr/>
+        </p:nvSpPr>
+        <p:spPr>
+          <a:xfrm>
+            <a:off x="3524274" y="1612221"/>
+            <a:ext cx="1655806" cy="1655806"/>
+          </a:xfrm>
+          <a:prstGeom prst="rect">
+            <a:avLst/>
+          </a:prstGeom>
+          <a:noFill/>
+          <a:ln>
+            <a:solidFill>
+              <a:schemeClr val="tx1"/>
+            </a:solidFill>
+          </a:ln>
+        </p:spPr>
+        <p:style>
+          <a:lnRef idx="2">
+            <a:schemeClr val="accent1">
+              <a:shade val="50000"/>
+            </a:schemeClr>
+          </a:lnRef>
+          <a:fillRef idx="1">
+            <a:schemeClr val="accent1"/>
+          </a:fillRef>
+          <a:effectRef idx="0">
+            <a:schemeClr val="accent1"/>
+          </a:effectRef>
+          <a:fontRef idx="minor">
+            <a:schemeClr val="lt1"/>
+          </a:fontRef>
+        </p:style>
+        <p:txBody>
+          <a:bodyPr rtlCol="0" anchor="ctr"/>
+          <a:lstStyle/>
+          <a:p>
+            <a:pPr algn="ctr"/>
+            <a:r>
+              <a:rPr lang="en-US" sz="2000" dirty="0" smtClean="0">
+                <a:solidFill>
+                  <a:schemeClr val="tx1"/>
+                </a:solidFill>
+              </a:rPr>
+              <a:t>Create list of stings from list of step</a:t>
+            </a:r>
+            <a:endParaRPr lang="en-US" sz="2000" dirty="0">
+              <a:solidFill>
+                <a:schemeClr val="tx1"/>
+              </a:solidFill>
+            </a:endParaRPr>
+          </a:p>
+        </p:txBody>
+      </p:sp>
+      <p:sp>
+        <p:nvSpPr>
+          <p:cNvPr id="11" name="TextBox 10"/>
+          <p:cNvSpPr txBox="1"/>
+          <p:nvPr/>
+        </p:nvSpPr>
+        <p:spPr>
+          <a:xfrm>
+            <a:off x="1412956" y="2074364"/>
+            <a:ext cx="2008114" cy="400110"/>
+          </a:xfrm>
+          <a:prstGeom prst="rect">
+            <a:avLst/>
+          </a:prstGeom>
+          <a:noFill/>
+        </p:spPr>
+        <p:txBody>
+          <a:bodyPr wrap="none" rtlCol="0">
+            <a:spAutoFit/>
+          </a:bodyPr>
+          <a:lstStyle/>
+          <a:p>
+            <a:r>
+              <a:rPr lang="en-US" sz="2000" dirty="0" smtClean="0"/>
+              <a:t>Download button</a:t>
+            </a:r>
+            <a:endParaRPr lang="en-US" sz="2000" dirty="0"/>
+          </a:p>
+        </p:txBody>
+      </p:sp>
+      <p:sp>
+        <p:nvSpPr>
+          <p:cNvPr id="12" name="TextBox 11"/>
+          <p:cNvSpPr txBox="1"/>
+          <p:nvPr/>
+        </p:nvSpPr>
+        <p:spPr>
+          <a:xfrm>
+            <a:off x="5163129" y="2029774"/>
+            <a:ext cx="1555362" cy="400110"/>
+          </a:xfrm>
+          <a:prstGeom prst="rect">
+            <a:avLst/>
+          </a:prstGeom>
+          <a:noFill/>
+        </p:spPr>
+        <p:txBody>
+          <a:bodyPr wrap="none" rtlCol="0">
+            <a:spAutoFit/>
+          </a:bodyPr>
+          <a:lstStyle/>
+          <a:p>
+            <a:r>
+              <a:rPr lang="en-US" sz="2000" dirty="0" smtClean="0"/>
+              <a:t>Send request</a:t>
+            </a:r>
+            <a:endParaRPr lang="en-US" sz="2000" dirty="0"/>
+          </a:p>
+        </p:txBody>
+      </p:sp>
+      <p:sp>
+        <p:nvSpPr>
+          <p:cNvPr id="2" name="Rectangle 1"/>
+          <p:cNvSpPr/>
+          <p:nvPr/>
+        </p:nvSpPr>
+        <p:spPr>
+          <a:xfrm>
+            <a:off x="942120" y="6074118"/>
+            <a:ext cx="7462912" cy="369332"/>
+          </a:xfrm>
+          <a:prstGeom prst="rect">
+            <a:avLst/>
+          </a:prstGeom>
+        </p:spPr>
+        <p:txBody>
+          <a:bodyPr wrap="square">
+            <a:spAutoFit/>
+          </a:bodyPr>
+          <a:lstStyle/>
+          <a:p>
+            <a:r>
+              <a:rPr lang="en-US" dirty="0"/>
+              <a:t>http://</a:t>
+            </a:r>
+            <a:r>
+              <a:rPr lang="en-US" dirty="0" smtClean="0"/>
+              <a:t>118.69.135.22/synthesis/file?voiceType=female&amp;text=</a:t>
+            </a:r>
+            <a:r>
+              <a:rPr lang="en-US" dirty="0" smtClean="0">
+                <a:solidFill>
+                  <a:srgbClr val="FF0000"/>
+                </a:solidFill>
+              </a:rPr>
+              <a:t>String</a:t>
+            </a:r>
+            <a:endParaRPr lang="en-US" dirty="0">
+              <a:solidFill>
+                <a:srgbClr val="FF0000"/>
+              </a:solidFill>
+            </a:endParaRPr>
+          </a:p>
+        </p:txBody>
+      </p:sp>
+    </p:spTree>
+    <p:extLst>
+      <p:ext uri="{BB962C8B-B14F-4D97-AF65-F5344CB8AC3E}">
+        <p14:creationId xmlns:p14="http://schemas.microsoft.com/office/powerpoint/2010/main" val="3423415476"/>
+      </p:ext>
+    </p:extLst>
+  </p:cSld>
+  <p:clrMapOvr>
+    <a:masterClrMapping/>
+  </p:clrMapOvr>
 </p:sld>
 </file>
 
